--- a/Защита/Презентация.pptx
+++ b/Защита/Презентация.pptx
@@ -2,8 +2,17 @@
 <file path=ppt/presentation.xml><?xml version="1.0" encoding="utf-8"?>
 <p:presentation xmlns:a="http://schemas.openxmlformats.org/drawingml/2006/main" xmlns:r="http://schemas.openxmlformats.org/officeDocument/2006/relationships" xmlns:p="http://schemas.openxmlformats.org/presentationml/2006/main" saveSubsetFonts="1">
   <p:sldMasterIdLst>
-    <p:sldMasterId id="2147483648" r:id="rId1"/>
+    <p:sldMasterId id="2147483660" r:id="rId1"/>
   </p:sldMasterIdLst>
+  <p:sldIdLst>
+    <p:sldId id="256" r:id="rId2"/>
+    <p:sldId id="257" r:id="rId3"/>
+    <p:sldId id="258" r:id="rId4"/>
+    <p:sldId id="259" r:id="rId5"/>
+    <p:sldId id="260" r:id="rId6"/>
+    <p:sldId id="261" r:id="rId7"/>
+    <p:sldId id="262" r:id="rId8"/>
+  </p:sldIdLst>
   <p:sldSz cx="9144000" cy="6858000" type="screen4x3"/>
   <p:notesSz cx="6858000" cy="9144000"/>
   <p:defaultTextStyle>
@@ -105,7 +114,7 @@
 </file>
 
 <file path=ppt/slideLayouts/slideLayout1.xml><?xml version="1.0" encoding="utf-8"?>
-<p:sldLayout xmlns:a="http://schemas.openxmlformats.org/drawingml/2006/main" xmlns:r="http://schemas.openxmlformats.org/officeDocument/2006/relationships" xmlns:p="http://schemas.openxmlformats.org/presentationml/2006/main" type="title" preserve="1">
+<p:sldLayout xmlns:a="http://schemas.openxmlformats.org/drawingml/2006/main" xmlns:r="http://schemas.openxmlformats.org/officeDocument/2006/relationships" xmlns:p="http://schemas.openxmlformats.org/presentationml/2006/main" showMasterSp="0" type="title" preserve="1">
   <p:cSld name="Титульный слайд">
     <p:spTree>
       <p:nvGrpSpPr>
@@ -123,7 +132,529 @@
       </p:grpSpPr>
       <p:sp>
         <p:nvSpPr>
-          <p:cNvPr id="2" name="Заголовок 1"/>
+          <p:cNvPr id="23" name="Прямоугольник 22"/>
+          <p:cNvSpPr/>
+          <p:nvPr/>
+        </p:nvSpPr>
+        <p:spPr>
+          <a:xfrm flipV="1">
+            <a:off x="5410182" y="3810000"/>
+            <a:ext cx="3733819" cy="91087"/>
+          </a:xfrm>
+          <a:prstGeom prst="rect">
+            <a:avLst/>
+          </a:prstGeom>
+          <a:solidFill>
+            <a:schemeClr val="accent2">
+              <a:alpha val="100000"/>
+            </a:schemeClr>
+          </a:solidFill>
+          <a:ln w="50800" cap="rnd" cmpd="thickThin" algn="ctr">
+            <a:noFill/>
+            <a:prstDash val="solid"/>
+          </a:ln>
+          <a:effectLst/>
+        </p:spPr>
+        <p:style>
+          <a:lnRef idx="3">
+            <a:schemeClr val="lt1"/>
+          </a:lnRef>
+          <a:fillRef idx="1">
+            <a:schemeClr val="accent1"/>
+          </a:fillRef>
+          <a:effectRef idx="1">
+            <a:schemeClr val="accent1"/>
+          </a:effectRef>
+          <a:fontRef idx="minor">
+            <a:schemeClr val="lt1"/>
+          </a:fontRef>
+        </p:style>
+        <p:txBody>
+          <a:bodyPr anchor="ctr"/>
+          <a:lstStyle/>
+          <a:p>
+            <a:pPr algn="ctr" eaLnBrk="1" latinLnBrk="0" hangingPunct="1"/>
+            <a:endParaRPr kumimoji="0" lang="en-US"/>
+          </a:p>
+        </p:txBody>
+      </p:sp>
+      <p:sp>
+        <p:nvSpPr>
+          <p:cNvPr id="24" name="Прямоугольник 23"/>
+          <p:cNvSpPr/>
+          <p:nvPr/>
+        </p:nvSpPr>
+        <p:spPr>
+          <a:xfrm flipV="1">
+            <a:off x="5410200" y="3897010"/>
+            <a:ext cx="3733801" cy="192024"/>
+          </a:xfrm>
+          <a:prstGeom prst="rect">
+            <a:avLst/>
+          </a:prstGeom>
+          <a:solidFill>
+            <a:schemeClr val="accent2">
+              <a:alpha val="50000"/>
+            </a:schemeClr>
+          </a:solidFill>
+          <a:ln w="50800" cap="rnd" cmpd="thickThin" algn="ctr">
+            <a:noFill/>
+            <a:prstDash val="solid"/>
+          </a:ln>
+          <a:effectLst/>
+        </p:spPr>
+        <p:style>
+          <a:lnRef idx="3">
+            <a:schemeClr val="lt1"/>
+          </a:lnRef>
+          <a:fillRef idx="1">
+            <a:schemeClr val="accent1"/>
+          </a:fillRef>
+          <a:effectRef idx="1">
+            <a:schemeClr val="accent1"/>
+          </a:effectRef>
+          <a:fontRef idx="minor">
+            <a:schemeClr val="lt1"/>
+          </a:fontRef>
+        </p:style>
+        <p:txBody>
+          <a:bodyPr anchor="ctr"/>
+          <a:lstStyle/>
+          <a:p>
+            <a:pPr algn="ctr" eaLnBrk="1" latinLnBrk="0" hangingPunct="1"/>
+            <a:endParaRPr kumimoji="0" lang="en-US"/>
+          </a:p>
+        </p:txBody>
+      </p:sp>
+      <p:sp>
+        <p:nvSpPr>
+          <p:cNvPr id="25" name="Прямоугольник 24"/>
+          <p:cNvSpPr/>
+          <p:nvPr/>
+        </p:nvSpPr>
+        <p:spPr>
+          <a:xfrm flipV="1">
+            <a:off x="5410200" y="4115167"/>
+            <a:ext cx="3733801" cy="9144"/>
+          </a:xfrm>
+          <a:prstGeom prst="rect">
+            <a:avLst/>
+          </a:prstGeom>
+          <a:solidFill>
+            <a:schemeClr val="accent2">
+              <a:alpha val="65000"/>
+            </a:schemeClr>
+          </a:solidFill>
+          <a:ln w="50800" cap="rnd" cmpd="thickThin" algn="ctr">
+            <a:noFill/>
+            <a:prstDash val="solid"/>
+          </a:ln>
+          <a:effectLst/>
+        </p:spPr>
+        <p:style>
+          <a:lnRef idx="3">
+            <a:schemeClr val="lt1"/>
+          </a:lnRef>
+          <a:fillRef idx="1">
+            <a:schemeClr val="accent1"/>
+          </a:fillRef>
+          <a:effectRef idx="1">
+            <a:schemeClr val="accent1"/>
+          </a:effectRef>
+          <a:fontRef idx="minor">
+            <a:schemeClr val="lt1"/>
+          </a:fontRef>
+        </p:style>
+        <p:txBody>
+          <a:bodyPr anchor="ctr"/>
+          <a:lstStyle/>
+          <a:p>
+            <a:pPr algn="ctr" eaLnBrk="1" latinLnBrk="0" hangingPunct="1"/>
+            <a:endParaRPr kumimoji="0" lang="en-US"/>
+          </a:p>
+        </p:txBody>
+      </p:sp>
+      <p:sp>
+        <p:nvSpPr>
+          <p:cNvPr id="26" name="Прямоугольник 25"/>
+          <p:cNvSpPr/>
+          <p:nvPr/>
+        </p:nvSpPr>
+        <p:spPr>
+          <a:xfrm flipV="1">
+            <a:off x="5410200" y="4164403"/>
+            <a:ext cx="1965960" cy="18288"/>
+          </a:xfrm>
+          <a:prstGeom prst="rect">
+            <a:avLst/>
+          </a:prstGeom>
+          <a:solidFill>
+            <a:schemeClr val="accent2">
+              <a:alpha val="60000"/>
+            </a:schemeClr>
+          </a:solidFill>
+          <a:ln w="50800" cap="rnd" cmpd="thickThin" algn="ctr">
+            <a:noFill/>
+            <a:prstDash val="solid"/>
+          </a:ln>
+          <a:effectLst/>
+        </p:spPr>
+        <p:style>
+          <a:lnRef idx="3">
+            <a:schemeClr val="lt1"/>
+          </a:lnRef>
+          <a:fillRef idx="1">
+            <a:schemeClr val="accent1"/>
+          </a:fillRef>
+          <a:effectRef idx="1">
+            <a:schemeClr val="accent1"/>
+          </a:effectRef>
+          <a:fontRef idx="minor">
+            <a:schemeClr val="lt1"/>
+          </a:fontRef>
+        </p:style>
+        <p:txBody>
+          <a:bodyPr anchor="ctr"/>
+          <a:lstStyle/>
+          <a:p>
+            <a:pPr algn="ctr" eaLnBrk="1" latinLnBrk="0" hangingPunct="1"/>
+            <a:endParaRPr kumimoji="0" lang="en-US"/>
+          </a:p>
+        </p:txBody>
+      </p:sp>
+      <p:sp>
+        <p:nvSpPr>
+          <p:cNvPr id="27" name="Прямоугольник 26"/>
+          <p:cNvSpPr/>
+          <p:nvPr/>
+        </p:nvSpPr>
+        <p:spPr>
+          <a:xfrm flipV="1">
+            <a:off x="5410200" y="4199572"/>
+            <a:ext cx="1965960" cy="9144"/>
+          </a:xfrm>
+          <a:prstGeom prst="rect">
+            <a:avLst/>
+          </a:prstGeom>
+          <a:solidFill>
+            <a:schemeClr val="accent2">
+              <a:alpha val="65000"/>
+            </a:schemeClr>
+          </a:solidFill>
+          <a:ln w="50800" cap="rnd" cmpd="thickThin" algn="ctr">
+            <a:noFill/>
+            <a:prstDash val="solid"/>
+          </a:ln>
+          <a:effectLst/>
+        </p:spPr>
+        <p:style>
+          <a:lnRef idx="3">
+            <a:schemeClr val="lt1"/>
+          </a:lnRef>
+          <a:fillRef idx="1">
+            <a:schemeClr val="accent1"/>
+          </a:fillRef>
+          <a:effectRef idx="1">
+            <a:schemeClr val="accent1"/>
+          </a:effectRef>
+          <a:fontRef idx="minor">
+            <a:schemeClr val="lt1"/>
+          </a:fontRef>
+        </p:style>
+        <p:txBody>
+          <a:bodyPr anchor="ctr"/>
+          <a:lstStyle/>
+          <a:p>
+            <a:pPr algn="ctr" eaLnBrk="1" latinLnBrk="0" hangingPunct="1"/>
+            <a:endParaRPr kumimoji="0" lang="en-US"/>
+          </a:p>
+        </p:txBody>
+      </p:sp>
+      <p:sp useBgFill="1">
+        <p:nvSpPr>
+          <p:cNvPr id="30" name="Скругленный прямоугольник 29"/>
+          <p:cNvSpPr/>
+          <p:nvPr/>
+        </p:nvSpPr>
+        <p:spPr bwMode="white">
+          <a:xfrm>
+            <a:off x="5410200" y="3962400"/>
+            <a:ext cx="3063240" cy="27432"/>
+          </a:xfrm>
+          <a:prstGeom prst="roundRect">
+            <a:avLst>
+              <a:gd name="adj" fmla="val 16667"/>
+            </a:avLst>
+          </a:prstGeom>
+          <a:ln w="50800" cap="rnd" cmpd="thickThin" algn="ctr">
+            <a:noFill/>
+            <a:prstDash val="solid"/>
+          </a:ln>
+          <a:effectLst/>
+        </p:spPr>
+        <p:style>
+          <a:lnRef idx="3">
+            <a:schemeClr val="lt1"/>
+          </a:lnRef>
+          <a:fillRef idx="1">
+            <a:schemeClr val="accent1"/>
+          </a:fillRef>
+          <a:effectRef idx="1">
+            <a:schemeClr val="accent1"/>
+          </a:effectRef>
+          <a:fontRef idx="minor">
+            <a:schemeClr val="lt1"/>
+          </a:fontRef>
+        </p:style>
+        <p:txBody>
+          <a:bodyPr anchor="ctr"/>
+          <a:lstStyle/>
+          <a:p>
+            <a:pPr algn="ctr" eaLnBrk="1" latinLnBrk="0" hangingPunct="1"/>
+            <a:endParaRPr kumimoji="0" lang="en-US"/>
+          </a:p>
+        </p:txBody>
+      </p:sp>
+      <p:sp useBgFill="1">
+        <p:nvSpPr>
+          <p:cNvPr id="31" name="Скругленный прямоугольник 30"/>
+          <p:cNvSpPr/>
+          <p:nvPr/>
+        </p:nvSpPr>
+        <p:spPr bwMode="white">
+          <a:xfrm>
+            <a:off x="7376507" y="4060983"/>
+            <a:ext cx="1600200" cy="36576"/>
+          </a:xfrm>
+          <a:prstGeom prst="roundRect">
+            <a:avLst>
+              <a:gd name="adj" fmla="val 16667"/>
+            </a:avLst>
+          </a:prstGeom>
+          <a:ln w="50800" cap="rnd" cmpd="thickThin" algn="ctr">
+            <a:noFill/>
+            <a:prstDash val="solid"/>
+          </a:ln>
+          <a:effectLst/>
+        </p:spPr>
+        <p:style>
+          <a:lnRef idx="3">
+            <a:schemeClr val="lt1"/>
+          </a:lnRef>
+          <a:fillRef idx="1">
+            <a:schemeClr val="accent1"/>
+          </a:fillRef>
+          <a:effectRef idx="1">
+            <a:schemeClr val="accent1"/>
+          </a:effectRef>
+          <a:fontRef idx="minor">
+            <a:schemeClr val="lt1"/>
+          </a:fontRef>
+        </p:style>
+        <p:txBody>
+          <a:bodyPr anchor="ctr"/>
+          <a:lstStyle/>
+          <a:p>
+            <a:pPr algn="ctr" eaLnBrk="1" latinLnBrk="0" hangingPunct="1"/>
+            <a:endParaRPr kumimoji="0" lang="en-US"/>
+          </a:p>
+        </p:txBody>
+      </p:sp>
+      <p:sp>
+        <p:nvSpPr>
+          <p:cNvPr id="7" name="Прямоугольник 6"/>
+          <p:cNvSpPr/>
+          <p:nvPr/>
+        </p:nvSpPr>
+        <p:spPr>
+          <a:xfrm>
+            <a:off x="1" y="3649662"/>
+            <a:ext cx="9144000" cy="244170"/>
+          </a:xfrm>
+          <a:prstGeom prst="rect">
+            <a:avLst/>
+          </a:prstGeom>
+          <a:solidFill>
+            <a:schemeClr val="accent2">
+              <a:alpha val="50000"/>
+            </a:schemeClr>
+          </a:solidFill>
+          <a:ln w="50800" cap="rnd" cmpd="thickThin" algn="ctr">
+            <a:noFill/>
+            <a:prstDash val="solid"/>
+          </a:ln>
+          <a:effectLst/>
+        </p:spPr>
+        <p:style>
+          <a:lnRef idx="3">
+            <a:schemeClr val="lt1"/>
+          </a:lnRef>
+          <a:fillRef idx="1">
+            <a:schemeClr val="accent1"/>
+          </a:fillRef>
+          <a:effectRef idx="1">
+            <a:schemeClr val="accent1"/>
+          </a:effectRef>
+          <a:fontRef idx="minor">
+            <a:schemeClr val="lt1"/>
+          </a:fontRef>
+        </p:style>
+        <p:txBody>
+          <a:bodyPr anchor="ctr"/>
+          <a:lstStyle/>
+          <a:p>
+            <a:pPr algn="ctr" eaLnBrk="1" latinLnBrk="0" hangingPunct="1"/>
+            <a:endParaRPr kumimoji="0" lang="en-US"/>
+          </a:p>
+        </p:txBody>
+      </p:sp>
+      <p:sp>
+        <p:nvSpPr>
+          <p:cNvPr id="10" name="Прямоугольник 9"/>
+          <p:cNvSpPr/>
+          <p:nvPr/>
+        </p:nvSpPr>
+        <p:spPr>
+          <a:xfrm>
+            <a:off x="0" y="3675527"/>
+            <a:ext cx="9144001" cy="140677"/>
+          </a:xfrm>
+          <a:prstGeom prst="rect">
+            <a:avLst/>
+          </a:prstGeom>
+          <a:solidFill>
+            <a:schemeClr val="accent2">
+              <a:alpha val="100000"/>
+            </a:schemeClr>
+          </a:solidFill>
+          <a:ln w="50800" cap="rnd" cmpd="thickThin" algn="ctr">
+            <a:noFill/>
+            <a:prstDash val="solid"/>
+          </a:ln>
+          <a:effectLst/>
+        </p:spPr>
+        <p:style>
+          <a:lnRef idx="3">
+            <a:schemeClr val="lt1"/>
+          </a:lnRef>
+          <a:fillRef idx="1">
+            <a:schemeClr val="accent1"/>
+          </a:fillRef>
+          <a:effectRef idx="1">
+            <a:schemeClr val="accent1"/>
+          </a:effectRef>
+          <a:fontRef idx="minor">
+            <a:schemeClr val="lt1"/>
+          </a:fontRef>
+        </p:style>
+        <p:txBody>
+          <a:bodyPr anchor="ctr"/>
+          <a:lstStyle/>
+          <a:p>
+            <a:pPr algn="ctr" eaLnBrk="1" latinLnBrk="0" hangingPunct="1"/>
+            <a:endParaRPr kumimoji="0" lang="en-US"/>
+          </a:p>
+        </p:txBody>
+      </p:sp>
+      <p:sp>
+        <p:nvSpPr>
+          <p:cNvPr id="11" name="Прямоугольник 10"/>
+          <p:cNvSpPr/>
+          <p:nvPr/>
+        </p:nvSpPr>
+        <p:spPr>
+          <a:xfrm flipV="1">
+            <a:off x="6414051" y="3643090"/>
+            <a:ext cx="2729950" cy="248432"/>
+          </a:xfrm>
+          <a:prstGeom prst="rect">
+            <a:avLst/>
+          </a:prstGeom>
+          <a:solidFill>
+            <a:schemeClr val="accent2">
+              <a:alpha val="100000"/>
+            </a:schemeClr>
+          </a:solidFill>
+          <a:ln w="50800" cap="rnd" cmpd="thickThin" algn="ctr">
+            <a:noFill/>
+            <a:prstDash val="solid"/>
+          </a:ln>
+          <a:effectLst/>
+        </p:spPr>
+        <p:style>
+          <a:lnRef idx="3">
+            <a:schemeClr val="lt1"/>
+          </a:lnRef>
+          <a:fillRef idx="1">
+            <a:schemeClr val="accent1"/>
+          </a:fillRef>
+          <a:effectRef idx="1">
+            <a:schemeClr val="accent1"/>
+          </a:effectRef>
+          <a:fontRef idx="minor">
+            <a:schemeClr val="lt1"/>
+          </a:fontRef>
+        </p:style>
+        <p:txBody>
+          <a:bodyPr anchor="ctr"/>
+          <a:lstStyle/>
+          <a:p>
+            <a:pPr algn="ctr" eaLnBrk="1" latinLnBrk="0" hangingPunct="1"/>
+            <a:endParaRPr kumimoji="0" lang="en-US"/>
+          </a:p>
+        </p:txBody>
+      </p:sp>
+      <p:sp>
+        <p:nvSpPr>
+          <p:cNvPr id="19" name="Прямоугольник 18"/>
+          <p:cNvSpPr/>
+          <p:nvPr/>
+        </p:nvSpPr>
+        <p:spPr>
+          <a:xfrm>
+            <a:off x="0" y="0"/>
+            <a:ext cx="9144000" cy="3701700"/>
+          </a:xfrm>
+          <a:prstGeom prst="rect">
+            <a:avLst/>
+          </a:prstGeom>
+          <a:solidFill>
+            <a:schemeClr val="tx2">
+              <a:alpha val="100000"/>
+            </a:schemeClr>
+          </a:solidFill>
+          <a:ln w="50800" cap="rnd" cmpd="thickThin" algn="ctr">
+            <a:noFill/>
+            <a:prstDash val="solid"/>
+          </a:ln>
+          <a:effectLst/>
+        </p:spPr>
+        <p:style>
+          <a:lnRef idx="3">
+            <a:schemeClr val="lt1"/>
+          </a:lnRef>
+          <a:fillRef idx="1">
+            <a:schemeClr val="accent1"/>
+          </a:fillRef>
+          <a:effectRef idx="1">
+            <a:schemeClr val="accent1"/>
+          </a:effectRef>
+          <a:fontRef idx="minor">
+            <a:schemeClr val="lt1"/>
+          </a:fontRef>
+        </p:style>
+        <p:txBody>
+          <a:bodyPr anchor="ctr"/>
+          <a:lstStyle/>
+          <a:p>
+            <a:pPr algn="ctr" eaLnBrk="1" latinLnBrk="0" hangingPunct="1"/>
+            <a:endParaRPr kumimoji="0" lang="en-US"/>
+          </a:p>
+        </p:txBody>
+      </p:sp>
+      <p:sp>
+        <p:nvSpPr>
+          <p:cNvPr id="8" name="Заголовок 7"/>
           <p:cNvSpPr>
             <a:spLocks noGrp="1"/>
           </p:cNvSpPr>
@@ -133,25 +664,33 @@
         </p:nvSpPr>
         <p:spPr>
           <a:xfrm>
-            <a:off x="685800" y="2130425"/>
-            <a:ext cx="7772400" cy="1470025"/>
-          </a:xfrm>
-        </p:spPr>
-        <p:txBody>
-          <a:bodyPr/>
-          <a:lstStyle/>
-          <a:p>
-            <a:r>
-              <a:rPr lang="ru-RU" smtClean="0"/>
+            <a:off x="457200" y="2401887"/>
+            <a:ext cx="8458200" cy="1470025"/>
+          </a:xfrm>
+        </p:spPr>
+        <p:txBody>
+          <a:bodyPr anchor="b"/>
+          <a:lstStyle>
+            <a:lvl1pPr>
+              <a:defRPr sz="4400">
+                <a:solidFill>
+                  <a:schemeClr val="bg1"/>
+                </a:solidFill>
+              </a:defRPr>
+            </a:lvl1pPr>
+          </a:lstStyle>
+          <a:p>
+            <a:r>
+              <a:rPr kumimoji="0" lang="ru-RU" smtClean="0"/>
               <a:t>Образец заголовка</a:t>
             </a:r>
-            <a:endParaRPr lang="ru-RU"/>
-          </a:p>
-        </p:txBody>
-      </p:sp>
-      <p:sp>
-        <p:nvSpPr>
-          <p:cNvPr id="3" name="Подзаголовок 2"/>
+            <a:endParaRPr kumimoji="0" lang="en-US"/>
+          </a:p>
+        </p:txBody>
+      </p:sp>
+      <p:sp>
+        <p:nvSpPr>
+          <p:cNvPr id="9" name="Подзаголовок 8"/>
           <p:cNvSpPr>
             <a:spLocks noGrp="1"/>
           </p:cNvSpPr>
@@ -161,169 +700,134 @@
         </p:nvSpPr>
         <p:spPr>
           <a:xfrm>
-            <a:off x="1371600" y="3886200"/>
-            <a:ext cx="6400800" cy="1752600"/>
+            <a:off x="457200" y="3899938"/>
+            <a:ext cx="4953000" cy="1752600"/>
           </a:xfrm>
         </p:spPr>
         <p:txBody>
           <a:bodyPr/>
           <a:lstStyle>
-            <a:lvl1pPr marL="0" indent="0" algn="ctr">
+            <a:lvl1pPr marL="64008" indent="0" algn="l">
               <a:buNone/>
-              <a:defRPr>
+              <a:defRPr sz="2400">
                 <a:solidFill>
-                  <a:schemeClr val="tx1">
-                    <a:tint val="75000"/>
-                  </a:schemeClr>
+                  <a:schemeClr val="tx2"/>
                 </a:solidFill>
               </a:defRPr>
             </a:lvl1pPr>
             <a:lvl2pPr marL="457200" indent="0" algn="ctr">
               <a:buNone/>
-              <a:defRPr>
-                <a:solidFill>
-                  <a:schemeClr val="tx1">
-                    <a:tint val="75000"/>
-                  </a:schemeClr>
-                </a:solidFill>
-              </a:defRPr>
             </a:lvl2pPr>
             <a:lvl3pPr marL="914400" indent="0" algn="ctr">
               <a:buNone/>
-              <a:defRPr>
-                <a:solidFill>
-                  <a:schemeClr val="tx1">
-                    <a:tint val="75000"/>
-                  </a:schemeClr>
-                </a:solidFill>
-              </a:defRPr>
             </a:lvl3pPr>
             <a:lvl4pPr marL="1371600" indent="0" algn="ctr">
               <a:buNone/>
-              <a:defRPr>
-                <a:solidFill>
-                  <a:schemeClr val="tx1">
-                    <a:tint val="75000"/>
-                  </a:schemeClr>
-                </a:solidFill>
-              </a:defRPr>
             </a:lvl4pPr>
             <a:lvl5pPr marL="1828800" indent="0" algn="ctr">
               <a:buNone/>
-              <a:defRPr>
-                <a:solidFill>
-                  <a:schemeClr val="tx1">
-                    <a:tint val="75000"/>
-                  </a:schemeClr>
-                </a:solidFill>
-              </a:defRPr>
             </a:lvl5pPr>
             <a:lvl6pPr marL="2286000" indent="0" algn="ctr">
               <a:buNone/>
-              <a:defRPr>
-                <a:solidFill>
-                  <a:schemeClr val="tx1">
-                    <a:tint val="75000"/>
-                  </a:schemeClr>
-                </a:solidFill>
-              </a:defRPr>
             </a:lvl6pPr>
             <a:lvl7pPr marL="2743200" indent="0" algn="ctr">
               <a:buNone/>
-              <a:defRPr>
-                <a:solidFill>
-                  <a:schemeClr val="tx1">
-                    <a:tint val="75000"/>
-                  </a:schemeClr>
-                </a:solidFill>
-              </a:defRPr>
             </a:lvl7pPr>
             <a:lvl8pPr marL="3200400" indent="0" algn="ctr">
               <a:buNone/>
-              <a:defRPr>
-                <a:solidFill>
-                  <a:schemeClr val="tx1">
-                    <a:tint val="75000"/>
-                  </a:schemeClr>
-                </a:solidFill>
-              </a:defRPr>
             </a:lvl8pPr>
             <a:lvl9pPr marL="3657600" indent="0" algn="ctr">
               <a:buNone/>
-              <a:defRPr>
+            </a:lvl9pPr>
+          </a:lstStyle>
+          <a:p>
+            <a:r>
+              <a:rPr kumimoji="0" lang="ru-RU" smtClean="0"/>
+              <a:t>Образец подзаголовка</a:t>
+            </a:r>
+            <a:endParaRPr kumimoji="0" lang="en-US"/>
+          </a:p>
+        </p:txBody>
+      </p:sp>
+      <p:sp>
+        <p:nvSpPr>
+          <p:cNvPr id="28" name="Дата 27"/>
+          <p:cNvSpPr>
+            <a:spLocks noGrp="1"/>
+          </p:cNvSpPr>
+          <p:nvPr>
+            <p:ph type="dt" sz="half" idx="10"/>
+          </p:nvPr>
+        </p:nvSpPr>
+        <p:spPr>
+          <a:xfrm>
+            <a:off x="6705600" y="4206240"/>
+            <a:ext cx="960120" cy="457200"/>
+          </a:xfrm>
+        </p:spPr>
+        <p:txBody>
+          <a:bodyPr/>
+          <a:lstStyle/>
+          <a:p>
+            <a:fld id="{B4C71EC6-210F-42DE-9C53-41977AD35B3D}" type="datetimeFigureOut">
+              <a:rPr lang="ru-RU" smtClean="0"/>
+              <a:t>27.01.2020</a:t>
+            </a:fld>
+            <a:endParaRPr lang="ru-RU"/>
+          </a:p>
+        </p:txBody>
+      </p:sp>
+      <p:sp>
+        <p:nvSpPr>
+          <p:cNvPr id="17" name="Нижний колонтитул 16"/>
+          <p:cNvSpPr>
+            <a:spLocks noGrp="1"/>
+          </p:cNvSpPr>
+          <p:nvPr>
+            <p:ph type="ftr" sz="quarter" idx="11"/>
+          </p:nvPr>
+        </p:nvSpPr>
+        <p:spPr>
+          <a:xfrm>
+            <a:off x="5410200" y="4205288"/>
+            <a:ext cx="1295400" cy="457200"/>
+          </a:xfrm>
+        </p:spPr>
+        <p:txBody>
+          <a:bodyPr/>
+          <a:lstStyle/>
+          <a:p>
+            <a:endParaRPr lang="ru-RU"/>
+          </a:p>
+        </p:txBody>
+      </p:sp>
+      <p:sp>
+        <p:nvSpPr>
+          <p:cNvPr id="29" name="Номер слайда 28"/>
+          <p:cNvSpPr>
+            <a:spLocks noGrp="1"/>
+          </p:cNvSpPr>
+          <p:nvPr>
+            <p:ph type="sldNum" sz="quarter" idx="12"/>
+          </p:nvPr>
+        </p:nvSpPr>
+        <p:spPr>
+          <a:xfrm>
+            <a:off x="8320088" y="1136"/>
+            <a:ext cx="747712" cy="365760"/>
+          </a:xfrm>
+        </p:spPr>
+        <p:txBody>
+          <a:bodyPr/>
+          <a:lstStyle>
+            <a:lvl1pPr algn="r">
+              <a:defRPr sz="1800">
                 <a:solidFill>
-                  <a:schemeClr val="tx1">
-                    <a:tint val="75000"/>
-                  </a:schemeClr>
+                  <a:schemeClr val="bg1"/>
                 </a:solidFill>
               </a:defRPr>
-            </a:lvl9pPr>
+            </a:lvl1pPr>
           </a:lstStyle>
-          <a:p>
-            <a:r>
-              <a:rPr lang="ru-RU" smtClean="0"/>
-              <a:t>Образец подзаголовка</a:t>
-            </a:r>
-            <a:endParaRPr lang="ru-RU"/>
-          </a:p>
-        </p:txBody>
-      </p:sp>
-      <p:sp>
-        <p:nvSpPr>
-          <p:cNvPr id="4" name="Дата 3"/>
-          <p:cNvSpPr>
-            <a:spLocks noGrp="1"/>
-          </p:cNvSpPr>
-          <p:nvPr>
-            <p:ph type="dt" sz="half" idx="10"/>
-          </p:nvPr>
-        </p:nvSpPr>
-        <p:spPr/>
-        <p:txBody>
-          <a:bodyPr/>
-          <a:lstStyle/>
-          <a:p>
-            <a:fld id="{B4C71EC6-210F-42DE-9C53-41977AD35B3D}" type="datetimeFigureOut">
-              <a:rPr lang="ru-RU" smtClean="0"/>
-              <a:t>12.11.2009</a:t>
-            </a:fld>
-            <a:endParaRPr lang="ru-RU"/>
-          </a:p>
-        </p:txBody>
-      </p:sp>
-      <p:sp>
-        <p:nvSpPr>
-          <p:cNvPr id="5" name="Нижний колонтитул 4"/>
-          <p:cNvSpPr>
-            <a:spLocks noGrp="1"/>
-          </p:cNvSpPr>
-          <p:nvPr>
-            <p:ph type="ftr" sz="quarter" idx="11"/>
-          </p:nvPr>
-        </p:nvSpPr>
-        <p:spPr/>
-        <p:txBody>
-          <a:bodyPr/>
-          <a:lstStyle/>
-          <a:p>
-            <a:endParaRPr lang="ru-RU"/>
-          </a:p>
-        </p:txBody>
-      </p:sp>
-      <p:sp>
-        <p:nvSpPr>
-          <p:cNvPr id="6" name="Номер слайда 5"/>
-          <p:cNvSpPr>
-            <a:spLocks noGrp="1"/>
-          </p:cNvSpPr>
-          <p:nvPr>
-            <p:ph type="sldNum" sz="quarter" idx="12"/>
-          </p:nvPr>
-        </p:nvSpPr>
-        <p:spPr/>
-        <p:txBody>
-          <a:bodyPr/>
-          <a:lstStyle/>
           <a:p>
             <a:fld id="{B19B0651-EE4F-4900-A07F-96A6BFA9D0F0}" type="slidenum">
               <a:rPr lang="ru-RU" smtClean="0"/>
@@ -374,10 +878,10 @@
           <a:lstStyle/>
           <a:p>
             <a:r>
-              <a:rPr lang="ru-RU" smtClean="0"/>
+              <a:rPr kumimoji="0" lang="ru-RU" smtClean="0"/>
               <a:t>Образец заголовка</a:t>
             </a:r>
-            <a:endParaRPr lang="ru-RU"/>
+            <a:endParaRPr kumimoji="0" lang="en-US"/>
           </a:p>
         </p:txBody>
       </p:sp>
@@ -396,40 +900,40 @@
           <a:bodyPr vert="eaVert"/>
           <a:lstStyle/>
           <a:p>
-            <a:pPr lvl="0"/>
+            <a:pPr lvl="0" eaLnBrk="1" latinLnBrk="0" hangingPunct="1"/>
             <a:r>
               <a:rPr lang="ru-RU" smtClean="0"/>
               <a:t>Образец текста</a:t>
             </a:r>
           </a:p>
           <a:p>
-            <a:pPr lvl="1"/>
+            <a:pPr lvl="1" eaLnBrk="1" latinLnBrk="0" hangingPunct="1"/>
             <a:r>
               <a:rPr lang="ru-RU" smtClean="0"/>
               <a:t>Второй уровень</a:t>
             </a:r>
           </a:p>
           <a:p>
-            <a:pPr lvl="2"/>
+            <a:pPr lvl="2" eaLnBrk="1" latinLnBrk="0" hangingPunct="1"/>
             <a:r>
               <a:rPr lang="ru-RU" smtClean="0"/>
               <a:t>Третий уровень</a:t>
             </a:r>
           </a:p>
           <a:p>
-            <a:pPr lvl="3"/>
+            <a:pPr lvl="3" eaLnBrk="1" latinLnBrk="0" hangingPunct="1"/>
             <a:r>
               <a:rPr lang="ru-RU" smtClean="0"/>
               <a:t>Четвертый уровень</a:t>
             </a:r>
           </a:p>
           <a:p>
-            <a:pPr lvl="4"/>
+            <a:pPr lvl="4" eaLnBrk="1" latinLnBrk="0" hangingPunct="1"/>
             <a:r>
               <a:rPr lang="ru-RU" smtClean="0"/>
               <a:t>Пятый уровень</a:t>
             </a:r>
-            <a:endParaRPr lang="ru-RU"/>
+            <a:endParaRPr kumimoji="0" lang="en-US"/>
           </a:p>
         </p:txBody>
       </p:sp>
@@ -450,7 +954,7 @@
           <a:p>
             <a:fld id="{B4C71EC6-210F-42DE-9C53-41977AD35B3D}" type="datetimeFigureOut">
               <a:rPr lang="ru-RU" smtClean="0"/>
-              <a:t>12.11.2009</a:t>
+              <a:t>27.01.2020</a:t>
             </a:fld>
             <a:endParaRPr lang="ru-RU"/>
           </a:p>
@@ -535,8 +1039,8 @@
         </p:nvSpPr>
         <p:spPr>
           <a:xfrm>
-            <a:off x="6629400" y="274638"/>
-            <a:ext cx="2057400" cy="5851525"/>
+            <a:off x="6781800" y="1143000"/>
+            <a:ext cx="1905000" cy="5486400"/>
           </a:xfrm>
         </p:spPr>
         <p:txBody>
@@ -544,10 +1048,10 @@
           <a:lstStyle/>
           <a:p>
             <a:r>
-              <a:rPr lang="ru-RU" smtClean="0"/>
+              <a:rPr kumimoji="0" lang="ru-RU" smtClean="0"/>
               <a:t>Образец заголовка</a:t>
             </a:r>
-            <a:endParaRPr lang="ru-RU"/>
+            <a:endParaRPr kumimoji="0" lang="en-US"/>
           </a:p>
         </p:txBody>
       </p:sp>
@@ -563,48 +1067,48 @@
         </p:nvSpPr>
         <p:spPr>
           <a:xfrm>
-            <a:off x="457200" y="274638"/>
-            <a:ext cx="6019800" cy="5851525"/>
+            <a:off x="457200" y="1143000"/>
+            <a:ext cx="6248400" cy="5486400"/>
           </a:xfrm>
         </p:spPr>
         <p:txBody>
           <a:bodyPr vert="eaVert"/>
           <a:lstStyle/>
           <a:p>
-            <a:pPr lvl="0"/>
+            <a:pPr lvl="0" eaLnBrk="1" latinLnBrk="0" hangingPunct="1"/>
             <a:r>
               <a:rPr lang="ru-RU" smtClean="0"/>
               <a:t>Образец текста</a:t>
             </a:r>
           </a:p>
           <a:p>
-            <a:pPr lvl="1"/>
+            <a:pPr lvl="1" eaLnBrk="1" latinLnBrk="0" hangingPunct="1"/>
             <a:r>
               <a:rPr lang="ru-RU" smtClean="0"/>
               <a:t>Второй уровень</a:t>
             </a:r>
           </a:p>
           <a:p>
-            <a:pPr lvl="2"/>
+            <a:pPr lvl="2" eaLnBrk="1" latinLnBrk="0" hangingPunct="1"/>
             <a:r>
               <a:rPr lang="ru-RU" smtClean="0"/>
               <a:t>Третий уровень</a:t>
             </a:r>
           </a:p>
           <a:p>
-            <a:pPr lvl="3"/>
+            <a:pPr lvl="3" eaLnBrk="1" latinLnBrk="0" hangingPunct="1"/>
             <a:r>
               <a:rPr lang="ru-RU" smtClean="0"/>
               <a:t>Четвертый уровень</a:t>
             </a:r>
           </a:p>
           <a:p>
-            <a:pPr lvl="4"/>
+            <a:pPr lvl="4" eaLnBrk="1" latinLnBrk="0" hangingPunct="1"/>
             <a:r>
               <a:rPr lang="ru-RU" smtClean="0"/>
               <a:t>Пятый уровень</a:t>
             </a:r>
-            <a:endParaRPr lang="ru-RU"/>
+            <a:endParaRPr kumimoji="0" lang="en-US"/>
           </a:p>
         </p:txBody>
       </p:sp>
@@ -625,7 +1129,7 @@
           <a:p>
             <a:fld id="{B4C71EC6-210F-42DE-9C53-41977AD35B3D}" type="datetimeFigureOut">
               <a:rPr lang="ru-RU" smtClean="0"/>
-              <a:t>12.11.2009</a:t>
+              <a:t>27.01.2020</a:t>
             </a:fld>
             <a:endParaRPr lang="ru-RU"/>
           </a:p>
@@ -714,16 +1218,16 @@
           <a:lstStyle/>
           <a:p>
             <a:r>
-              <a:rPr lang="ru-RU" smtClean="0"/>
+              <a:rPr kumimoji="0" lang="ru-RU" smtClean="0"/>
               <a:t>Образец заголовка</a:t>
             </a:r>
-            <a:endParaRPr lang="ru-RU"/>
-          </a:p>
-        </p:txBody>
-      </p:sp>
-      <p:sp>
-        <p:nvSpPr>
-          <p:cNvPr id="3" name="Содержимое 2"/>
+            <a:endParaRPr kumimoji="0" lang="en-US"/>
+          </a:p>
+        </p:txBody>
+      </p:sp>
+      <p:sp>
+        <p:nvSpPr>
+          <p:cNvPr id="3" name="Объект 2"/>
           <p:cNvSpPr>
             <a:spLocks noGrp="1"/>
           </p:cNvSpPr>
@@ -736,40 +1240,40 @@
           <a:bodyPr/>
           <a:lstStyle/>
           <a:p>
-            <a:pPr lvl="0"/>
+            <a:pPr lvl="0" eaLnBrk="1" latinLnBrk="0" hangingPunct="1"/>
             <a:r>
               <a:rPr lang="ru-RU" smtClean="0"/>
               <a:t>Образец текста</a:t>
             </a:r>
           </a:p>
           <a:p>
-            <a:pPr lvl="1"/>
+            <a:pPr lvl="1" eaLnBrk="1" latinLnBrk="0" hangingPunct="1"/>
             <a:r>
               <a:rPr lang="ru-RU" smtClean="0"/>
               <a:t>Второй уровень</a:t>
             </a:r>
           </a:p>
           <a:p>
-            <a:pPr lvl="2"/>
+            <a:pPr lvl="2" eaLnBrk="1" latinLnBrk="0" hangingPunct="1"/>
             <a:r>
               <a:rPr lang="ru-RU" smtClean="0"/>
               <a:t>Третий уровень</a:t>
             </a:r>
           </a:p>
           <a:p>
-            <a:pPr lvl="3"/>
+            <a:pPr lvl="3" eaLnBrk="1" latinLnBrk="0" hangingPunct="1"/>
             <a:r>
               <a:rPr lang="ru-RU" smtClean="0"/>
               <a:t>Четвертый уровень</a:t>
             </a:r>
           </a:p>
           <a:p>
-            <a:pPr lvl="4"/>
+            <a:pPr lvl="4" eaLnBrk="1" latinLnBrk="0" hangingPunct="1"/>
             <a:r>
               <a:rPr lang="ru-RU" smtClean="0"/>
               <a:t>Пятый уровень</a:t>
             </a:r>
-            <a:endParaRPr lang="ru-RU"/>
+            <a:endParaRPr kumimoji="0" lang="en-US"/>
           </a:p>
         </p:txBody>
       </p:sp>
@@ -790,7 +1294,7 @@
           <a:p>
             <a:fld id="{B4C71EC6-210F-42DE-9C53-41977AD35B3D}" type="datetimeFigureOut">
               <a:rPr lang="ru-RU" smtClean="0"/>
-              <a:t>12.11.2009</a:t>
+              <a:t>27.01.2020</a:t>
             </a:fld>
             <a:endParaRPr lang="ru-RU"/>
           </a:p>
@@ -875,56 +1379,76 @@
         </p:nvSpPr>
         <p:spPr>
           <a:xfrm>
-            <a:off x="722313" y="4406900"/>
+            <a:off x="722313" y="1981200"/>
             <a:ext cx="7772400" cy="1362075"/>
+          </a:xfrm>
+        </p:spPr>
+        <p:txBody>
+          <a:bodyPr anchor="b">
+            <a:noAutofit/>
+          </a:bodyPr>
+          <a:lstStyle>
+            <a:lvl1pPr algn="l">
+              <a:buNone/>
+              <a:defRPr sz="4300" b="1" cap="none" baseline="0">
+                <a:ln w="12700">
+                  <a:solidFill>
+                    <a:schemeClr val="accent2">
+                      <a:shade val="90000"/>
+                      <a:satMod val="150000"/>
+                    </a:schemeClr>
+                  </a:solidFill>
+                </a:ln>
+                <a:solidFill>
+                  <a:srgbClr val="FFFFFF"/>
+                </a:solidFill>
+                <a:effectLst>
+                  <a:outerShdw blurRad="38100" dist="38100" dir="5400000" algn="tl" rotWithShape="0">
+                    <a:srgbClr val="000000">
+                      <a:alpha val="25000"/>
+                    </a:srgbClr>
+                  </a:outerShdw>
+                </a:effectLst>
+              </a:defRPr>
+            </a:lvl1pPr>
+          </a:lstStyle>
+          <a:p>
+            <a:r>
+              <a:rPr kumimoji="0" lang="ru-RU" smtClean="0"/>
+              <a:t>Образец заголовка</a:t>
+            </a:r>
+            <a:endParaRPr kumimoji="0" lang="en-US"/>
+          </a:p>
+        </p:txBody>
+      </p:sp>
+      <p:sp>
+        <p:nvSpPr>
+          <p:cNvPr id="3" name="Текст 2"/>
+          <p:cNvSpPr>
+            <a:spLocks noGrp="1"/>
+          </p:cNvSpPr>
+          <p:nvPr>
+            <p:ph type="body" idx="1"/>
+          </p:nvPr>
+        </p:nvSpPr>
+        <p:spPr>
+          <a:xfrm>
+            <a:off x="722313" y="3367088"/>
+            <a:ext cx="7772400" cy="1509712"/>
           </a:xfrm>
         </p:spPr>
         <p:txBody>
           <a:bodyPr anchor="t"/>
           <a:lstStyle>
-            <a:lvl1pPr algn="l">
-              <a:defRPr sz="4000" b="1" cap="all"/>
-            </a:lvl1pPr>
-          </a:lstStyle>
-          <a:p>
-            <a:r>
-              <a:rPr lang="ru-RU" smtClean="0"/>
-              <a:t>Образец заголовка</a:t>
-            </a:r>
-            <a:endParaRPr lang="ru-RU"/>
-          </a:p>
-        </p:txBody>
-      </p:sp>
-      <p:sp>
-        <p:nvSpPr>
-          <p:cNvPr id="3" name="Текст 2"/>
-          <p:cNvSpPr>
-            <a:spLocks noGrp="1"/>
-          </p:cNvSpPr>
-          <p:nvPr>
-            <p:ph type="body" idx="1"/>
-          </p:nvPr>
-        </p:nvSpPr>
-        <p:spPr>
-          <a:xfrm>
-            <a:off x="722313" y="2906713"/>
-            <a:ext cx="7772400" cy="1500187"/>
-          </a:xfrm>
-        </p:spPr>
-        <p:txBody>
-          <a:bodyPr anchor="b"/>
-          <a:lstStyle>
-            <a:lvl1pPr marL="0" indent="0">
+            <a:lvl1pPr marL="45720" indent="0">
               <a:buNone/>
-              <a:defRPr sz="2000">
+              <a:defRPr sz="2100" b="0">
                 <a:solidFill>
-                  <a:schemeClr val="tx1">
-                    <a:tint val="75000"/>
-                  </a:schemeClr>
+                  <a:schemeClr val="tx2"/>
                 </a:solidFill>
               </a:defRPr>
             </a:lvl1pPr>
-            <a:lvl2pPr marL="457200" indent="0">
+            <a:lvl2pPr>
               <a:buNone/>
               <a:defRPr sz="1800">
                 <a:solidFill>
@@ -934,7 +1458,7 @@
                 </a:solidFill>
               </a:defRPr>
             </a:lvl2pPr>
-            <a:lvl3pPr marL="914400" indent="0">
+            <a:lvl3pPr>
               <a:buNone/>
               <a:defRPr sz="1600">
                 <a:solidFill>
@@ -944,7 +1468,7 @@
                 </a:solidFill>
               </a:defRPr>
             </a:lvl3pPr>
-            <a:lvl4pPr marL="1371600" indent="0">
+            <a:lvl4pPr>
               <a:buNone/>
               <a:defRPr sz="1400">
                 <a:solidFill>
@@ -954,7 +1478,7 @@
                 </a:solidFill>
               </a:defRPr>
             </a:lvl4pPr>
-            <a:lvl5pPr marL="1828800" indent="0">
+            <a:lvl5pPr>
               <a:buNone/>
               <a:defRPr sz="1400">
                 <a:solidFill>
@@ -964,51 +1488,11 @@
                 </a:solidFill>
               </a:defRPr>
             </a:lvl5pPr>
-            <a:lvl6pPr marL="2286000" indent="0">
-              <a:buNone/>
-              <a:defRPr sz="1400">
-                <a:solidFill>
-                  <a:schemeClr val="tx1">
-                    <a:tint val="75000"/>
-                  </a:schemeClr>
-                </a:solidFill>
-              </a:defRPr>
-            </a:lvl6pPr>
-            <a:lvl7pPr marL="2743200" indent="0">
-              <a:buNone/>
-              <a:defRPr sz="1400">
-                <a:solidFill>
-                  <a:schemeClr val="tx1">
-                    <a:tint val="75000"/>
-                  </a:schemeClr>
-                </a:solidFill>
-              </a:defRPr>
-            </a:lvl7pPr>
-            <a:lvl8pPr marL="3200400" indent="0">
-              <a:buNone/>
-              <a:defRPr sz="1400">
-                <a:solidFill>
-                  <a:schemeClr val="tx1">
-                    <a:tint val="75000"/>
-                  </a:schemeClr>
-                </a:solidFill>
-              </a:defRPr>
-            </a:lvl8pPr>
-            <a:lvl9pPr marL="3657600" indent="0">
-              <a:buNone/>
-              <a:defRPr sz="1400">
-                <a:solidFill>
-                  <a:schemeClr val="tx1">
-                    <a:tint val="75000"/>
-                  </a:schemeClr>
-                </a:solidFill>
-              </a:defRPr>
-            </a:lvl9pPr>
           </a:lstStyle>
           <a:p>
-            <a:pPr lvl="0"/>
-            <a:r>
-              <a:rPr lang="ru-RU" smtClean="0"/>
+            <a:pPr lvl="0" eaLnBrk="1" latinLnBrk="0" hangingPunct="1"/>
+            <a:r>
+              <a:rPr kumimoji="0" lang="ru-RU" smtClean="0"/>
               <a:t>Образец текста</a:t>
             </a:r>
           </a:p>
@@ -1031,7 +1515,7 @@
           <a:p>
             <a:fld id="{B4C71EC6-210F-42DE-9C53-41977AD35B3D}" type="datetimeFigureOut">
               <a:rPr lang="ru-RU" smtClean="0"/>
-              <a:t>12.11.2009</a:t>
+              <a:t>27.01.2020</a:t>
             </a:fld>
             <a:endParaRPr lang="ru-RU"/>
           </a:p>
@@ -1120,16 +1604,16 @@
           <a:lstStyle/>
           <a:p>
             <a:r>
-              <a:rPr lang="ru-RU" smtClean="0"/>
+              <a:rPr kumimoji="0" lang="ru-RU" smtClean="0"/>
               <a:t>Образец заголовка</a:t>
             </a:r>
-            <a:endParaRPr lang="ru-RU"/>
-          </a:p>
-        </p:txBody>
-      </p:sp>
-      <p:sp>
-        <p:nvSpPr>
-          <p:cNvPr id="3" name="Содержимое 2"/>
+            <a:endParaRPr kumimoji="0" lang="en-US"/>
+          </a:p>
+        </p:txBody>
+      </p:sp>
+      <p:sp>
+        <p:nvSpPr>
+          <p:cNvPr id="3" name="Объект 2"/>
           <p:cNvSpPr>
             <a:spLocks noGrp="1"/>
           </p:cNvSpPr>
@@ -1139,7 +1623,7 @@
         </p:nvSpPr>
         <p:spPr>
           <a:xfrm>
-            <a:off x="457200" y="1600200"/>
+            <a:off x="457200" y="2249424"/>
             <a:ext cx="4038600" cy="4525963"/>
           </a:xfrm>
         </p:spPr>
@@ -1147,13 +1631,13 @@
           <a:bodyPr/>
           <a:lstStyle>
             <a:lvl1pPr>
-              <a:defRPr sz="2800"/>
+              <a:defRPr sz="2000"/>
             </a:lvl1pPr>
             <a:lvl2pPr>
-              <a:defRPr sz="2400"/>
+              <a:defRPr sz="1900"/>
             </a:lvl2pPr>
             <a:lvl3pPr>
-              <a:defRPr sz="2000"/>
+              <a:defRPr sz="1800"/>
             </a:lvl3pPr>
             <a:lvl4pPr>
               <a:defRPr sz="1800"/>
@@ -1161,60 +1645,48 @@
             <a:lvl5pPr>
               <a:defRPr sz="1800"/>
             </a:lvl5pPr>
-            <a:lvl6pPr>
-              <a:defRPr sz="1800"/>
-            </a:lvl6pPr>
-            <a:lvl7pPr>
-              <a:defRPr sz="1800"/>
-            </a:lvl7pPr>
-            <a:lvl8pPr>
-              <a:defRPr sz="1800"/>
-            </a:lvl8pPr>
-            <a:lvl9pPr>
-              <a:defRPr sz="1800"/>
-            </a:lvl9pPr>
           </a:lstStyle>
           <a:p>
-            <a:pPr lvl="0"/>
+            <a:pPr lvl="0" eaLnBrk="1" latinLnBrk="0" hangingPunct="1"/>
             <a:r>
               <a:rPr lang="ru-RU" smtClean="0"/>
               <a:t>Образец текста</a:t>
             </a:r>
           </a:p>
           <a:p>
-            <a:pPr lvl="1"/>
+            <a:pPr lvl="1" eaLnBrk="1" latinLnBrk="0" hangingPunct="1"/>
             <a:r>
               <a:rPr lang="ru-RU" smtClean="0"/>
               <a:t>Второй уровень</a:t>
             </a:r>
           </a:p>
           <a:p>
-            <a:pPr lvl="2"/>
+            <a:pPr lvl="2" eaLnBrk="1" latinLnBrk="0" hangingPunct="1"/>
             <a:r>
               <a:rPr lang="ru-RU" smtClean="0"/>
               <a:t>Третий уровень</a:t>
             </a:r>
           </a:p>
           <a:p>
-            <a:pPr lvl="3"/>
+            <a:pPr lvl="3" eaLnBrk="1" latinLnBrk="0" hangingPunct="1"/>
             <a:r>
               <a:rPr lang="ru-RU" smtClean="0"/>
               <a:t>Четвертый уровень</a:t>
             </a:r>
           </a:p>
           <a:p>
-            <a:pPr lvl="4"/>
+            <a:pPr lvl="4" eaLnBrk="1" latinLnBrk="0" hangingPunct="1"/>
             <a:r>
               <a:rPr lang="ru-RU" smtClean="0"/>
               <a:t>Пятый уровень</a:t>
             </a:r>
-            <a:endParaRPr lang="ru-RU"/>
-          </a:p>
-        </p:txBody>
-      </p:sp>
-      <p:sp>
-        <p:nvSpPr>
-          <p:cNvPr id="4" name="Содержимое 3"/>
+            <a:endParaRPr kumimoji="0" lang="en-US"/>
+          </a:p>
+        </p:txBody>
+      </p:sp>
+      <p:sp>
+        <p:nvSpPr>
+          <p:cNvPr id="4" name="Объект 3"/>
           <p:cNvSpPr>
             <a:spLocks noGrp="1"/>
           </p:cNvSpPr>
@@ -1224,7 +1696,7 @@
         </p:nvSpPr>
         <p:spPr>
           <a:xfrm>
-            <a:off x="4648200" y="1600200"/>
+            <a:off x="4648200" y="2249424"/>
             <a:ext cx="4038600" cy="4525963"/>
           </a:xfrm>
         </p:spPr>
@@ -1232,13 +1704,13 @@
           <a:bodyPr/>
           <a:lstStyle>
             <a:lvl1pPr>
-              <a:defRPr sz="2800"/>
+              <a:defRPr sz="2000"/>
             </a:lvl1pPr>
             <a:lvl2pPr>
-              <a:defRPr sz="2400"/>
+              <a:defRPr sz="1900"/>
             </a:lvl2pPr>
             <a:lvl3pPr>
-              <a:defRPr sz="2000"/>
+              <a:defRPr sz="1800"/>
             </a:lvl3pPr>
             <a:lvl4pPr>
               <a:defRPr sz="1800"/>
@@ -1246,54 +1718,42 @@
             <a:lvl5pPr>
               <a:defRPr sz="1800"/>
             </a:lvl5pPr>
-            <a:lvl6pPr>
-              <a:defRPr sz="1800"/>
-            </a:lvl6pPr>
-            <a:lvl7pPr>
-              <a:defRPr sz="1800"/>
-            </a:lvl7pPr>
-            <a:lvl8pPr>
-              <a:defRPr sz="1800"/>
-            </a:lvl8pPr>
-            <a:lvl9pPr>
-              <a:defRPr sz="1800"/>
-            </a:lvl9pPr>
           </a:lstStyle>
           <a:p>
-            <a:pPr lvl="0"/>
+            <a:pPr lvl="0" eaLnBrk="1" latinLnBrk="0" hangingPunct="1"/>
             <a:r>
               <a:rPr lang="ru-RU" smtClean="0"/>
               <a:t>Образец текста</a:t>
             </a:r>
           </a:p>
           <a:p>
-            <a:pPr lvl="1"/>
+            <a:pPr lvl="1" eaLnBrk="1" latinLnBrk="0" hangingPunct="1"/>
             <a:r>
               <a:rPr lang="ru-RU" smtClean="0"/>
               <a:t>Второй уровень</a:t>
             </a:r>
           </a:p>
           <a:p>
-            <a:pPr lvl="2"/>
+            <a:pPr lvl="2" eaLnBrk="1" latinLnBrk="0" hangingPunct="1"/>
             <a:r>
               <a:rPr lang="ru-RU" smtClean="0"/>
               <a:t>Третий уровень</a:t>
             </a:r>
           </a:p>
           <a:p>
-            <a:pPr lvl="3"/>
+            <a:pPr lvl="3" eaLnBrk="1" latinLnBrk="0" hangingPunct="1"/>
             <a:r>
               <a:rPr lang="ru-RU" smtClean="0"/>
               <a:t>Четвертый уровень</a:t>
             </a:r>
           </a:p>
           <a:p>
-            <a:pPr lvl="4"/>
+            <a:pPr lvl="4" eaLnBrk="1" latinLnBrk="0" hangingPunct="1"/>
             <a:r>
               <a:rPr lang="ru-RU" smtClean="0"/>
               <a:t>Пятый уровень</a:t>
             </a:r>
-            <a:endParaRPr lang="ru-RU"/>
+            <a:endParaRPr kumimoji="0" lang="en-US"/>
           </a:p>
         </p:txBody>
       </p:sp>
@@ -1314,7 +1774,7 @@
           <a:p>
             <a:fld id="{B4C71EC6-210F-42DE-9C53-41977AD35B3D}" type="datetimeFigureOut">
               <a:rPr lang="ru-RU" smtClean="0"/>
-              <a:t>12.11.2009</a:t>
+              <a:t>27.01.2020</a:t>
             </a:fld>
             <a:endParaRPr lang="ru-RU"/>
           </a:p>
@@ -1397,109 +1857,185 @@
             <p:ph type="title"/>
           </p:nvPr>
         </p:nvSpPr>
-        <p:spPr/>
+        <p:spPr>
+          <a:xfrm>
+            <a:off x="381000" y="1143000"/>
+            <a:ext cx="8382000" cy="1069848"/>
+          </a:xfrm>
+        </p:spPr>
+        <p:txBody>
+          <a:bodyPr anchor="ctr"/>
+          <a:lstStyle>
+            <a:lvl1pPr>
+              <a:defRPr sz="4000" b="0" i="0" cap="none" baseline="0"/>
+            </a:lvl1pPr>
+          </a:lstStyle>
+          <a:p>
+            <a:r>
+              <a:rPr kumimoji="0" lang="ru-RU" smtClean="0"/>
+              <a:t>Образец заголовка</a:t>
+            </a:r>
+            <a:endParaRPr kumimoji="0" lang="en-US"/>
+          </a:p>
+        </p:txBody>
+      </p:sp>
+      <p:sp>
+        <p:nvSpPr>
+          <p:cNvPr id="3" name="Текст 2"/>
+          <p:cNvSpPr>
+            <a:spLocks noGrp="1"/>
+          </p:cNvSpPr>
+          <p:nvPr>
+            <p:ph type="body" idx="1"/>
+          </p:nvPr>
+        </p:nvSpPr>
+        <p:spPr>
+          <a:xfrm>
+            <a:off x="381000" y="2244970"/>
+            <a:ext cx="4041648" cy="457200"/>
+          </a:xfrm>
+          <a:solidFill>
+            <a:schemeClr val="accent2">
+              <a:satMod val="150000"/>
+              <a:alpha val="25000"/>
+            </a:schemeClr>
+          </a:solidFill>
+          <a:ln w="12700">
+            <a:solidFill>
+              <a:schemeClr val="accent2"/>
+            </a:solidFill>
+          </a:ln>
+        </p:spPr>
+        <p:txBody>
+          <a:bodyPr anchor="ctr">
+            <a:noAutofit/>
+          </a:bodyPr>
+          <a:lstStyle>
+            <a:lvl1pPr marL="45720" indent="0">
+              <a:buNone/>
+              <a:defRPr sz="1900" b="1">
+                <a:solidFill>
+                  <a:schemeClr val="tx1">
+                    <a:tint val="95000"/>
+                  </a:schemeClr>
+                </a:solidFill>
+              </a:defRPr>
+            </a:lvl1pPr>
+            <a:lvl2pPr>
+              <a:buNone/>
+              <a:defRPr sz="2000" b="1"/>
+            </a:lvl2pPr>
+            <a:lvl3pPr>
+              <a:buNone/>
+              <a:defRPr sz="1800" b="1"/>
+            </a:lvl3pPr>
+            <a:lvl4pPr>
+              <a:buNone/>
+              <a:defRPr sz="1600" b="1"/>
+            </a:lvl4pPr>
+            <a:lvl5pPr>
+              <a:buNone/>
+              <a:defRPr sz="1600" b="1"/>
+            </a:lvl5pPr>
+          </a:lstStyle>
+          <a:p>
+            <a:pPr lvl="0" eaLnBrk="1" latinLnBrk="0" hangingPunct="1"/>
+            <a:r>
+              <a:rPr kumimoji="0" lang="ru-RU" smtClean="0"/>
+              <a:t>Образец текста</a:t>
+            </a:r>
+          </a:p>
+        </p:txBody>
+      </p:sp>
+      <p:sp>
+        <p:nvSpPr>
+          <p:cNvPr id="4" name="Текст 3"/>
+          <p:cNvSpPr>
+            <a:spLocks noGrp="1"/>
+          </p:cNvSpPr>
+          <p:nvPr>
+            <p:ph type="body" sz="half" idx="3"/>
+          </p:nvPr>
+        </p:nvSpPr>
+        <p:spPr>
+          <a:xfrm>
+            <a:off x="4721225" y="2244970"/>
+            <a:ext cx="4041775" cy="457200"/>
+          </a:xfrm>
+          <a:solidFill>
+            <a:schemeClr val="accent2">
+              <a:satMod val="150000"/>
+              <a:alpha val="25000"/>
+            </a:schemeClr>
+          </a:solidFill>
+          <a:ln w="12700">
+            <a:solidFill>
+              <a:schemeClr val="accent2"/>
+            </a:solidFill>
+          </a:ln>
+        </p:spPr>
+        <p:txBody>
+          <a:bodyPr anchor="ctr">
+            <a:noAutofit/>
+          </a:bodyPr>
+          <a:lstStyle>
+            <a:lvl1pPr marL="45720" indent="0">
+              <a:buNone/>
+              <a:defRPr sz="1900" b="1">
+                <a:solidFill>
+                  <a:schemeClr val="tx1">
+                    <a:tint val="95000"/>
+                  </a:schemeClr>
+                </a:solidFill>
+              </a:defRPr>
+            </a:lvl1pPr>
+            <a:lvl2pPr>
+              <a:buNone/>
+              <a:defRPr sz="2000" b="1"/>
+            </a:lvl2pPr>
+            <a:lvl3pPr>
+              <a:buNone/>
+              <a:defRPr sz="1800" b="1"/>
+            </a:lvl3pPr>
+            <a:lvl4pPr>
+              <a:buNone/>
+              <a:defRPr sz="1600" b="1"/>
+            </a:lvl4pPr>
+            <a:lvl5pPr>
+              <a:buNone/>
+              <a:defRPr sz="1600" b="1"/>
+            </a:lvl5pPr>
+          </a:lstStyle>
+          <a:p>
+            <a:pPr lvl="0" eaLnBrk="1" latinLnBrk="0" hangingPunct="1"/>
+            <a:r>
+              <a:rPr kumimoji="0" lang="ru-RU" smtClean="0"/>
+              <a:t>Образец текста</a:t>
+            </a:r>
+          </a:p>
+        </p:txBody>
+      </p:sp>
+      <p:sp>
+        <p:nvSpPr>
+          <p:cNvPr id="5" name="Объект 4"/>
+          <p:cNvSpPr>
+            <a:spLocks noGrp="1"/>
+          </p:cNvSpPr>
+          <p:nvPr>
+            <p:ph sz="quarter" idx="2"/>
+          </p:nvPr>
+        </p:nvSpPr>
+        <p:spPr>
+          <a:xfrm>
+            <a:off x="381000" y="2708519"/>
+            <a:ext cx="4041648" cy="3886200"/>
+          </a:xfrm>
+        </p:spPr>
         <p:txBody>
           <a:bodyPr/>
           <a:lstStyle>
             <a:lvl1pPr>
-              <a:defRPr/>
-            </a:lvl1pPr>
-          </a:lstStyle>
-          <a:p>
-            <a:r>
-              <a:rPr lang="ru-RU" smtClean="0"/>
-              <a:t>Образец заголовка</a:t>
-            </a:r>
-            <a:endParaRPr lang="ru-RU"/>
-          </a:p>
-        </p:txBody>
-      </p:sp>
-      <p:sp>
-        <p:nvSpPr>
-          <p:cNvPr id="3" name="Текст 2"/>
-          <p:cNvSpPr>
-            <a:spLocks noGrp="1"/>
-          </p:cNvSpPr>
-          <p:nvPr>
-            <p:ph type="body" idx="1"/>
-          </p:nvPr>
-        </p:nvSpPr>
-        <p:spPr>
-          <a:xfrm>
-            <a:off x="457200" y="1535113"/>
-            <a:ext cx="4040188" cy="639762"/>
-          </a:xfrm>
-        </p:spPr>
-        <p:txBody>
-          <a:bodyPr anchor="b"/>
-          <a:lstStyle>
-            <a:lvl1pPr marL="0" indent="0">
-              <a:buNone/>
-              <a:defRPr sz="2400" b="1"/>
-            </a:lvl1pPr>
-            <a:lvl2pPr marL="457200" indent="0">
-              <a:buNone/>
-              <a:defRPr sz="2000" b="1"/>
-            </a:lvl2pPr>
-            <a:lvl3pPr marL="914400" indent="0">
-              <a:buNone/>
-              <a:defRPr sz="1800" b="1"/>
-            </a:lvl3pPr>
-            <a:lvl4pPr marL="1371600" indent="0">
-              <a:buNone/>
-              <a:defRPr sz="1600" b="1"/>
-            </a:lvl4pPr>
-            <a:lvl5pPr marL="1828800" indent="0">
-              <a:buNone/>
-              <a:defRPr sz="1600" b="1"/>
-            </a:lvl5pPr>
-            <a:lvl6pPr marL="2286000" indent="0">
-              <a:buNone/>
-              <a:defRPr sz="1600" b="1"/>
-            </a:lvl6pPr>
-            <a:lvl7pPr marL="2743200" indent="0">
-              <a:buNone/>
-              <a:defRPr sz="1600" b="1"/>
-            </a:lvl7pPr>
-            <a:lvl8pPr marL="3200400" indent="0">
-              <a:buNone/>
-              <a:defRPr sz="1600" b="1"/>
-            </a:lvl8pPr>
-            <a:lvl9pPr marL="3657600" indent="0">
-              <a:buNone/>
-              <a:defRPr sz="1600" b="1"/>
-            </a:lvl9pPr>
-          </a:lstStyle>
-          <a:p>
-            <a:pPr lvl="0"/>
-            <a:r>
-              <a:rPr lang="ru-RU" smtClean="0"/>
-              <a:t>Образец текста</a:t>
-            </a:r>
-          </a:p>
-        </p:txBody>
-      </p:sp>
-      <p:sp>
-        <p:nvSpPr>
-          <p:cNvPr id="4" name="Содержимое 3"/>
-          <p:cNvSpPr>
-            <a:spLocks noGrp="1"/>
-          </p:cNvSpPr>
-          <p:nvPr>
-            <p:ph sz="half" idx="2"/>
-          </p:nvPr>
-        </p:nvSpPr>
-        <p:spPr>
-          <a:xfrm>
-            <a:off x="457200" y="2174875"/>
-            <a:ext cx="4040188" cy="3951288"/>
-          </a:xfrm>
-        </p:spPr>
-        <p:txBody>
-          <a:bodyPr/>
-          <a:lstStyle>
-            <a:lvl1pPr>
-              <a:defRPr sz="2400"/>
+              <a:defRPr sz="2000"/>
             </a:lvl1pPr>
             <a:lvl2pPr>
               <a:defRPr sz="2000"/>
@@ -1513,143 +2049,66 @@
             <a:lvl5pPr>
               <a:defRPr sz="1600"/>
             </a:lvl5pPr>
-            <a:lvl6pPr>
-              <a:defRPr sz="1600"/>
-            </a:lvl6pPr>
-            <a:lvl7pPr>
-              <a:defRPr sz="1600"/>
-            </a:lvl7pPr>
-            <a:lvl8pPr>
-              <a:defRPr sz="1600"/>
-            </a:lvl8pPr>
-            <a:lvl9pPr>
-              <a:defRPr sz="1600"/>
-            </a:lvl9pPr>
           </a:lstStyle>
           <a:p>
-            <a:pPr lvl="0"/>
+            <a:pPr lvl="0" eaLnBrk="1" latinLnBrk="0" hangingPunct="1"/>
             <a:r>
               <a:rPr lang="ru-RU" smtClean="0"/>
               <a:t>Образец текста</a:t>
             </a:r>
           </a:p>
           <a:p>
-            <a:pPr lvl="1"/>
+            <a:pPr lvl="1" eaLnBrk="1" latinLnBrk="0" hangingPunct="1"/>
             <a:r>
               <a:rPr lang="ru-RU" smtClean="0"/>
               <a:t>Второй уровень</a:t>
             </a:r>
           </a:p>
           <a:p>
-            <a:pPr lvl="2"/>
+            <a:pPr lvl="2" eaLnBrk="1" latinLnBrk="0" hangingPunct="1"/>
             <a:r>
               <a:rPr lang="ru-RU" smtClean="0"/>
               <a:t>Третий уровень</a:t>
             </a:r>
           </a:p>
           <a:p>
-            <a:pPr lvl="3"/>
+            <a:pPr lvl="3" eaLnBrk="1" latinLnBrk="0" hangingPunct="1"/>
             <a:r>
               <a:rPr lang="ru-RU" smtClean="0"/>
               <a:t>Четвертый уровень</a:t>
             </a:r>
           </a:p>
           <a:p>
-            <a:pPr lvl="4"/>
+            <a:pPr lvl="4" eaLnBrk="1" latinLnBrk="0" hangingPunct="1"/>
             <a:r>
               <a:rPr lang="ru-RU" smtClean="0"/>
               <a:t>Пятый уровень</a:t>
             </a:r>
-            <a:endParaRPr lang="ru-RU"/>
-          </a:p>
-        </p:txBody>
-      </p:sp>
-      <p:sp>
-        <p:nvSpPr>
-          <p:cNvPr id="5" name="Текст 4"/>
-          <p:cNvSpPr>
-            <a:spLocks noGrp="1"/>
-          </p:cNvSpPr>
-          <p:nvPr>
-            <p:ph type="body" sz="quarter" idx="3"/>
+            <a:endParaRPr kumimoji="0" lang="en-US"/>
+          </a:p>
+        </p:txBody>
+      </p:sp>
+      <p:sp>
+        <p:nvSpPr>
+          <p:cNvPr id="6" name="Объект 5"/>
+          <p:cNvSpPr>
+            <a:spLocks noGrp="1"/>
+          </p:cNvSpPr>
+          <p:nvPr>
+            <p:ph sz="quarter" idx="4"/>
           </p:nvPr>
         </p:nvSpPr>
         <p:spPr>
           <a:xfrm>
-            <a:off x="4645025" y="1535113"/>
-            <a:ext cx="4041775" cy="639762"/>
-          </a:xfrm>
-        </p:spPr>
-        <p:txBody>
-          <a:bodyPr anchor="b"/>
-          <a:lstStyle>
-            <a:lvl1pPr marL="0" indent="0">
-              <a:buNone/>
-              <a:defRPr sz="2400" b="1"/>
-            </a:lvl1pPr>
-            <a:lvl2pPr marL="457200" indent="0">
-              <a:buNone/>
-              <a:defRPr sz="2000" b="1"/>
-            </a:lvl2pPr>
-            <a:lvl3pPr marL="914400" indent="0">
-              <a:buNone/>
-              <a:defRPr sz="1800" b="1"/>
-            </a:lvl3pPr>
-            <a:lvl4pPr marL="1371600" indent="0">
-              <a:buNone/>
-              <a:defRPr sz="1600" b="1"/>
-            </a:lvl4pPr>
-            <a:lvl5pPr marL="1828800" indent="0">
-              <a:buNone/>
-              <a:defRPr sz="1600" b="1"/>
-            </a:lvl5pPr>
-            <a:lvl6pPr marL="2286000" indent="0">
-              <a:buNone/>
-              <a:defRPr sz="1600" b="1"/>
-            </a:lvl6pPr>
-            <a:lvl7pPr marL="2743200" indent="0">
-              <a:buNone/>
-              <a:defRPr sz="1600" b="1"/>
-            </a:lvl7pPr>
-            <a:lvl8pPr marL="3200400" indent="0">
-              <a:buNone/>
-              <a:defRPr sz="1600" b="1"/>
-            </a:lvl8pPr>
-            <a:lvl9pPr marL="3657600" indent="0">
-              <a:buNone/>
-              <a:defRPr sz="1600" b="1"/>
-            </a:lvl9pPr>
-          </a:lstStyle>
-          <a:p>
-            <a:pPr lvl="0"/>
-            <a:r>
-              <a:rPr lang="ru-RU" smtClean="0"/>
-              <a:t>Образец текста</a:t>
-            </a:r>
-          </a:p>
-        </p:txBody>
-      </p:sp>
-      <p:sp>
-        <p:nvSpPr>
-          <p:cNvPr id="6" name="Содержимое 5"/>
-          <p:cNvSpPr>
-            <a:spLocks noGrp="1"/>
-          </p:cNvSpPr>
-          <p:nvPr>
-            <p:ph sz="quarter" idx="4"/>
-          </p:nvPr>
-        </p:nvSpPr>
-        <p:spPr>
-          <a:xfrm>
-            <a:off x="4645025" y="2174875"/>
-            <a:ext cx="4041775" cy="3951288"/>
+            <a:off x="4718304" y="2708519"/>
+            <a:ext cx="4041775" cy="3886200"/>
           </a:xfrm>
         </p:spPr>
         <p:txBody>
           <a:bodyPr/>
           <a:lstStyle>
             <a:lvl1pPr>
-              <a:defRPr sz="2400"/>
+              <a:defRPr sz="2000"/>
             </a:lvl1pPr>
             <a:lvl2pPr>
               <a:defRPr sz="2000"/>
@@ -1663,60 +2122,48 @@
             <a:lvl5pPr>
               <a:defRPr sz="1600"/>
             </a:lvl5pPr>
-            <a:lvl6pPr>
-              <a:defRPr sz="1600"/>
-            </a:lvl6pPr>
-            <a:lvl7pPr>
-              <a:defRPr sz="1600"/>
-            </a:lvl7pPr>
-            <a:lvl8pPr>
-              <a:defRPr sz="1600"/>
-            </a:lvl8pPr>
-            <a:lvl9pPr>
-              <a:defRPr sz="1600"/>
-            </a:lvl9pPr>
           </a:lstStyle>
           <a:p>
-            <a:pPr lvl="0"/>
+            <a:pPr lvl="0" eaLnBrk="1" latinLnBrk="0" hangingPunct="1"/>
             <a:r>
               <a:rPr lang="ru-RU" smtClean="0"/>
               <a:t>Образец текста</a:t>
             </a:r>
           </a:p>
           <a:p>
-            <a:pPr lvl="1"/>
+            <a:pPr lvl="1" eaLnBrk="1" latinLnBrk="0" hangingPunct="1"/>
             <a:r>
               <a:rPr lang="ru-RU" smtClean="0"/>
               <a:t>Второй уровень</a:t>
             </a:r>
           </a:p>
           <a:p>
-            <a:pPr lvl="2"/>
+            <a:pPr lvl="2" eaLnBrk="1" latinLnBrk="0" hangingPunct="1"/>
             <a:r>
               <a:rPr lang="ru-RU" smtClean="0"/>
               <a:t>Третий уровень</a:t>
             </a:r>
           </a:p>
           <a:p>
-            <a:pPr lvl="3"/>
+            <a:pPr lvl="3" eaLnBrk="1" latinLnBrk="0" hangingPunct="1"/>
             <a:r>
               <a:rPr lang="ru-RU" smtClean="0"/>
               <a:t>Четвертый уровень</a:t>
             </a:r>
           </a:p>
           <a:p>
-            <a:pPr lvl="4"/>
+            <a:pPr lvl="4" eaLnBrk="1" latinLnBrk="0" hangingPunct="1"/>
             <a:r>
               <a:rPr lang="ru-RU" smtClean="0"/>
               <a:t>Пятый уровень</a:t>
             </a:r>
-            <a:endParaRPr lang="ru-RU"/>
-          </a:p>
-        </p:txBody>
-      </p:sp>
-      <p:sp>
-        <p:nvSpPr>
-          <p:cNvPr id="7" name="Дата 6"/>
+            <a:endParaRPr kumimoji="0" lang="en-US"/>
+          </a:p>
+        </p:txBody>
+      </p:sp>
+      <p:sp>
+        <p:nvSpPr>
+          <p:cNvPr id="26" name="Дата 25"/>
           <p:cNvSpPr>
             <a:spLocks noGrp="1"/>
           </p:cNvSpPr>
@@ -1726,12 +2173,12 @@
         </p:nvSpPr>
         <p:spPr/>
         <p:txBody>
-          <a:bodyPr/>
+          <a:bodyPr rtlCol="0"/>
           <a:lstStyle/>
           <a:p>
             <a:fld id="{B4C71EC6-210F-42DE-9C53-41977AD35B3D}" type="datetimeFigureOut">
               <a:rPr lang="ru-RU" smtClean="0"/>
-              <a:t>12.11.2009</a:t>
+              <a:t>27.01.2020</a:t>
             </a:fld>
             <a:endParaRPr lang="ru-RU"/>
           </a:p>
@@ -1739,42 +2186,42 @@
       </p:sp>
       <p:sp>
         <p:nvSpPr>
-          <p:cNvPr id="8" name="Нижний колонтитул 7"/>
-          <p:cNvSpPr>
-            <a:spLocks noGrp="1"/>
-          </p:cNvSpPr>
-          <p:nvPr>
-            <p:ph type="ftr" sz="quarter" idx="11"/>
+          <p:cNvPr id="27" name="Номер слайда 26"/>
+          <p:cNvSpPr>
+            <a:spLocks noGrp="1"/>
+          </p:cNvSpPr>
+          <p:nvPr>
+            <p:ph type="sldNum" sz="quarter" idx="11"/>
           </p:nvPr>
         </p:nvSpPr>
         <p:spPr/>
         <p:txBody>
-          <a:bodyPr/>
-          <a:lstStyle/>
-          <a:p>
-            <a:endParaRPr lang="ru-RU"/>
-          </a:p>
-        </p:txBody>
-      </p:sp>
-      <p:sp>
-        <p:nvSpPr>
-          <p:cNvPr id="9" name="Номер слайда 8"/>
-          <p:cNvSpPr>
-            <a:spLocks noGrp="1"/>
-          </p:cNvSpPr>
-          <p:nvPr>
-            <p:ph type="sldNum" sz="quarter" idx="12"/>
-          </p:nvPr>
-        </p:nvSpPr>
-        <p:spPr/>
-        <p:txBody>
-          <a:bodyPr/>
+          <a:bodyPr rtlCol="0"/>
           <a:lstStyle/>
           <a:p>
             <a:fld id="{B19B0651-EE4F-4900-A07F-96A6BFA9D0F0}" type="slidenum">
               <a:rPr lang="ru-RU" smtClean="0"/>
               <a:t>‹#›</a:t>
             </a:fld>
+            <a:endParaRPr lang="ru-RU"/>
+          </a:p>
+        </p:txBody>
+      </p:sp>
+      <p:sp>
+        <p:nvSpPr>
+          <p:cNvPr id="28" name="Нижний колонтитул 27"/>
+          <p:cNvSpPr>
+            <a:spLocks noGrp="1"/>
+          </p:cNvSpPr>
+          <p:nvPr>
+            <p:ph type="ftr" sz="quarter" idx="12"/>
+          </p:nvPr>
+        </p:nvSpPr>
+        <p:spPr/>
+        <p:txBody>
+          <a:bodyPr rtlCol="0"/>
+          <a:lstStyle/>
+          <a:p>
             <a:endParaRPr lang="ru-RU"/>
           </a:p>
         </p:txBody>
@@ -1814,37 +2261,55 @@
             <p:ph type="title"/>
           </p:nvPr>
         </p:nvSpPr>
-        <p:spPr/>
+        <p:spPr>
+          <a:xfrm>
+            <a:off x="457200" y="1143000"/>
+            <a:ext cx="8229600" cy="1069848"/>
+          </a:xfrm>
+        </p:spPr>
+        <p:txBody>
+          <a:bodyPr anchor="ctr"/>
+          <a:lstStyle>
+            <a:lvl1pPr>
+              <a:defRPr sz="4000">
+                <a:solidFill>
+                  <a:schemeClr val="tx2"/>
+                </a:solidFill>
+              </a:defRPr>
+            </a:lvl1pPr>
+          </a:lstStyle>
+          <a:p>
+            <a:r>
+              <a:rPr kumimoji="0" lang="ru-RU" smtClean="0"/>
+              <a:t>Образец заголовка</a:t>
+            </a:r>
+            <a:endParaRPr kumimoji="0" lang="en-US"/>
+          </a:p>
+        </p:txBody>
+      </p:sp>
+      <p:sp>
+        <p:nvSpPr>
+          <p:cNvPr id="3" name="Дата 2"/>
+          <p:cNvSpPr>
+            <a:spLocks noGrp="1"/>
+          </p:cNvSpPr>
+          <p:nvPr>
+            <p:ph type="dt" sz="half" idx="10"/>
+          </p:nvPr>
+        </p:nvSpPr>
+        <p:spPr>
+          <a:xfrm>
+            <a:off x="6583680" y="612648"/>
+            <a:ext cx="957264" cy="457200"/>
+          </a:xfrm>
+        </p:spPr>
         <p:txBody>
           <a:bodyPr/>
           <a:lstStyle/>
           <a:p>
-            <a:r>
-              <a:rPr lang="ru-RU" smtClean="0"/>
-              <a:t>Образец заголовка</a:t>
-            </a:r>
-            <a:endParaRPr lang="ru-RU"/>
-          </a:p>
-        </p:txBody>
-      </p:sp>
-      <p:sp>
-        <p:nvSpPr>
-          <p:cNvPr id="3" name="Дата 2"/>
-          <p:cNvSpPr>
-            <a:spLocks noGrp="1"/>
-          </p:cNvSpPr>
-          <p:nvPr>
-            <p:ph type="dt" sz="half" idx="10"/>
-          </p:nvPr>
-        </p:nvSpPr>
-        <p:spPr/>
-        <p:txBody>
-          <a:bodyPr/>
-          <a:lstStyle/>
-          <a:p>
             <a:fld id="{B4C71EC6-210F-42DE-9C53-41977AD35B3D}" type="datetimeFigureOut">
               <a:rPr lang="ru-RU" smtClean="0"/>
-              <a:t>12.11.2009</a:t>
+              <a:t>27.01.2020</a:t>
             </a:fld>
             <a:endParaRPr lang="ru-RU"/>
           </a:p>
@@ -1860,7 +2325,12 @@
             <p:ph type="ftr" sz="quarter" idx="11"/>
           </p:nvPr>
         </p:nvSpPr>
-        <p:spPr/>
+        <p:spPr>
+          <a:xfrm>
+            <a:off x="5257800" y="612648"/>
+            <a:ext cx="1325880" cy="457200"/>
+          </a:xfrm>
+        </p:spPr>
         <p:txBody>
           <a:bodyPr/>
           <a:lstStyle/>
@@ -1879,7 +2349,12 @@
             <p:ph type="sldNum" sz="quarter" idx="12"/>
           </p:nvPr>
         </p:nvSpPr>
-        <p:spPr/>
+        <p:spPr>
+          <a:xfrm>
+            <a:off x="8174736" y="2272"/>
+            <a:ext cx="762000" cy="365760"/>
+          </a:xfrm>
+        </p:spPr>
         <p:txBody>
           <a:bodyPr/>
           <a:lstStyle/>
@@ -1934,7 +2409,7 @@
           <a:p>
             <a:fld id="{B4C71EC6-210F-42DE-9C53-41977AD35B3D}" type="datetimeFigureOut">
               <a:rPr lang="ru-RU" smtClean="0"/>
-              <a:t>12.11.2009</a:t>
+              <a:t>27.01.2020</a:t>
             </a:fld>
             <a:endParaRPr lang="ru-RU"/>
           </a:p>
@@ -2019,40 +2494,90 @@
         </p:nvSpPr>
         <p:spPr>
           <a:xfrm>
-            <a:off x="457200" y="273050"/>
-            <a:ext cx="3008313" cy="1162050"/>
+            <a:off x="5353496" y="1101970"/>
+            <a:ext cx="3383280" cy="877824"/>
           </a:xfrm>
         </p:spPr>
         <p:txBody>
           <a:bodyPr anchor="b"/>
           <a:lstStyle>
             <a:lvl1pPr algn="l">
-              <a:defRPr sz="2000" b="1"/>
+              <a:buNone/>
+              <a:defRPr sz="1800" b="1"/>
             </a:lvl1pPr>
           </a:lstStyle>
           <a:p>
             <a:r>
-              <a:rPr lang="ru-RU" smtClean="0"/>
+              <a:rPr kumimoji="0" lang="ru-RU" smtClean="0"/>
               <a:t>Образец заголовка</a:t>
             </a:r>
-            <a:endParaRPr lang="ru-RU"/>
-          </a:p>
-        </p:txBody>
-      </p:sp>
-      <p:sp>
-        <p:nvSpPr>
-          <p:cNvPr id="3" name="Содержимое 2"/>
-          <p:cNvSpPr>
-            <a:spLocks noGrp="1"/>
-          </p:cNvSpPr>
-          <p:nvPr>
-            <p:ph idx="1"/>
+            <a:endParaRPr kumimoji="0" lang="en-US"/>
+          </a:p>
+        </p:txBody>
+      </p:sp>
+      <p:sp>
+        <p:nvSpPr>
+          <p:cNvPr id="3" name="Текст 2"/>
+          <p:cNvSpPr>
+            <a:spLocks noGrp="1"/>
+          </p:cNvSpPr>
+          <p:nvPr>
+            <p:ph type="body" idx="2"/>
           </p:nvPr>
         </p:nvSpPr>
         <p:spPr>
           <a:xfrm>
-            <a:off x="3575050" y="273050"/>
-            <a:ext cx="5111750" cy="5853113"/>
+            <a:off x="5353496" y="2010727"/>
+            <a:ext cx="3383280" cy="4617720"/>
+          </a:xfrm>
+        </p:spPr>
+        <p:txBody>
+          <a:bodyPr/>
+          <a:lstStyle>
+            <a:lvl1pPr marL="9144" indent="0">
+              <a:buNone/>
+              <a:defRPr sz="1400"/>
+            </a:lvl1pPr>
+            <a:lvl2pPr>
+              <a:buNone/>
+              <a:defRPr sz="1200"/>
+            </a:lvl2pPr>
+            <a:lvl3pPr>
+              <a:buNone/>
+              <a:defRPr sz="1000"/>
+            </a:lvl3pPr>
+            <a:lvl4pPr>
+              <a:buNone/>
+              <a:defRPr sz="900"/>
+            </a:lvl4pPr>
+            <a:lvl5pPr>
+              <a:buNone/>
+              <a:defRPr sz="900"/>
+            </a:lvl5pPr>
+          </a:lstStyle>
+          <a:p>
+            <a:pPr lvl="0" eaLnBrk="1" latinLnBrk="0" hangingPunct="1"/>
+            <a:r>
+              <a:rPr kumimoji="0" lang="ru-RU" smtClean="0"/>
+              <a:t>Образец текста</a:t>
+            </a:r>
+          </a:p>
+        </p:txBody>
+      </p:sp>
+      <p:sp>
+        <p:nvSpPr>
+          <p:cNvPr id="4" name="Объект 3"/>
+          <p:cNvSpPr>
+            <a:spLocks noGrp="1"/>
+          </p:cNvSpPr>
+          <p:nvPr>
+            <p:ph sz="half" idx="1"/>
+          </p:nvPr>
+        </p:nvSpPr>
+        <p:spPr>
+          <a:xfrm>
+            <a:off x="152400" y="776287"/>
+            <a:ext cx="5102352" cy="5852160"/>
           </a:xfrm>
         </p:spPr>
         <p:txBody>
@@ -2073,140 +2598,63 @@
             <a:lvl5pPr>
               <a:defRPr sz="2000"/>
             </a:lvl5pPr>
-            <a:lvl6pPr>
-              <a:defRPr sz="2000"/>
-            </a:lvl6pPr>
-            <a:lvl7pPr>
-              <a:defRPr sz="2000"/>
-            </a:lvl7pPr>
-            <a:lvl8pPr>
-              <a:defRPr sz="2000"/>
-            </a:lvl8pPr>
-            <a:lvl9pPr>
-              <a:defRPr sz="2000"/>
-            </a:lvl9pPr>
           </a:lstStyle>
           <a:p>
-            <a:pPr lvl="0"/>
+            <a:pPr lvl="0" eaLnBrk="1" latinLnBrk="0" hangingPunct="1"/>
             <a:r>
               <a:rPr lang="ru-RU" smtClean="0"/>
               <a:t>Образец текста</a:t>
             </a:r>
           </a:p>
           <a:p>
-            <a:pPr lvl="1"/>
+            <a:pPr lvl="1" eaLnBrk="1" latinLnBrk="0" hangingPunct="1"/>
             <a:r>
               <a:rPr lang="ru-RU" smtClean="0"/>
               <a:t>Второй уровень</a:t>
             </a:r>
           </a:p>
           <a:p>
-            <a:pPr lvl="2"/>
+            <a:pPr lvl="2" eaLnBrk="1" latinLnBrk="0" hangingPunct="1"/>
             <a:r>
               <a:rPr lang="ru-RU" smtClean="0"/>
               <a:t>Третий уровень</a:t>
             </a:r>
           </a:p>
           <a:p>
-            <a:pPr lvl="3"/>
+            <a:pPr lvl="3" eaLnBrk="1" latinLnBrk="0" hangingPunct="1"/>
             <a:r>
               <a:rPr lang="ru-RU" smtClean="0"/>
               <a:t>Четвертый уровень</a:t>
             </a:r>
           </a:p>
           <a:p>
-            <a:pPr lvl="4"/>
+            <a:pPr lvl="4" eaLnBrk="1" latinLnBrk="0" hangingPunct="1"/>
             <a:r>
               <a:rPr lang="ru-RU" smtClean="0"/>
               <a:t>Пятый уровень</a:t>
             </a:r>
-            <a:endParaRPr lang="ru-RU"/>
-          </a:p>
-        </p:txBody>
-      </p:sp>
-      <p:sp>
-        <p:nvSpPr>
-          <p:cNvPr id="4" name="Текст 3"/>
-          <p:cNvSpPr>
-            <a:spLocks noGrp="1"/>
-          </p:cNvSpPr>
-          <p:nvPr>
-            <p:ph type="body" sz="half" idx="2"/>
-          </p:nvPr>
-        </p:nvSpPr>
-        <p:spPr>
-          <a:xfrm>
-            <a:off x="457200" y="1435100"/>
-            <a:ext cx="3008313" cy="4691063"/>
-          </a:xfrm>
-        </p:spPr>
+            <a:endParaRPr kumimoji="0" lang="en-US"/>
+          </a:p>
+        </p:txBody>
+      </p:sp>
+      <p:sp>
+        <p:nvSpPr>
+          <p:cNvPr id="5" name="Дата 4"/>
+          <p:cNvSpPr>
+            <a:spLocks noGrp="1"/>
+          </p:cNvSpPr>
+          <p:nvPr>
+            <p:ph type="dt" sz="half" idx="10"/>
+          </p:nvPr>
+        </p:nvSpPr>
+        <p:spPr/>
         <p:txBody>
           <a:bodyPr/>
-          <a:lstStyle>
-            <a:lvl1pPr marL="0" indent="0">
-              <a:buNone/>
-              <a:defRPr sz="1400"/>
-            </a:lvl1pPr>
-            <a:lvl2pPr marL="457200" indent="0">
-              <a:buNone/>
-              <a:defRPr sz="1200"/>
-            </a:lvl2pPr>
-            <a:lvl3pPr marL="914400" indent="0">
-              <a:buNone/>
-              <a:defRPr sz="1000"/>
-            </a:lvl3pPr>
-            <a:lvl4pPr marL="1371600" indent="0">
-              <a:buNone/>
-              <a:defRPr sz="900"/>
-            </a:lvl4pPr>
-            <a:lvl5pPr marL="1828800" indent="0">
-              <a:buNone/>
-              <a:defRPr sz="900"/>
-            </a:lvl5pPr>
-            <a:lvl6pPr marL="2286000" indent="0">
-              <a:buNone/>
-              <a:defRPr sz="900"/>
-            </a:lvl6pPr>
-            <a:lvl7pPr marL="2743200" indent="0">
-              <a:buNone/>
-              <a:defRPr sz="900"/>
-            </a:lvl7pPr>
-            <a:lvl8pPr marL="3200400" indent="0">
-              <a:buNone/>
-              <a:defRPr sz="900"/>
-            </a:lvl8pPr>
-            <a:lvl9pPr marL="3657600" indent="0">
-              <a:buNone/>
-              <a:defRPr sz="900"/>
-            </a:lvl9pPr>
-          </a:lstStyle>
-          <a:p>
-            <a:pPr lvl="0"/>
-            <a:r>
-              <a:rPr lang="ru-RU" smtClean="0"/>
-              <a:t>Образец текста</a:t>
-            </a:r>
-          </a:p>
-        </p:txBody>
-      </p:sp>
-      <p:sp>
-        <p:nvSpPr>
-          <p:cNvPr id="5" name="Дата 4"/>
-          <p:cNvSpPr>
-            <a:spLocks noGrp="1"/>
-          </p:cNvSpPr>
-          <p:nvPr>
-            <p:ph type="dt" sz="half" idx="10"/>
-          </p:nvPr>
-        </p:nvSpPr>
-        <p:spPr/>
-        <p:txBody>
-          <a:bodyPr/>
           <a:lstStyle/>
           <a:p>
             <a:fld id="{B4C71EC6-210F-42DE-9C53-41977AD35B3D}" type="datetimeFigureOut">
               <a:rPr lang="ru-RU" smtClean="0"/>
-              <a:t>12.11.2009</a:t>
+              <a:t>27.01.2020</a:t>
             </a:fld>
             <a:endParaRPr lang="ru-RU"/>
           </a:p>
@@ -2291,23 +2739,24 @@
         </p:nvSpPr>
         <p:spPr>
           <a:xfrm>
-            <a:off x="1792288" y="4800600"/>
-            <a:ext cx="5486400" cy="566738"/>
-          </a:xfrm>
-        </p:spPr>
-        <p:txBody>
-          <a:bodyPr anchor="b"/>
+            <a:off x="5440434" y="1109160"/>
+            <a:ext cx="586803" cy="4681637"/>
+          </a:xfrm>
+        </p:spPr>
+        <p:txBody>
+          <a:bodyPr vert="vert270" lIns="45720" tIns="0" rIns="45720" anchor="t"/>
           <a:lstStyle>
-            <a:lvl1pPr algn="l">
+            <a:lvl1pPr algn="ctr">
+              <a:buNone/>
               <a:defRPr sz="2000" b="1"/>
             </a:lvl1pPr>
           </a:lstStyle>
           <a:p>
             <a:r>
-              <a:rPr lang="ru-RU" smtClean="0"/>
+              <a:rPr kumimoji="0" lang="ru-RU" smtClean="0"/>
               <a:t>Образец заголовка</a:t>
             </a:r>
-            <a:endParaRPr lang="ru-RU"/>
+            <a:endParaRPr kumimoji="0" lang="en-US"/>
           </a:p>
         </p:txBody>
       </p:sp>
@@ -2323,9 +2772,37 @@
         </p:nvSpPr>
         <p:spPr>
           <a:xfrm>
-            <a:off x="1792288" y="612775"/>
-            <a:ext cx="5486400" cy="4114800"/>
-          </a:xfrm>
+            <a:off x="403671" y="1143000"/>
+            <a:ext cx="4572000" cy="4572000"/>
+          </a:xfrm>
+          <a:solidFill>
+            <a:srgbClr val="EAEAEA"/>
+          </a:solidFill>
+          <a:ln w="50800">
+            <a:solidFill>
+              <a:srgbClr val="FFFFFF"/>
+            </a:solidFill>
+            <a:miter lim="800000"/>
+          </a:ln>
+          <a:effectLst>
+            <a:outerShdw blurRad="57150" dist="31750" dir="4800000" algn="tl" rotWithShape="0">
+              <a:srgbClr val="000000">
+                <a:alpha val="25000"/>
+              </a:srgbClr>
+            </a:outerShdw>
+          </a:effectLst>
+          <a:scene3d>
+            <a:camera prst="orthographicFront"/>
+            <a:lightRig rig="twoPt" dir="t">
+              <a:rot lat="0" lon="0" rev="7200000"/>
+            </a:lightRig>
+          </a:scene3d>
+          <a:sp3d contourW="2540">
+            <a:bevelT w="25400" h="19050"/>
+            <a:contourClr>
+              <a:srgbClr val="AEAEAE"/>
+            </a:contourClr>
+          </a:sp3d>
         </p:spPr>
         <p:txBody>
           <a:bodyPr/>
@@ -2334,41 +2811,13 @@
               <a:buNone/>
               <a:defRPr sz="3200"/>
             </a:lvl1pPr>
-            <a:lvl2pPr marL="457200" indent="0">
-              <a:buNone/>
-              <a:defRPr sz="2800"/>
-            </a:lvl2pPr>
-            <a:lvl3pPr marL="914400" indent="0">
-              <a:buNone/>
-              <a:defRPr sz="2400"/>
-            </a:lvl3pPr>
-            <a:lvl4pPr marL="1371600" indent="0">
-              <a:buNone/>
-              <a:defRPr sz="2000"/>
-            </a:lvl4pPr>
-            <a:lvl5pPr marL="1828800" indent="0">
-              <a:buNone/>
-              <a:defRPr sz="2000"/>
-            </a:lvl5pPr>
-            <a:lvl6pPr marL="2286000" indent="0">
-              <a:buNone/>
-              <a:defRPr sz="2000"/>
-            </a:lvl6pPr>
-            <a:lvl7pPr marL="2743200" indent="0">
-              <a:buNone/>
-              <a:defRPr sz="2000"/>
-            </a:lvl7pPr>
-            <a:lvl8pPr marL="3200400" indent="0">
-              <a:buNone/>
-              <a:defRPr sz="2000"/>
-            </a:lvl8pPr>
-            <a:lvl9pPr marL="3657600" indent="0">
-              <a:buNone/>
-              <a:defRPr sz="2000"/>
-            </a:lvl9pPr>
           </a:lstStyle>
           <a:p>
-            <a:endParaRPr lang="ru-RU"/>
+            <a:r>
+              <a:rPr kumimoji="0" lang="ru-RU" smtClean="0"/>
+              <a:t>Вставка рисунка</a:t>
+            </a:r>
+            <a:endParaRPr kumimoji="0" lang="en-US" dirty="0"/>
           </a:p>
         </p:txBody>
       </p:sp>
@@ -2384,54 +2833,49 @@
         </p:nvSpPr>
         <p:spPr>
           <a:xfrm>
-            <a:off x="1792288" y="5367338"/>
-            <a:ext cx="5486400" cy="804862"/>
-          </a:xfrm>
-        </p:spPr>
-        <p:txBody>
-          <a:bodyPr/>
+            <a:off x="6088443" y="3274308"/>
+            <a:ext cx="2590800" cy="2516489"/>
+          </a:xfrm>
+        </p:spPr>
+        <p:txBody>
+          <a:bodyPr lIns="0" tIns="0" rIns="45720" anchor="t"/>
           <a:lstStyle>
             <a:lvl1pPr marL="0" indent="0">
+              <a:lnSpc>
+                <a:spcPct val="100000"/>
+              </a:lnSpc>
+              <a:spcBef>
+                <a:spcPts val="0"/>
+              </a:spcBef>
+              <a:buFontTx/>
               <a:buNone/>
-              <a:defRPr sz="1400"/>
+              <a:defRPr sz="1300"/>
             </a:lvl1pPr>
-            <a:lvl2pPr marL="457200" indent="0">
+            <a:lvl2pPr>
+              <a:buFontTx/>
               <a:buNone/>
               <a:defRPr sz="1200"/>
             </a:lvl2pPr>
-            <a:lvl3pPr marL="914400" indent="0">
+            <a:lvl3pPr>
+              <a:buFontTx/>
               <a:buNone/>
               <a:defRPr sz="1000"/>
             </a:lvl3pPr>
-            <a:lvl4pPr marL="1371600" indent="0">
+            <a:lvl4pPr>
+              <a:buFontTx/>
               <a:buNone/>
               <a:defRPr sz="900"/>
             </a:lvl4pPr>
-            <a:lvl5pPr marL="1828800" indent="0">
+            <a:lvl5pPr>
+              <a:buFontTx/>
               <a:buNone/>
               <a:defRPr sz="900"/>
             </a:lvl5pPr>
-            <a:lvl6pPr marL="2286000" indent="0">
-              <a:buNone/>
-              <a:defRPr sz="900"/>
-            </a:lvl6pPr>
-            <a:lvl7pPr marL="2743200" indent="0">
-              <a:buNone/>
-              <a:defRPr sz="900"/>
-            </a:lvl7pPr>
-            <a:lvl8pPr marL="3200400" indent="0">
-              <a:buNone/>
-              <a:defRPr sz="900"/>
-            </a:lvl8pPr>
-            <a:lvl9pPr marL="3657600" indent="0">
-              <a:buNone/>
-              <a:defRPr sz="900"/>
-            </a:lvl9pPr>
           </a:lstStyle>
           <a:p>
-            <a:pPr lvl="0"/>
-            <a:r>
-              <a:rPr lang="ru-RU" smtClean="0"/>
+            <a:pPr lvl="0" eaLnBrk="1" latinLnBrk="0" hangingPunct="1"/>
+            <a:r>
+              <a:rPr kumimoji="0" lang="ru-RU" smtClean="0"/>
               <a:t>Образец текста</a:t>
             </a:r>
           </a:p>
@@ -2454,7 +2898,7 @@
           <a:p>
             <a:fld id="{B4C71EC6-210F-42DE-9C53-41977AD35B3D}" type="datetimeFigureOut">
               <a:rPr lang="ru-RU" smtClean="0"/>
-              <a:t>12.11.2009</a:t>
+              <a:t>27.01.2020</a:t>
             </a:fld>
             <a:endParaRPr lang="ru-RU"/>
           </a:p>
@@ -2534,127 +2978,743 @@
       </p:grpSpPr>
       <p:sp>
         <p:nvSpPr>
-          <p:cNvPr id="2" name="Заголовок 1"/>
-          <p:cNvSpPr>
-            <a:spLocks noGrp="1"/>
-          </p:cNvSpPr>
-          <p:nvPr>
-            <p:ph type="title"/>
-          </p:nvPr>
+          <p:cNvPr id="28" name="Прямоугольник 27"/>
+          <p:cNvSpPr/>
+          <p:nvPr/>
         </p:nvSpPr>
         <p:spPr>
           <a:xfrm>
-            <a:off x="457200" y="274638"/>
-            <a:ext cx="8229600" cy="1143000"/>
+            <a:off x="1" y="366818"/>
+            <a:ext cx="9144000" cy="84407"/>
           </a:xfrm>
           <a:prstGeom prst="rect">
             <a:avLst/>
           </a:prstGeom>
-        </p:spPr>
-        <p:txBody>
-          <a:bodyPr vert="horz" lIns="91440" tIns="45720" rIns="91440" bIns="45720" rtlCol="0" anchor="ctr">
-            <a:normAutofit/>
-          </a:bodyPr>
-          <a:lstStyle/>
-          <a:p>
-            <a:r>
-              <a:rPr lang="ru-RU" smtClean="0"/>
-              <a:t>Образец заголовка</a:t>
-            </a:r>
-            <a:endParaRPr lang="ru-RU"/>
-          </a:p>
-        </p:txBody>
-      </p:sp>
-      <p:sp>
-        <p:nvSpPr>
-          <p:cNvPr id="3" name="Текст 2"/>
-          <p:cNvSpPr>
-            <a:spLocks noGrp="1"/>
-          </p:cNvSpPr>
-          <p:nvPr>
-            <p:ph type="body" idx="1"/>
-          </p:nvPr>
+          <a:solidFill>
+            <a:schemeClr val="accent2">
+              <a:alpha val="50000"/>
+            </a:schemeClr>
+          </a:solidFill>
+          <a:ln w="50800" cap="rnd" cmpd="thickThin" algn="ctr">
+            <a:noFill/>
+            <a:prstDash val="solid"/>
+          </a:ln>
+          <a:effectLst/>
+        </p:spPr>
+        <p:style>
+          <a:lnRef idx="3">
+            <a:schemeClr val="lt1"/>
+          </a:lnRef>
+          <a:fillRef idx="1">
+            <a:schemeClr val="accent1"/>
+          </a:fillRef>
+          <a:effectRef idx="1">
+            <a:schemeClr val="accent1"/>
+          </a:effectRef>
+          <a:fontRef idx="minor">
+            <a:schemeClr val="lt1"/>
+          </a:fontRef>
+        </p:style>
+        <p:txBody>
+          <a:bodyPr anchor="ctr"/>
+          <a:lstStyle/>
+          <a:p>
+            <a:pPr algn="ctr" eaLnBrk="1" latinLnBrk="0" hangingPunct="1"/>
+            <a:endParaRPr kumimoji="0" lang="en-US"/>
+          </a:p>
+        </p:txBody>
+      </p:sp>
+      <p:sp>
+        <p:nvSpPr>
+          <p:cNvPr id="29" name="Прямоугольник 28"/>
+          <p:cNvSpPr/>
+          <p:nvPr/>
         </p:nvSpPr>
         <p:spPr>
           <a:xfrm>
-            <a:off x="457200" y="1600200"/>
-            <a:ext cx="8229600" cy="4525963"/>
+            <a:off x="0" y="-1"/>
+            <a:ext cx="9144000" cy="310663"/>
           </a:xfrm>
           <a:prstGeom prst="rect">
             <a:avLst/>
           </a:prstGeom>
-        </p:spPr>
-        <p:txBody>
-          <a:bodyPr vert="horz" lIns="91440" tIns="45720" rIns="91440" bIns="45720" rtlCol="0">
-            <a:normAutofit/>
-          </a:bodyPr>
-          <a:lstStyle/>
-          <a:p>
-            <a:pPr lvl="0"/>
-            <a:r>
-              <a:rPr lang="ru-RU" smtClean="0"/>
-              <a:t>Образец текста</a:t>
-            </a:r>
-          </a:p>
-          <a:p>
-            <a:pPr lvl="1"/>
-            <a:r>
-              <a:rPr lang="ru-RU" smtClean="0"/>
-              <a:t>Второй уровень</a:t>
-            </a:r>
-          </a:p>
-          <a:p>
-            <a:pPr lvl="2"/>
-            <a:r>
-              <a:rPr lang="ru-RU" smtClean="0"/>
-              <a:t>Третий уровень</a:t>
-            </a:r>
-          </a:p>
-          <a:p>
-            <a:pPr lvl="3"/>
-            <a:r>
-              <a:rPr lang="ru-RU" smtClean="0"/>
-              <a:t>Четвертый уровень</a:t>
-            </a:r>
-          </a:p>
-          <a:p>
-            <a:pPr lvl="4"/>
-            <a:r>
-              <a:rPr lang="ru-RU" smtClean="0"/>
-              <a:t>Пятый уровень</a:t>
-            </a:r>
-            <a:endParaRPr lang="ru-RU"/>
-          </a:p>
-        </p:txBody>
-      </p:sp>
-      <p:sp>
-        <p:nvSpPr>
-          <p:cNvPr id="4" name="Дата 3"/>
-          <p:cNvSpPr>
-            <a:spLocks noGrp="1"/>
-          </p:cNvSpPr>
-          <p:nvPr>
-            <p:ph type="dt" sz="half" idx="2"/>
-          </p:nvPr>
+          <a:solidFill>
+            <a:schemeClr val="tx2">
+              <a:alpha val="100000"/>
+            </a:schemeClr>
+          </a:solidFill>
+          <a:ln w="50800" cap="rnd" cmpd="thickThin" algn="ctr">
+            <a:noFill/>
+            <a:prstDash val="solid"/>
+          </a:ln>
+          <a:effectLst/>
+        </p:spPr>
+        <p:style>
+          <a:lnRef idx="3">
+            <a:schemeClr val="lt1"/>
+          </a:lnRef>
+          <a:fillRef idx="1">
+            <a:schemeClr val="accent1"/>
+          </a:fillRef>
+          <a:effectRef idx="1">
+            <a:schemeClr val="accent1"/>
+          </a:effectRef>
+          <a:fontRef idx="minor">
+            <a:schemeClr val="lt1"/>
+          </a:fontRef>
+        </p:style>
+        <p:txBody>
+          <a:bodyPr anchor="ctr"/>
+          <a:lstStyle/>
+          <a:p>
+            <a:pPr algn="ctr" eaLnBrk="1" latinLnBrk="0" hangingPunct="1"/>
+            <a:endParaRPr kumimoji="0" lang="en-US"/>
+          </a:p>
+        </p:txBody>
+      </p:sp>
+      <p:sp>
+        <p:nvSpPr>
+          <p:cNvPr id="30" name="Прямоугольник 29"/>
+          <p:cNvSpPr/>
+          <p:nvPr/>
         </p:nvSpPr>
         <p:spPr>
           <a:xfrm>
-            <a:off x="457200" y="6356350"/>
-            <a:ext cx="2133600" cy="365125"/>
+            <a:off x="0" y="308276"/>
+            <a:ext cx="9144001" cy="91441"/>
           </a:xfrm>
           <a:prstGeom prst="rect">
             <a:avLst/>
           </a:prstGeom>
-        </p:spPr>
-        <p:txBody>
-          <a:bodyPr vert="horz" lIns="91440" tIns="45720" rIns="91440" bIns="45720" rtlCol="0" anchor="ctr"/>
+          <a:solidFill>
+            <a:schemeClr val="accent2">
+              <a:alpha val="100000"/>
+            </a:schemeClr>
+          </a:solidFill>
+          <a:ln w="50800" cap="rnd" cmpd="thickThin" algn="ctr">
+            <a:noFill/>
+            <a:prstDash val="solid"/>
+          </a:ln>
+          <a:effectLst/>
+        </p:spPr>
+        <p:style>
+          <a:lnRef idx="3">
+            <a:schemeClr val="lt1"/>
+          </a:lnRef>
+          <a:fillRef idx="1">
+            <a:schemeClr val="accent1"/>
+          </a:fillRef>
+          <a:effectRef idx="1">
+            <a:schemeClr val="accent1"/>
+          </a:effectRef>
+          <a:fontRef idx="minor">
+            <a:schemeClr val="lt1"/>
+          </a:fontRef>
+        </p:style>
+        <p:txBody>
+          <a:bodyPr anchor="ctr"/>
+          <a:lstStyle/>
+          <a:p>
+            <a:pPr algn="ctr" eaLnBrk="1" latinLnBrk="0" hangingPunct="1"/>
+            <a:endParaRPr kumimoji="0" lang="en-US"/>
+          </a:p>
+        </p:txBody>
+      </p:sp>
+      <p:sp>
+        <p:nvSpPr>
+          <p:cNvPr id="31" name="Прямоугольник 30"/>
+          <p:cNvSpPr/>
+          <p:nvPr/>
+        </p:nvSpPr>
+        <p:spPr>
+          <a:xfrm flipV="1">
+            <a:off x="5410182" y="360246"/>
+            <a:ext cx="3733819" cy="91087"/>
+          </a:xfrm>
+          <a:prstGeom prst="rect">
+            <a:avLst/>
+          </a:prstGeom>
+          <a:solidFill>
+            <a:schemeClr val="accent2">
+              <a:alpha val="100000"/>
+            </a:schemeClr>
+          </a:solidFill>
+          <a:ln w="50800" cap="rnd" cmpd="thickThin" algn="ctr">
+            <a:noFill/>
+            <a:prstDash val="solid"/>
+          </a:ln>
+          <a:effectLst/>
+        </p:spPr>
+        <p:style>
+          <a:lnRef idx="3">
+            <a:schemeClr val="lt1"/>
+          </a:lnRef>
+          <a:fillRef idx="1">
+            <a:schemeClr val="accent1"/>
+          </a:fillRef>
+          <a:effectRef idx="1">
+            <a:schemeClr val="accent1"/>
+          </a:effectRef>
+          <a:fontRef idx="minor">
+            <a:schemeClr val="lt1"/>
+          </a:fontRef>
+        </p:style>
+        <p:txBody>
+          <a:bodyPr anchor="ctr"/>
+          <a:lstStyle/>
+          <a:p>
+            <a:pPr algn="ctr" eaLnBrk="1" latinLnBrk="0" hangingPunct="1"/>
+            <a:endParaRPr kumimoji="0" lang="en-US"/>
+          </a:p>
+        </p:txBody>
+      </p:sp>
+      <p:sp>
+        <p:nvSpPr>
+          <p:cNvPr id="32" name="Прямоугольник 31"/>
+          <p:cNvSpPr/>
+          <p:nvPr/>
+        </p:nvSpPr>
+        <p:spPr>
+          <a:xfrm flipV="1">
+            <a:off x="5410200" y="440112"/>
+            <a:ext cx="3733801" cy="180035"/>
+          </a:xfrm>
+          <a:prstGeom prst="rect">
+            <a:avLst/>
+          </a:prstGeom>
+          <a:solidFill>
+            <a:schemeClr val="accent2">
+              <a:alpha val="50000"/>
+            </a:schemeClr>
+          </a:solidFill>
+          <a:ln w="50800" cap="rnd" cmpd="thickThin" algn="ctr">
+            <a:noFill/>
+            <a:prstDash val="solid"/>
+          </a:ln>
+          <a:effectLst/>
+        </p:spPr>
+        <p:style>
+          <a:lnRef idx="3">
+            <a:schemeClr val="lt1"/>
+          </a:lnRef>
+          <a:fillRef idx="1">
+            <a:schemeClr val="accent1"/>
+          </a:fillRef>
+          <a:effectRef idx="1">
+            <a:schemeClr val="accent1"/>
+          </a:effectRef>
+          <a:fontRef idx="minor">
+            <a:schemeClr val="lt1"/>
+          </a:fontRef>
+        </p:style>
+        <p:txBody>
+          <a:bodyPr anchor="ctr"/>
+          <a:lstStyle/>
+          <a:p>
+            <a:pPr algn="ctr" eaLnBrk="1" latinLnBrk="0" hangingPunct="1"/>
+            <a:endParaRPr kumimoji="0" lang="en-US"/>
+          </a:p>
+        </p:txBody>
+      </p:sp>
+      <p:sp useBgFill="1">
+        <p:nvSpPr>
+          <p:cNvPr id="33" name="Скругленный прямоугольник 32"/>
+          <p:cNvSpPr/>
+          <p:nvPr/>
+        </p:nvSpPr>
+        <p:spPr bwMode="white">
+          <a:xfrm>
+            <a:off x="5407339" y="497504"/>
+            <a:ext cx="3063240" cy="27432"/>
+          </a:xfrm>
+          <a:prstGeom prst="roundRect">
+            <a:avLst>
+              <a:gd name="adj" fmla="val 16667"/>
+            </a:avLst>
+          </a:prstGeom>
+          <a:ln w="50800" cap="rnd" cmpd="thickThin" algn="ctr">
+            <a:noFill/>
+            <a:prstDash val="solid"/>
+          </a:ln>
+          <a:effectLst/>
+        </p:spPr>
+        <p:style>
+          <a:lnRef idx="3">
+            <a:schemeClr val="lt1"/>
+          </a:lnRef>
+          <a:fillRef idx="1">
+            <a:schemeClr val="accent1"/>
+          </a:fillRef>
+          <a:effectRef idx="1">
+            <a:schemeClr val="accent1"/>
+          </a:effectRef>
+          <a:fontRef idx="minor">
+            <a:schemeClr val="lt1"/>
+          </a:fontRef>
+        </p:style>
+        <p:txBody>
+          <a:bodyPr anchor="ctr"/>
+          <a:lstStyle/>
+          <a:p>
+            <a:pPr algn="ctr" eaLnBrk="1" latinLnBrk="0" hangingPunct="1"/>
+            <a:endParaRPr kumimoji="0" lang="en-US"/>
+          </a:p>
+        </p:txBody>
+      </p:sp>
+      <p:sp useBgFill="1">
+        <p:nvSpPr>
+          <p:cNvPr id="34" name="Скругленный прямоугольник 33"/>
+          <p:cNvSpPr/>
+          <p:nvPr/>
+        </p:nvSpPr>
+        <p:spPr bwMode="white">
+          <a:xfrm>
+            <a:off x="7373646" y="588943"/>
+            <a:ext cx="1600200" cy="36576"/>
+          </a:xfrm>
+          <a:prstGeom prst="roundRect">
+            <a:avLst>
+              <a:gd name="adj" fmla="val 16667"/>
+            </a:avLst>
+          </a:prstGeom>
+          <a:ln w="50800" cap="rnd" cmpd="thickThin" algn="ctr">
+            <a:noFill/>
+            <a:prstDash val="solid"/>
+          </a:ln>
+          <a:effectLst/>
+        </p:spPr>
+        <p:style>
+          <a:lnRef idx="3">
+            <a:schemeClr val="lt1"/>
+          </a:lnRef>
+          <a:fillRef idx="1">
+            <a:schemeClr val="accent1"/>
+          </a:fillRef>
+          <a:effectRef idx="1">
+            <a:schemeClr val="accent1"/>
+          </a:effectRef>
+          <a:fontRef idx="minor">
+            <a:schemeClr val="lt1"/>
+          </a:fontRef>
+        </p:style>
+        <p:txBody>
+          <a:bodyPr anchor="ctr"/>
+          <a:lstStyle/>
+          <a:p>
+            <a:pPr algn="ctr" eaLnBrk="1" latinLnBrk="0" hangingPunct="1"/>
+            <a:endParaRPr kumimoji="0" lang="en-US"/>
+          </a:p>
+        </p:txBody>
+      </p:sp>
+      <p:sp>
+        <p:nvSpPr>
+          <p:cNvPr id="35" name="Прямоугольник 34"/>
+          <p:cNvSpPr/>
+          <p:nvPr/>
+        </p:nvSpPr>
+        <p:spPr bwMode="invGray">
+          <a:xfrm>
+            <a:off x="9084966" y="-2001"/>
+            <a:ext cx="57626" cy="621792"/>
+          </a:xfrm>
+          <a:prstGeom prst="rect">
+            <a:avLst/>
+          </a:prstGeom>
+          <a:solidFill>
+            <a:srgbClr val="FFFFFF">
+              <a:alpha val="65098"/>
+            </a:srgbClr>
+          </a:solidFill>
+          <a:ln w="50800" cap="rnd" cmpd="thickThin" algn="ctr">
+            <a:noFill/>
+            <a:prstDash val="solid"/>
+          </a:ln>
+          <a:effectLst/>
+        </p:spPr>
+        <p:style>
+          <a:lnRef idx="3">
+            <a:schemeClr val="lt1"/>
+          </a:lnRef>
+          <a:fillRef idx="1">
+            <a:schemeClr val="accent1"/>
+          </a:fillRef>
+          <a:effectRef idx="1">
+            <a:schemeClr val="accent1"/>
+          </a:effectRef>
+          <a:fontRef idx="minor">
+            <a:schemeClr val="lt1"/>
+          </a:fontRef>
+        </p:style>
+        <p:txBody>
+          <a:bodyPr anchor="ctr"/>
+          <a:lstStyle/>
+          <a:p>
+            <a:pPr algn="ctr" eaLnBrk="1" latinLnBrk="0" hangingPunct="1"/>
+            <a:endParaRPr kumimoji="0" lang="en-US" dirty="0"/>
+          </a:p>
+        </p:txBody>
+      </p:sp>
+      <p:sp>
+        <p:nvSpPr>
+          <p:cNvPr id="36" name="Прямоугольник 35"/>
+          <p:cNvSpPr/>
+          <p:nvPr/>
+        </p:nvSpPr>
+        <p:spPr bwMode="invGray">
+          <a:xfrm>
+            <a:off x="9044481" y="-2001"/>
+            <a:ext cx="27432" cy="621792"/>
+          </a:xfrm>
+          <a:prstGeom prst="rect">
+            <a:avLst/>
+          </a:prstGeom>
+          <a:solidFill>
+            <a:srgbClr val="FFFFFF">
+              <a:alpha val="65098"/>
+            </a:srgbClr>
+          </a:solidFill>
+          <a:ln w="50800" cap="rnd" cmpd="thickThin" algn="ctr">
+            <a:noFill/>
+            <a:prstDash val="solid"/>
+          </a:ln>
+          <a:effectLst/>
+        </p:spPr>
+        <p:style>
+          <a:lnRef idx="3">
+            <a:schemeClr val="lt1"/>
+          </a:lnRef>
+          <a:fillRef idx="1">
+            <a:schemeClr val="accent1"/>
+          </a:fillRef>
+          <a:effectRef idx="1">
+            <a:schemeClr val="accent1"/>
+          </a:effectRef>
+          <a:fontRef idx="minor">
+            <a:schemeClr val="lt1"/>
+          </a:fontRef>
+        </p:style>
+        <p:txBody>
+          <a:bodyPr anchor="ctr"/>
+          <a:lstStyle/>
+          <a:p>
+            <a:pPr algn="ctr" eaLnBrk="1" latinLnBrk="0" hangingPunct="1"/>
+            <a:endParaRPr kumimoji="0" lang="en-US" dirty="0"/>
+          </a:p>
+        </p:txBody>
+      </p:sp>
+      <p:sp>
+        <p:nvSpPr>
+          <p:cNvPr id="37" name="Прямоугольник 36"/>
+          <p:cNvSpPr/>
+          <p:nvPr/>
+        </p:nvSpPr>
+        <p:spPr bwMode="invGray">
+          <a:xfrm>
+            <a:off x="9025428" y="-2001"/>
+            <a:ext cx="9144" cy="621792"/>
+          </a:xfrm>
+          <a:prstGeom prst="rect">
+            <a:avLst/>
+          </a:prstGeom>
+          <a:solidFill>
+            <a:srgbClr val="FFFFFF">
+              <a:alpha val="60000"/>
+            </a:srgbClr>
+          </a:solidFill>
+          <a:ln w="50800" cap="rnd" cmpd="thickThin" algn="ctr">
+            <a:noFill/>
+            <a:prstDash val="solid"/>
+          </a:ln>
+          <a:effectLst/>
+        </p:spPr>
+        <p:style>
+          <a:lnRef idx="3">
+            <a:schemeClr val="lt1"/>
+          </a:lnRef>
+          <a:fillRef idx="1">
+            <a:schemeClr val="accent1"/>
+          </a:fillRef>
+          <a:effectRef idx="1">
+            <a:schemeClr val="accent1"/>
+          </a:effectRef>
+          <a:fontRef idx="minor">
+            <a:schemeClr val="lt1"/>
+          </a:fontRef>
+        </p:style>
+        <p:txBody>
+          <a:bodyPr anchor="ctr"/>
+          <a:lstStyle/>
+          <a:p>
+            <a:pPr algn="ctr" eaLnBrk="1" latinLnBrk="0" hangingPunct="1"/>
+            <a:endParaRPr kumimoji="0" lang="en-US"/>
+          </a:p>
+        </p:txBody>
+      </p:sp>
+      <p:sp>
+        <p:nvSpPr>
+          <p:cNvPr id="38" name="Прямоугольник 37"/>
+          <p:cNvSpPr/>
+          <p:nvPr/>
+        </p:nvSpPr>
+        <p:spPr bwMode="invGray">
+          <a:xfrm>
+            <a:off x="8975423" y="-2001"/>
+            <a:ext cx="27432" cy="621792"/>
+          </a:xfrm>
+          <a:prstGeom prst="rect">
+            <a:avLst/>
+          </a:prstGeom>
+          <a:solidFill>
+            <a:srgbClr val="FFFFFF">
+              <a:alpha val="40000"/>
+            </a:srgbClr>
+          </a:solidFill>
+          <a:ln w="50800" cap="rnd" cmpd="thickThin" algn="ctr">
+            <a:noFill/>
+            <a:prstDash val="solid"/>
+          </a:ln>
+          <a:effectLst/>
+        </p:spPr>
+        <p:style>
+          <a:lnRef idx="3">
+            <a:schemeClr val="lt1"/>
+          </a:lnRef>
+          <a:fillRef idx="1">
+            <a:schemeClr val="accent1"/>
+          </a:fillRef>
+          <a:effectRef idx="1">
+            <a:schemeClr val="accent1"/>
+          </a:effectRef>
+          <a:fontRef idx="minor">
+            <a:schemeClr val="lt1"/>
+          </a:fontRef>
+        </p:style>
+        <p:txBody>
+          <a:bodyPr anchor="ctr"/>
+          <a:lstStyle/>
+          <a:p>
+            <a:pPr algn="ctr" eaLnBrk="1" latinLnBrk="0" hangingPunct="1"/>
+            <a:endParaRPr kumimoji="0" lang="en-US"/>
+          </a:p>
+        </p:txBody>
+      </p:sp>
+      <p:sp>
+        <p:nvSpPr>
+          <p:cNvPr id="39" name="Прямоугольник 38"/>
+          <p:cNvSpPr/>
+          <p:nvPr/>
+        </p:nvSpPr>
+        <p:spPr bwMode="invGray">
+          <a:xfrm>
+            <a:off x="8915677" y="380"/>
+            <a:ext cx="54864" cy="585216"/>
+          </a:xfrm>
+          <a:prstGeom prst="rect">
+            <a:avLst/>
+          </a:prstGeom>
+          <a:solidFill>
+            <a:srgbClr val="FFFFFF">
+              <a:alpha val="20000"/>
+            </a:srgbClr>
+          </a:solidFill>
+          <a:ln w="50800" cap="rnd" cmpd="thickThin" algn="ctr">
+            <a:noFill/>
+            <a:prstDash val="solid"/>
+          </a:ln>
+          <a:effectLst/>
+        </p:spPr>
+        <p:style>
+          <a:lnRef idx="3">
+            <a:schemeClr val="lt1"/>
+          </a:lnRef>
+          <a:fillRef idx="1">
+            <a:schemeClr val="accent1"/>
+          </a:fillRef>
+          <a:effectRef idx="1">
+            <a:schemeClr val="accent1"/>
+          </a:effectRef>
+          <a:fontRef idx="minor">
+            <a:schemeClr val="lt1"/>
+          </a:fontRef>
+        </p:style>
+        <p:txBody>
+          <a:bodyPr anchor="ctr"/>
+          <a:lstStyle/>
+          <a:p>
+            <a:pPr algn="ctr" eaLnBrk="1" latinLnBrk="0" hangingPunct="1"/>
+            <a:endParaRPr kumimoji="0" lang="en-US"/>
+          </a:p>
+        </p:txBody>
+      </p:sp>
+      <p:sp>
+        <p:nvSpPr>
+          <p:cNvPr id="40" name="Прямоугольник 39"/>
+          <p:cNvSpPr/>
+          <p:nvPr/>
+        </p:nvSpPr>
+        <p:spPr bwMode="invGray">
+          <a:xfrm>
+            <a:off x="8873475" y="380"/>
+            <a:ext cx="9144" cy="585216"/>
+          </a:xfrm>
+          <a:prstGeom prst="rect">
+            <a:avLst/>
+          </a:prstGeom>
+          <a:solidFill>
+            <a:srgbClr val="FFFFFF">
+              <a:alpha val="30196"/>
+            </a:srgbClr>
+          </a:solidFill>
+          <a:ln w="50800" cap="rnd" cmpd="thickThin" algn="ctr">
+            <a:noFill/>
+            <a:prstDash val="solid"/>
+          </a:ln>
+          <a:effectLst/>
+        </p:spPr>
+        <p:style>
+          <a:lnRef idx="3">
+            <a:schemeClr val="lt1"/>
+          </a:lnRef>
+          <a:fillRef idx="1">
+            <a:schemeClr val="accent1"/>
+          </a:fillRef>
+          <a:effectRef idx="1">
+            <a:schemeClr val="accent1"/>
+          </a:effectRef>
+          <a:fontRef idx="minor">
+            <a:schemeClr val="lt1"/>
+          </a:fontRef>
+        </p:style>
+        <p:txBody>
+          <a:bodyPr anchor="ctr"/>
+          <a:lstStyle/>
+          <a:p>
+            <a:pPr algn="ctr" eaLnBrk="1" latinLnBrk="0" hangingPunct="1"/>
+            <a:endParaRPr kumimoji="0" lang="en-US" dirty="0"/>
+          </a:p>
+        </p:txBody>
+      </p:sp>
+      <p:sp>
+        <p:nvSpPr>
+          <p:cNvPr id="22" name="Заголовок 21"/>
+          <p:cNvSpPr>
+            <a:spLocks noGrp="1"/>
+          </p:cNvSpPr>
+          <p:nvPr>
+            <p:ph type="title"/>
+          </p:nvPr>
+        </p:nvSpPr>
+        <p:spPr>
+          <a:xfrm>
+            <a:off x="457200" y="1143000"/>
+            <a:ext cx="8229600" cy="1066800"/>
+          </a:xfrm>
+          <a:prstGeom prst="rect">
+            <a:avLst/>
+          </a:prstGeom>
+        </p:spPr>
+        <p:txBody>
+          <a:bodyPr vert="horz" anchor="ctr">
+            <a:normAutofit/>
+          </a:bodyPr>
+          <a:lstStyle/>
+          <a:p>
+            <a:r>
+              <a:rPr kumimoji="0" lang="ru-RU" smtClean="0"/>
+              <a:t>Образец заголовка</a:t>
+            </a:r>
+            <a:endParaRPr kumimoji="0" lang="en-US"/>
+          </a:p>
+        </p:txBody>
+      </p:sp>
+      <p:sp>
+        <p:nvSpPr>
+          <p:cNvPr id="13" name="Текст 12"/>
+          <p:cNvSpPr>
+            <a:spLocks noGrp="1"/>
+          </p:cNvSpPr>
+          <p:nvPr>
+            <p:ph type="body" idx="1"/>
+          </p:nvPr>
+        </p:nvSpPr>
+        <p:spPr>
+          <a:xfrm>
+            <a:off x="457200" y="2249424"/>
+            <a:ext cx="8229600" cy="4325112"/>
+          </a:xfrm>
+          <a:prstGeom prst="rect">
+            <a:avLst/>
+          </a:prstGeom>
+        </p:spPr>
+        <p:txBody>
+          <a:bodyPr vert="horz">
+            <a:normAutofit/>
+          </a:bodyPr>
+          <a:lstStyle/>
+          <a:p>
+            <a:pPr lvl="0" eaLnBrk="1" latinLnBrk="0" hangingPunct="1"/>
+            <a:r>
+              <a:rPr kumimoji="0" lang="ru-RU" smtClean="0"/>
+              <a:t>Образец текста</a:t>
+            </a:r>
+          </a:p>
+          <a:p>
+            <a:pPr lvl="1" eaLnBrk="1" latinLnBrk="0" hangingPunct="1"/>
+            <a:r>
+              <a:rPr kumimoji="0" lang="ru-RU" smtClean="0"/>
+              <a:t>Второй уровень</a:t>
+            </a:r>
+          </a:p>
+          <a:p>
+            <a:pPr lvl="2" eaLnBrk="1" latinLnBrk="0" hangingPunct="1"/>
+            <a:r>
+              <a:rPr kumimoji="0" lang="ru-RU" smtClean="0"/>
+              <a:t>Третий уровень</a:t>
+            </a:r>
+          </a:p>
+          <a:p>
+            <a:pPr lvl="3" eaLnBrk="1" latinLnBrk="0" hangingPunct="1"/>
+            <a:r>
+              <a:rPr kumimoji="0" lang="ru-RU" smtClean="0"/>
+              <a:t>Четвертый уровень</a:t>
+            </a:r>
+          </a:p>
+          <a:p>
+            <a:pPr lvl="4" eaLnBrk="1" latinLnBrk="0" hangingPunct="1"/>
+            <a:r>
+              <a:rPr kumimoji="0" lang="ru-RU" smtClean="0"/>
+              <a:t>Пятый уровень</a:t>
+            </a:r>
+            <a:endParaRPr kumimoji="0" lang="en-US"/>
+          </a:p>
+        </p:txBody>
+      </p:sp>
+      <p:sp>
+        <p:nvSpPr>
+          <p:cNvPr id="14" name="Дата 13"/>
+          <p:cNvSpPr>
+            <a:spLocks noGrp="1"/>
+          </p:cNvSpPr>
+          <p:nvPr>
+            <p:ph type="dt" sz="half" idx="2"/>
+          </p:nvPr>
+        </p:nvSpPr>
+        <p:spPr>
+          <a:xfrm>
+            <a:off x="6586536" y="612648"/>
+            <a:ext cx="957264" cy="457200"/>
+          </a:xfrm>
+          <a:prstGeom prst="rect">
+            <a:avLst/>
+          </a:prstGeom>
+        </p:spPr>
+        <p:txBody>
+          <a:bodyPr vert="horz"/>
           <a:lstStyle>
-            <a:lvl1pPr algn="l">
-              <a:defRPr sz="1200">
+            <a:lvl1pPr algn="l" eaLnBrk="1" latinLnBrk="0" hangingPunct="1">
+              <a:defRPr kumimoji="0" sz="800">
                 <a:solidFill>
-                  <a:schemeClr val="tx1">
-                    <a:tint val="75000"/>
-                  </a:schemeClr>
+                  <a:schemeClr val="accent2"/>
                 </a:solidFill>
               </a:defRPr>
             </a:lvl1pPr>
@@ -2662,7 +3722,7 @@
           <a:p>
             <a:fld id="{B4C71EC6-210F-42DE-9C53-41977AD35B3D}" type="datetimeFigureOut">
               <a:rPr lang="ru-RU" smtClean="0"/>
-              <a:t>12.11.2009</a:t>
+              <a:t>27.01.2020</a:t>
             </a:fld>
             <a:endParaRPr lang="ru-RU"/>
           </a:p>
@@ -2670,7 +3730,7 @@
       </p:sp>
       <p:sp>
         <p:nvSpPr>
-          <p:cNvPr id="5" name="Нижний колонтитул 4"/>
+          <p:cNvPr id="3" name="Нижний колонтитул 2"/>
           <p:cNvSpPr>
             <a:spLocks noGrp="1"/>
           </p:cNvSpPr>
@@ -2680,22 +3740,20 @@
         </p:nvSpPr>
         <p:spPr>
           <a:xfrm>
-            <a:off x="3124200" y="6356350"/>
-            <a:ext cx="2895600" cy="365125"/>
+            <a:off x="5257800" y="612648"/>
+            <a:ext cx="1325880" cy="457200"/>
           </a:xfrm>
           <a:prstGeom prst="rect">
             <a:avLst/>
           </a:prstGeom>
         </p:spPr>
         <p:txBody>
-          <a:bodyPr vert="horz" lIns="91440" tIns="45720" rIns="91440" bIns="45720" rtlCol="0" anchor="ctr"/>
+          <a:bodyPr vert="horz"/>
           <a:lstStyle>
-            <a:lvl1pPr algn="ctr">
-              <a:defRPr sz="1200">
+            <a:lvl1pPr algn="r" eaLnBrk="1" latinLnBrk="0" hangingPunct="1">
+              <a:defRPr kumimoji="0" sz="800">
                 <a:solidFill>
-                  <a:schemeClr val="tx1">
-                    <a:tint val="75000"/>
-                  </a:schemeClr>
+                  <a:schemeClr val="accent2"/>
                 </a:solidFill>
               </a:defRPr>
             </a:lvl1pPr>
@@ -2707,7 +3765,7 @@
       </p:sp>
       <p:sp>
         <p:nvSpPr>
-          <p:cNvPr id="6" name="Номер слайда 5"/>
+          <p:cNvPr id="23" name="Номер слайда 22"/>
           <p:cNvSpPr>
             <a:spLocks noGrp="1"/>
           </p:cNvSpPr>
@@ -2717,22 +3775,20 @@
         </p:nvSpPr>
         <p:spPr>
           <a:xfrm>
-            <a:off x="6553200" y="6356350"/>
-            <a:ext cx="2133600" cy="365125"/>
+            <a:off x="8174736" y="2272"/>
+            <a:ext cx="762000" cy="365760"/>
           </a:xfrm>
           <a:prstGeom prst="rect">
             <a:avLst/>
           </a:prstGeom>
         </p:spPr>
         <p:txBody>
-          <a:bodyPr vert="horz" lIns="91440" tIns="45720" rIns="91440" bIns="45720" rtlCol="0" anchor="ctr"/>
+          <a:bodyPr vert="horz" anchor="b"/>
           <a:lstStyle>
-            <a:lvl1pPr algn="r">
-              <a:defRPr sz="1200">
+            <a:lvl1pPr algn="r" eaLnBrk="1" latinLnBrk="0" hangingPunct="1">
+              <a:defRPr kumimoji="0" sz="1800">
                 <a:solidFill>
-                  <a:schemeClr val="tx1">
-                    <a:tint val="75000"/>
-                  </a:schemeClr>
+                  <a:srgbClr val="FFFFFF"/>
                 </a:solidFill>
               </a:defRPr>
             </a:lvl1pPr>
@@ -2750,28 +3806,28 @@
   </p:cSld>
   <p:clrMap bg1="lt1" tx1="dk1" bg2="lt2" tx2="dk2" accent1="accent1" accent2="accent2" accent3="accent3" accent4="accent4" accent5="accent5" accent6="accent6" hlink="hlink" folHlink="folHlink"/>
   <p:sldLayoutIdLst>
-    <p:sldLayoutId id="2147483649" r:id="rId1"/>
-    <p:sldLayoutId id="2147483650" r:id="rId2"/>
-    <p:sldLayoutId id="2147483651" r:id="rId3"/>
-    <p:sldLayoutId id="2147483652" r:id="rId4"/>
-    <p:sldLayoutId id="2147483653" r:id="rId5"/>
-    <p:sldLayoutId id="2147483654" r:id="rId6"/>
-    <p:sldLayoutId id="2147483655" r:id="rId7"/>
-    <p:sldLayoutId id="2147483656" r:id="rId8"/>
-    <p:sldLayoutId id="2147483657" r:id="rId9"/>
-    <p:sldLayoutId id="2147483658" r:id="rId10"/>
-    <p:sldLayoutId id="2147483659" r:id="rId11"/>
+    <p:sldLayoutId id="2147483661" r:id="rId1"/>
+    <p:sldLayoutId id="2147483662" r:id="rId2"/>
+    <p:sldLayoutId id="2147483663" r:id="rId3"/>
+    <p:sldLayoutId id="2147483664" r:id="rId4"/>
+    <p:sldLayoutId id="2147483665" r:id="rId5"/>
+    <p:sldLayoutId id="2147483666" r:id="rId6"/>
+    <p:sldLayoutId id="2147483667" r:id="rId7"/>
+    <p:sldLayoutId id="2147483668" r:id="rId8"/>
+    <p:sldLayoutId id="2147483669" r:id="rId9"/>
+    <p:sldLayoutId id="2147483670" r:id="rId10"/>
+    <p:sldLayoutId id="2147483671" r:id="rId11"/>
   </p:sldLayoutIdLst>
   <p:txStyles>
     <p:titleStyle>
-      <a:lvl1pPr algn="ctr" defTabSz="914400" rtl="0" eaLnBrk="1" latinLnBrk="0" hangingPunct="1">
+      <a:lvl1pPr algn="l" rtl="0" eaLnBrk="1" latinLnBrk="0" hangingPunct="1">
         <a:spcBef>
           <a:spcPct val="0"/>
         </a:spcBef>
         <a:buNone/>
-        <a:defRPr sz="4400" kern="1200">
+        <a:defRPr kumimoji="0" sz="4000" kern="1200">
           <a:solidFill>
-            <a:schemeClr val="tx1"/>
+            <a:schemeClr val="tx2"/>
           </a:solidFill>
           <a:latin typeface="+mj-lt"/>
           <a:ea typeface="+mj-ea"/>
@@ -2780,13 +3836,16 @@
       </a:lvl1pPr>
     </p:titleStyle>
     <p:bodyStyle>
-      <a:lvl1pPr marL="342900" indent="-342900" algn="l" defTabSz="914400" rtl="0" eaLnBrk="1" latinLnBrk="0" hangingPunct="1">
+      <a:lvl1pPr marL="365760" indent="-256032" algn="l" rtl="0" eaLnBrk="1" latinLnBrk="0" hangingPunct="1">
         <a:spcBef>
-          <a:spcPct val="20000"/>
+          <a:spcPts val="300"/>
         </a:spcBef>
-        <a:buFont typeface="Arial" pitchFamily="34" charset="0"/>
+        <a:buClr>
+          <a:schemeClr val="accent3"/>
+        </a:buClr>
+        <a:buFont typeface="Georgia"/>
         <a:buChar char="•"/>
-        <a:defRPr sz="3200" kern="1200">
+        <a:defRPr kumimoji="0" sz="2800" kern="1200">
           <a:solidFill>
             <a:schemeClr val="tx1"/>
           </a:solidFill>
@@ -2795,13 +3854,164 @@
           <a:cs typeface="+mn-cs"/>
         </a:defRPr>
       </a:lvl1pPr>
-      <a:lvl2pPr marL="742950" indent="-285750" algn="l" defTabSz="914400" rtl="0" eaLnBrk="1" latinLnBrk="0" hangingPunct="1">
+      <a:lvl2pPr marL="658368" indent="-246888" algn="l" rtl="0" eaLnBrk="1" latinLnBrk="0" hangingPunct="1">
         <a:spcBef>
-          <a:spcPct val="20000"/>
+          <a:spcPts val="300"/>
         </a:spcBef>
-        <a:buFont typeface="Arial" pitchFamily="34" charset="0"/>
-        <a:buChar char="–"/>
-        <a:defRPr sz="2800" kern="1200">
+        <a:buClr>
+          <a:schemeClr val="accent2"/>
+        </a:buClr>
+        <a:buFont typeface="Georgia"/>
+        <a:buChar char="▫"/>
+        <a:defRPr kumimoji="0" sz="2600" kern="1200">
+          <a:solidFill>
+            <a:schemeClr val="accent2"/>
+          </a:solidFill>
+          <a:latin typeface="+mn-lt"/>
+          <a:ea typeface="+mn-ea"/>
+          <a:cs typeface="+mn-cs"/>
+        </a:defRPr>
+      </a:lvl2pPr>
+      <a:lvl3pPr marL="923544" indent="-219456" algn="l" rtl="0" eaLnBrk="1" latinLnBrk="0" hangingPunct="1">
+        <a:spcBef>
+          <a:spcPts val="300"/>
+        </a:spcBef>
+        <a:buClr>
+          <a:schemeClr val="accent1"/>
+        </a:buClr>
+        <a:buFont typeface="Wingdings 2"/>
+        <a:buChar char=""/>
+        <a:defRPr kumimoji="0" sz="2400" kern="1200">
+          <a:solidFill>
+            <a:schemeClr val="accent1"/>
+          </a:solidFill>
+          <a:latin typeface="+mn-lt"/>
+          <a:ea typeface="+mn-ea"/>
+          <a:cs typeface="+mn-cs"/>
+        </a:defRPr>
+      </a:lvl3pPr>
+      <a:lvl4pPr marL="1179576" indent="-201168" algn="l" rtl="0" eaLnBrk="1" latinLnBrk="0" hangingPunct="1">
+        <a:spcBef>
+          <a:spcPts val="300"/>
+        </a:spcBef>
+        <a:buClr>
+          <a:schemeClr val="accent1"/>
+        </a:buClr>
+        <a:buFont typeface="Wingdings 2"/>
+        <a:buChar char=""/>
+        <a:defRPr kumimoji="0" sz="2200" kern="1200">
+          <a:solidFill>
+            <a:schemeClr val="accent1"/>
+          </a:solidFill>
+          <a:latin typeface="+mn-lt"/>
+          <a:ea typeface="+mn-ea"/>
+          <a:cs typeface="+mn-cs"/>
+        </a:defRPr>
+      </a:lvl4pPr>
+      <a:lvl5pPr marL="1389888" indent="-182880" algn="l" rtl="0" eaLnBrk="1" latinLnBrk="0" hangingPunct="1">
+        <a:spcBef>
+          <a:spcPts val="300"/>
+        </a:spcBef>
+        <a:buClr>
+          <a:schemeClr val="accent3"/>
+        </a:buClr>
+        <a:buFont typeface="Georgia"/>
+        <a:buChar char="▫"/>
+        <a:defRPr kumimoji="0" sz="2000" kern="1200">
+          <a:solidFill>
+            <a:schemeClr val="accent3"/>
+          </a:solidFill>
+          <a:latin typeface="+mn-lt"/>
+          <a:ea typeface="+mn-ea"/>
+          <a:cs typeface="+mn-cs"/>
+        </a:defRPr>
+      </a:lvl5pPr>
+      <a:lvl6pPr marL="1609344" indent="-182880" algn="l" rtl="0" eaLnBrk="1" latinLnBrk="0" hangingPunct="1">
+        <a:spcBef>
+          <a:spcPts val="300"/>
+        </a:spcBef>
+        <a:buClr>
+          <a:schemeClr val="accent3"/>
+        </a:buClr>
+        <a:buFont typeface="Georgia"/>
+        <a:buChar char="▫"/>
+        <a:defRPr kumimoji="0" sz="1800" kern="1200">
+          <a:solidFill>
+            <a:schemeClr val="accent3"/>
+          </a:solidFill>
+          <a:latin typeface="+mn-lt"/>
+          <a:ea typeface="+mn-ea"/>
+          <a:cs typeface="+mn-cs"/>
+        </a:defRPr>
+      </a:lvl6pPr>
+      <a:lvl7pPr marL="1828800" indent="-182880" algn="l" rtl="0" eaLnBrk="1" latinLnBrk="0" hangingPunct="1">
+        <a:spcBef>
+          <a:spcPts val="300"/>
+        </a:spcBef>
+        <a:buClr>
+          <a:schemeClr val="accent3"/>
+        </a:buClr>
+        <a:buFont typeface="Georgia"/>
+        <a:buChar char="▫"/>
+        <a:defRPr kumimoji="0" sz="1600" kern="1200">
+          <a:solidFill>
+            <a:schemeClr val="accent3"/>
+          </a:solidFill>
+          <a:latin typeface="+mn-lt"/>
+          <a:ea typeface="+mn-ea"/>
+          <a:cs typeface="+mn-cs"/>
+        </a:defRPr>
+      </a:lvl7pPr>
+      <a:lvl8pPr marL="2029968" indent="-182880" algn="l" rtl="0" eaLnBrk="1" latinLnBrk="0" hangingPunct="1">
+        <a:spcBef>
+          <a:spcPts val="300"/>
+        </a:spcBef>
+        <a:buClr>
+          <a:schemeClr val="accent3"/>
+        </a:buClr>
+        <a:buFont typeface="Georgia"/>
+        <a:buChar char="◦"/>
+        <a:defRPr kumimoji="0" sz="1500" kern="1200">
+          <a:solidFill>
+            <a:schemeClr val="accent3"/>
+          </a:solidFill>
+          <a:latin typeface="+mn-lt"/>
+          <a:ea typeface="+mn-ea"/>
+          <a:cs typeface="+mn-cs"/>
+        </a:defRPr>
+      </a:lvl8pPr>
+      <a:lvl9pPr marL="2240280" indent="-182880" algn="l" rtl="0" eaLnBrk="1" latinLnBrk="0" hangingPunct="1">
+        <a:spcBef>
+          <a:spcPts val="300"/>
+        </a:spcBef>
+        <a:buClr>
+          <a:schemeClr val="accent3"/>
+        </a:buClr>
+        <a:buFont typeface="Georgia"/>
+        <a:buChar char="◦"/>
+        <a:defRPr kumimoji="0" sz="1400" kern="1200" baseline="0">
+          <a:solidFill>
+            <a:schemeClr val="accent3"/>
+          </a:solidFill>
+          <a:latin typeface="+mn-lt"/>
+          <a:ea typeface="+mn-ea"/>
+          <a:cs typeface="+mn-cs"/>
+        </a:defRPr>
+      </a:lvl9pPr>
+    </p:bodyStyle>
+    <p:otherStyle>
+      <a:lvl1pPr marL="0" algn="l" rtl="0" eaLnBrk="1" latinLnBrk="0" hangingPunct="1">
+        <a:defRPr kumimoji="0" kern="1200">
+          <a:solidFill>
+            <a:schemeClr val="tx1"/>
+          </a:solidFill>
+          <a:latin typeface="+mn-lt"/>
+          <a:ea typeface="+mn-ea"/>
+          <a:cs typeface="+mn-cs"/>
+        </a:defRPr>
+      </a:lvl1pPr>
+      <a:lvl2pPr marL="457200" algn="l" rtl="0" eaLnBrk="1" latinLnBrk="0" hangingPunct="1">
+        <a:defRPr kumimoji="0" kern="1200">
           <a:solidFill>
             <a:schemeClr val="tx1"/>
           </a:solidFill>
@@ -2810,13 +4020,8 @@
           <a:cs typeface="+mn-cs"/>
         </a:defRPr>
       </a:lvl2pPr>
-      <a:lvl3pPr marL="1143000" indent="-228600" algn="l" defTabSz="914400" rtl="0" eaLnBrk="1" latinLnBrk="0" hangingPunct="1">
-        <a:spcBef>
-          <a:spcPct val="20000"/>
-        </a:spcBef>
-        <a:buFont typeface="Arial" pitchFamily="34" charset="0"/>
-        <a:buChar char="•"/>
-        <a:defRPr sz="2400" kern="1200">
+      <a:lvl3pPr marL="914400" algn="l" rtl="0" eaLnBrk="1" latinLnBrk="0" hangingPunct="1">
+        <a:defRPr kumimoji="0" kern="1200">
           <a:solidFill>
             <a:schemeClr val="tx1"/>
           </a:solidFill>
@@ -2825,13 +4030,8 @@
           <a:cs typeface="+mn-cs"/>
         </a:defRPr>
       </a:lvl3pPr>
-      <a:lvl4pPr marL="1600200" indent="-228600" algn="l" defTabSz="914400" rtl="0" eaLnBrk="1" latinLnBrk="0" hangingPunct="1">
-        <a:spcBef>
-          <a:spcPct val="20000"/>
-        </a:spcBef>
-        <a:buFont typeface="Arial" pitchFamily="34" charset="0"/>
-        <a:buChar char="–"/>
-        <a:defRPr sz="2000" kern="1200">
+      <a:lvl4pPr marL="1371600" algn="l" rtl="0" eaLnBrk="1" latinLnBrk="0" hangingPunct="1">
+        <a:defRPr kumimoji="0" kern="1200">
           <a:solidFill>
             <a:schemeClr val="tx1"/>
           </a:solidFill>
@@ -2840,13 +4040,8 @@
           <a:cs typeface="+mn-cs"/>
         </a:defRPr>
       </a:lvl4pPr>
-      <a:lvl5pPr marL="2057400" indent="-228600" algn="l" defTabSz="914400" rtl="0" eaLnBrk="1" latinLnBrk="0" hangingPunct="1">
-        <a:spcBef>
-          <a:spcPct val="20000"/>
-        </a:spcBef>
-        <a:buFont typeface="Arial" pitchFamily="34" charset="0"/>
-        <a:buChar char="»"/>
-        <a:defRPr sz="2000" kern="1200">
+      <a:lvl5pPr marL="1828800" algn="l" rtl="0" eaLnBrk="1" latinLnBrk="0" hangingPunct="1">
+        <a:defRPr kumimoji="0" kern="1200">
           <a:solidFill>
             <a:schemeClr val="tx1"/>
           </a:solidFill>
@@ -2855,13 +4050,8 @@
           <a:cs typeface="+mn-cs"/>
         </a:defRPr>
       </a:lvl5pPr>
-      <a:lvl6pPr marL="2514600" indent="-228600" algn="l" defTabSz="914400" rtl="0" eaLnBrk="1" latinLnBrk="0" hangingPunct="1">
-        <a:spcBef>
-          <a:spcPct val="20000"/>
-        </a:spcBef>
-        <a:buFont typeface="Arial" pitchFamily="34" charset="0"/>
-        <a:buChar char="•"/>
-        <a:defRPr sz="2000" kern="1200">
+      <a:lvl6pPr marL="2286000" algn="l" rtl="0" eaLnBrk="1" latinLnBrk="0" hangingPunct="1">
+        <a:defRPr kumimoji="0" kern="1200">
           <a:solidFill>
             <a:schemeClr val="tx1"/>
           </a:solidFill>
@@ -2870,13 +4060,8 @@
           <a:cs typeface="+mn-cs"/>
         </a:defRPr>
       </a:lvl6pPr>
-      <a:lvl7pPr marL="2971800" indent="-228600" algn="l" defTabSz="914400" rtl="0" eaLnBrk="1" latinLnBrk="0" hangingPunct="1">
-        <a:spcBef>
-          <a:spcPct val="20000"/>
-        </a:spcBef>
-        <a:buFont typeface="Arial" pitchFamily="34" charset="0"/>
-        <a:buChar char="•"/>
-        <a:defRPr sz="2000" kern="1200">
+      <a:lvl7pPr marL="2743200" algn="l" rtl="0" eaLnBrk="1" latinLnBrk="0" hangingPunct="1">
+        <a:defRPr kumimoji="0" kern="1200">
           <a:solidFill>
             <a:schemeClr val="tx1"/>
           </a:solidFill>
@@ -2885,13 +4070,8 @@
           <a:cs typeface="+mn-cs"/>
         </a:defRPr>
       </a:lvl7pPr>
-      <a:lvl8pPr marL="3429000" indent="-228600" algn="l" defTabSz="914400" rtl="0" eaLnBrk="1" latinLnBrk="0" hangingPunct="1">
-        <a:spcBef>
-          <a:spcPct val="20000"/>
-        </a:spcBef>
-        <a:buFont typeface="Arial" pitchFamily="34" charset="0"/>
-        <a:buChar char="•"/>
-        <a:defRPr sz="2000" kern="1200">
+      <a:lvl8pPr marL="3200400" algn="l" rtl="0" eaLnBrk="1" latinLnBrk="0" hangingPunct="1">
+        <a:defRPr kumimoji="0" kern="1200">
           <a:solidFill>
             <a:schemeClr val="tx1"/>
           </a:solidFill>
@@ -2900,108 +4080,8 @@
           <a:cs typeface="+mn-cs"/>
         </a:defRPr>
       </a:lvl8pPr>
-      <a:lvl9pPr marL="3886200" indent="-228600" algn="l" defTabSz="914400" rtl="0" eaLnBrk="1" latinLnBrk="0" hangingPunct="1">
-        <a:spcBef>
-          <a:spcPct val="20000"/>
-        </a:spcBef>
-        <a:buFont typeface="Arial" pitchFamily="34" charset="0"/>
-        <a:buChar char="•"/>
-        <a:defRPr sz="2000" kern="1200">
-          <a:solidFill>
-            <a:schemeClr val="tx1"/>
-          </a:solidFill>
-          <a:latin typeface="+mn-lt"/>
-          <a:ea typeface="+mn-ea"/>
-          <a:cs typeface="+mn-cs"/>
-        </a:defRPr>
-      </a:lvl9pPr>
-    </p:bodyStyle>
-    <p:otherStyle>
-      <a:defPPr>
-        <a:defRPr lang="ru-RU"/>
-      </a:defPPr>
-      <a:lvl1pPr marL="0" algn="l" defTabSz="914400" rtl="0" eaLnBrk="1" latinLnBrk="0" hangingPunct="1">
-        <a:defRPr sz="1800" kern="1200">
-          <a:solidFill>
-            <a:schemeClr val="tx1"/>
-          </a:solidFill>
-          <a:latin typeface="+mn-lt"/>
-          <a:ea typeface="+mn-ea"/>
-          <a:cs typeface="+mn-cs"/>
-        </a:defRPr>
-      </a:lvl1pPr>
-      <a:lvl2pPr marL="457200" algn="l" defTabSz="914400" rtl="0" eaLnBrk="1" latinLnBrk="0" hangingPunct="1">
-        <a:defRPr sz="1800" kern="1200">
-          <a:solidFill>
-            <a:schemeClr val="tx1"/>
-          </a:solidFill>
-          <a:latin typeface="+mn-lt"/>
-          <a:ea typeface="+mn-ea"/>
-          <a:cs typeface="+mn-cs"/>
-        </a:defRPr>
-      </a:lvl2pPr>
-      <a:lvl3pPr marL="914400" algn="l" defTabSz="914400" rtl="0" eaLnBrk="1" latinLnBrk="0" hangingPunct="1">
-        <a:defRPr sz="1800" kern="1200">
-          <a:solidFill>
-            <a:schemeClr val="tx1"/>
-          </a:solidFill>
-          <a:latin typeface="+mn-lt"/>
-          <a:ea typeface="+mn-ea"/>
-          <a:cs typeface="+mn-cs"/>
-        </a:defRPr>
-      </a:lvl3pPr>
-      <a:lvl4pPr marL="1371600" algn="l" defTabSz="914400" rtl="0" eaLnBrk="1" latinLnBrk="0" hangingPunct="1">
-        <a:defRPr sz="1800" kern="1200">
-          <a:solidFill>
-            <a:schemeClr val="tx1"/>
-          </a:solidFill>
-          <a:latin typeface="+mn-lt"/>
-          <a:ea typeface="+mn-ea"/>
-          <a:cs typeface="+mn-cs"/>
-        </a:defRPr>
-      </a:lvl4pPr>
-      <a:lvl5pPr marL="1828800" algn="l" defTabSz="914400" rtl="0" eaLnBrk="1" latinLnBrk="0" hangingPunct="1">
-        <a:defRPr sz="1800" kern="1200">
-          <a:solidFill>
-            <a:schemeClr val="tx1"/>
-          </a:solidFill>
-          <a:latin typeface="+mn-lt"/>
-          <a:ea typeface="+mn-ea"/>
-          <a:cs typeface="+mn-cs"/>
-        </a:defRPr>
-      </a:lvl5pPr>
-      <a:lvl6pPr marL="2286000" algn="l" defTabSz="914400" rtl="0" eaLnBrk="1" latinLnBrk="0" hangingPunct="1">
-        <a:defRPr sz="1800" kern="1200">
-          <a:solidFill>
-            <a:schemeClr val="tx1"/>
-          </a:solidFill>
-          <a:latin typeface="+mn-lt"/>
-          <a:ea typeface="+mn-ea"/>
-          <a:cs typeface="+mn-cs"/>
-        </a:defRPr>
-      </a:lvl6pPr>
-      <a:lvl7pPr marL="2743200" algn="l" defTabSz="914400" rtl="0" eaLnBrk="1" latinLnBrk="0" hangingPunct="1">
-        <a:defRPr sz="1800" kern="1200">
-          <a:solidFill>
-            <a:schemeClr val="tx1"/>
-          </a:solidFill>
-          <a:latin typeface="+mn-lt"/>
-          <a:ea typeface="+mn-ea"/>
-          <a:cs typeface="+mn-cs"/>
-        </a:defRPr>
-      </a:lvl7pPr>
-      <a:lvl8pPr marL="3200400" algn="l" defTabSz="914400" rtl="0" eaLnBrk="1" latinLnBrk="0" hangingPunct="1">
-        <a:defRPr sz="1800" kern="1200">
-          <a:solidFill>
-            <a:schemeClr val="tx1"/>
-          </a:solidFill>
-          <a:latin typeface="+mn-lt"/>
-          <a:ea typeface="+mn-ea"/>
-          <a:cs typeface="+mn-cs"/>
-        </a:defRPr>
-      </a:lvl8pPr>
-      <a:lvl9pPr marL="3657600" algn="l" defTabSz="914400" rtl="0" eaLnBrk="1" latinLnBrk="0" hangingPunct="1">
-        <a:defRPr sz="1800" kern="1200">
+      <a:lvl9pPr marL="3657600" algn="l" rtl="0" eaLnBrk="1" latinLnBrk="0" hangingPunct="1">
+        <a:defRPr kumimoji="0" kern="1200">
           <a:solidFill>
             <a:schemeClr val="tx1"/>
           </a:solidFill>
@@ -3015,10 +4095,1141 @@
 </p:sldMaster>
 </file>
 
+<file path=ppt/slides/slide1.xml><?xml version="1.0" encoding="utf-8"?>
+<p:sld xmlns:a="http://schemas.openxmlformats.org/drawingml/2006/main" xmlns:r="http://schemas.openxmlformats.org/officeDocument/2006/relationships" xmlns:p="http://schemas.openxmlformats.org/presentationml/2006/main">
+  <p:cSld>
+    <p:spTree>
+      <p:nvGrpSpPr>
+        <p:cNvPr id="1" name=""/>
+        <p:cNvGrpSpPr/>
+        <p:nvPr/>
+      </p:nvGrpSpPr>
+      <p:grpSpPr>
+        <a:xfrm>
+          <a:off x="0" y="0"/>
+          <a:ext cx="0" cy="0"/>
+          <a:chOff x="0" y="0"/>
+          <a:chExt cx="0" cy="0"/>
+        </a:xfrm>
+      </p:grpSpPr>
+      <p:sp>
+        <p:nvSpPr>
+          <p:cNvPr id="2" name="Заголовок 1"/>
+          <p:cNvSpPr>
+            <a:spLocks noGrp="1"/>
+          </p:cNvSpPr>
+          <p:nvPr>
+            <p:ph type="ctrTitle"/>
+          </p:nvPr>
+        </p:nvSpPr>
+        <p:spPr>
+          <a:xfrm>
+            <a:off x="467544" y="2420888"/>
+            <a:ext cx="8458200" cy="1037977"/>
+          </a:xfrm>
+        </p:spPr>
+        <p:txBody>
+          <a:bodyPr>
+            <a:normAutofit/>
+          </a:bodyPr>
+          <a:lstStyle/>
+          <a:p>
+            <a:r>
+              <a:rPr lang="ru-RU" dirty="0" smtClean="0">
+                <a:latin typeface="Century Gothic" panose="020B0502020202020204" pitchFamily="34" charset="0"/>
+              </a:rPr>
+              <a:t>Гоночная игра</a:t>
+            </a:r>
+            <a:r>
+              <a:rPr lang="en-US" dirty="0" smtClean="0">
+                <a:latin typeface="Century Gothic" panose="020B0502020202020204" pitchFamily="34" charset="0"/>
+              </a:rPr>
+              <a:t>:</a:t>
+            </a:r>
+            <a:r>
+              <a:rPr lang="ru-RU" dirty="0" smtClean="0">
+                <a:latin typeface="Century Gothic" panose="020B0502020202020204" pitchFamily="34" charset="0"/>
+              </a:rPr>
+              <a:t> </a:t>
+            </a:r>
+            <a:r>
+              <a:rPr lang="en-US" dirty="0" smtClean="0">
+                <a:latin typeface="Century Gothic" panose="020B0502020202020204" pitchFamily="34" charset="0"/>
+              </a:rPr>
+              <a:t>“Arrow Racer”</a:t>
+            </a:r>
+            <a:endParaRPr lang="ru-RU" dirty="0">
+              <a:latin typeface="Century Gothic" panose="020B0502020202020204" pitchFamily="34" charset="0"/>
+            </a:endParaRPr>
+          </a:p>
+        </p:txBody>
+      </p:sp>
+      <p:sp>
+        <p:nvSpPr>
+          <p:cNvPr id="3" name="Подзаголовок 2"/>
+          <p:cNvSpPr>
+            <a:spLocks noGrp="1"/>
+          </p:cNvSpPr>
+          <p:nvPr>
+            <p:ph type="subTitle" idx="1"/>
+          </p:nvPr>
+        </p:nvSpPr>
+        <p:spPr/>
+        <p:txBody>
+          <a:bodyPr/>
+          <a:lstStyle/>
+          <a:p>
+            <a:r>
+              <a:rPr lang="ru-RU" dirty="0" smtClean="0">
+                <a:latin typeface="Century Gothic" panose="020B0502020202020204" pitchFamily="34" charset="0"/>
+              </a:rPr>
+              <a:t>Автор</a:t>
+            </a:r>
+            <a:r>
+              <a:rPr lang="en-US" dirty="0" smtClean="0">
+                <a:latin typeface="Century Gothic" panose="020B0502020202020204" pitchFamily="34" charset="0"/>
+              </a:rPr>
+              <a:t>:</a:t>
+            </a:r>
+            <a:r>
+              <a:rPr lang="ru-RU" dirty="0" smtClean="0">
+                <a:latin typeface="Century Gothic" panose="020B0502020202020204" pitchFamily="34" charset="0"/>
+              </a:rPr>
+              <a:t> Зарубин Борис</a:t>
+            </a:r>
+            <a:endParaRPr lang="ru-RU" dirty="0">
+              <a:latin typeface="Century Gothic" panose="020B0502020202020204" pitchFamily="34" charset="0"/>
+            </a:endParaRPr>
+          </a:p>
+        </p:txBody>
+      </p:sp>
+      <p:pic>
+        <p:nvPicPr>
+          <p:cNvPr id="4" name="Picture 2" descr="Картинки по запросу python"/>
+          <p:cNvPicPr>
+            <a:picLocks noChangeAspect="1" noChangeArrowheads="1"/>
+          </p:cNvPicPr>
+          <p:nvPr/>
+        </p:nvPicPr>
+        <p:blipFill>
+          <a:blip r:embed="rId2">
+            <a:extLst>
+              <a:ext uri="{28A0092B-C50C-407E-A947-70E740481C1C}">
+                <a14:useLocalDpi xmlns:a14="http://schemas.microsoft.com/office/drawing/2010/main" val="0"/>
+              </a:ext>
+            </a:extLst>
+          </a:blip>
+          <a:srcRect/>
+          <a:stretch>
+            <a:fillRect/>
+          </a:stretch>
+        </p:blipFill>
+        <p:spPr bwMode="auto">
+          <a:xfrm>
+            <a:off x="6516216" y="4039075"/>
+            <a:ext cx="3148608" cy="3148609"/>
+          </a:xfrm>
+          <a:prstGeom prst="rect">
+            <a:avLst/>
+          </a:prstGeom>
+          <a:noFill/>
+          <a:extLst>
+            <a:ext uri="{909E8E84-426E-40DD-AFC4-6F175D3DCCD1}">
+              <a14:hiddenFill xmlns:a14="http://schemas.microsoft.com/office/drawing/2010/main">
+                <a:solidFill>
+                  <a:srgbClr val="FFFFFF"/>
+                </a:solidFill>
+              </a14:hiddenFill>
+            </a:ext>
+          </a:extLst>
+        </p:spPr>
+      </p:pic>
+      <p:pic>
+        <p:nvPicPr>
+          <p:cNvPr id="1026" name="Picture 2" descr="Картинки по запросу pygame"/>
+          <p:cNvPicPr>
+            <a:picLocks noChangeAspect="1" noChangeArrowheads="1"/>
+          </p:cNvPicPr>
+          <p:nvPr/>
+        </p:nvPicPr>
+        <p:blipFill>
+          <a:blip r:embed="rId3" cstate="print">
+            <a:extLst>
+              <a:ext uri="{28A0092B-C50C-407E-A947-70E740481C1C}">
+                <a14:useLocalDpi xmlns:a14="http://schemas.microsoft.com/office/drawing/2010/main" val="0"/>
+              </a:ext>
+            </a:extLst>
+          </a:blip>
+          <a:srcRect/>
+          <a:stretch>
+            <a:fillRect/>
+          </a:stretch>
+        </p:blipFill>
+        <p:spPr bwMode="auto">
+          <a:xfrm>
+            <a:off x="395536" y="4599733"/>
+            <a:ext cx="6521004" cy="2580979"/>
+          </a:xfrm>
+          <a:prstGeom prst="rect">
+            <a:avLst/>
+          </a:prstGeom>
+          <a:noFill/>
+          <a:extLst>
+            <a:ext uri="{909E8E84-426E-40DD-AFC4-6F175D3DCCD1}">
+              <a14:hiddenFill xmlns:a14="http://schemas.microsoft.com/office/drawing/2010/main">
+                <a:solidFill>
+                  <a:srgbClr val="FFFFFF"/>
+                </a:solidFill>
+              </a14:hiddenFill>
+            </a:ext>
+          </a:extLst>
+        </p:spPr>
+      </p:pic>
+    </p:spTree>
+    <p:extLst>
+      <p:ext uri="{BB962C8B-B14F-4D97-AF65-F5344CB8AC3E}">
+        <p14:creationId xmlns:p14="http://schemas.microsoft.com/office/powerpoint/2010/main" val="269826879"/>
+      </p:ext>
+    </p:extLst>
+  </p:cSld>
+  <p:clrMapOvr>
+    <a:masterClrMapping/>
+  </p:clrMapOvr>
+  <p:timing>
+    <p:tnLst>
+      <p:par>
+        <p:cTn id="1" dur="indefinite" restart="never" nodeType="tmRoot"/>
+      </p:par>
+    </p:tnLst>
+  </p:timing>
+</p:sld>
+</file>
+
+<file path=ppt/slides/slide2.xml><?xml version="1.0" encoding="utf-8"?>
+<p:sld xmlns:a="http://schemas.openxmlformats.org/drawingml/2006/main" xmlns:r="http://schemas.openxmlformats.org/officeDocument/2006/relationships" xmlns:p="http://schemas.openxmlformats.org/presentationml/2006/main">
+  <p:cSld>
+    <p:spTree>
+      <p:nvGrpSpPr>
+        <p:cNvPr id="1" name=""/>
+        <p:cNvGrpSpPr/>
+        <p:nvPr/>
+      </p:nvGrpSpPr>
+      <p:grpSpPr>
+        <a:xfrm>
+          <a:off x="0" y="0"/>
+          <a:ext cx="0" cy="0"/>
+          <a:chOff x="0" y="0"/>
+          <a:chExt cx="0" cy="0"/>
+        </a:xfrm>
+      </p:grpSpPr>
+      <p:pic>
+        <p:nvPicPr>
+          <p:cNvPr id="2053" name="Picture 5"/>
+          <p:cNvPicPr>
+            <a:picLocks noChangeAspect="1" noChangeArrowheads="1"/>
+          </p:cNvPicPr>
+          <p:nvPr/>
+        </p:nvPicPr>
+        <p:blipFill>
+          <a:blip r:embed="rId2">
+            <a:extLst>
+              <a:ext uri="{28A0092B-C50C-407E-A947-70E740481C1C}">
+                <a14:useLocalDpi xmlns:a14="http://schemas.microsoft.com/office/drawing/2010/main" val="0"/>
+              </a:ext>
+            </a:extLst>
+          </a:blip>
+          <a:srcRect/>
+          <a:stretch>
+            <a:fillRect/>
+          </a:stretch>
+        </p:blipFill>
+        <p:spPr bwMode="auto">
+          <a:xfrm>
+            <a:off x="0" y="2768993"/>
+            <a:ext cx="5222069" cy="4063311"/>
+          </a:xfrm>
+          <a:prstGeom prst="rect">
+            <a:avLst/>
+          </a:prstGeom>
+          <a:solidFill>
+            <a:srgbClr val="FFFFFF">
+              <a:shade val="85000"/>
+            </a:srgbClr>
+          </a:solidFill>
+          <a:ln w="88900" cap="sq">
+            <a:solidFill>
+              <a:srgbClr val="FFFFFF"/>
+            </a:solidFill>
+            <a:miter lim="800000"/>
+          </a:ln>
+          <a:effectLst>
+            <a:outerShdw blurRad="55000" dist="18000" dir="5400000" algn="tl" rotWithShape="0">
+              <a:srgbClr val="000000">
+                <a:alpha val="40000"/>
+              </a:srgbClr>
+            </a:outerShdw>
+          </a:effectLst>
+          <a:scene3d>
+            <a:camera prst="orthographicFront"/>
+            <a:lightRig rig="twoPt" dir="t">
+              <a:rot lat="0" lon="0" rev="7200000"/>
+            </a:lightRig>
+          </a:scene3d>
+          <a:sp3d>
+            <a:bevelT w="25400" h="19050"/>
+            <a:contourClr>
+              <a:srgbClr val="FFFFFF"/>
+            </a:contourClr>
+          </a:sp3d>
+          <a:extLst>
+            <a:ext uri="{909E8E84-426E-40DD-AFC4-6F175D3DCCD1}">
+              <a14:hiddenFill xmlns:a14="http://schemas.microsoft.com/office/drawing/2010/main">
+                <a:solidFill>
+                  <a:schemeClr val="accent1"/>
+                </a:solidFill>
+              </a14:hiddenFill>
+            </a:ext>
+            <a:ext uri="{91240B29-F687-4F45-9708-019B960494DF}">
+              <a14:hiddenLine xmlns:a14="http://schemas.microsoft.com/office/drawing/2010/main" w="9525">
+                <a:solidFill>
+                  <a:schemeClr val="tx1"/>
+                </a:solidFill>
+                <a:miter lim="800000"/>
+                <a:headEnd/>
+                <a:tailEnd/>
+              </a14:hiddenLine>
+            </a:ext>
+          </a:extLst>
+        </p:spPr>
+      </p:pic>
+      <p:pic>
+        <p:nvPicPr>
+          <p:cNvPr id="2050" name="Picture 2"/>
+          <p:cNvPicPr>
+            <a:picLocks noChangeAspect="1" noChangeArrowheads="1"/>
+          </p:cNvPicPr>
+          <p:nvPr/>
+        </p:nvPicPr>
+        <p:blipFill>
+          <a:blip r:embed="rId3">
+            <a:extLst>
+              <a:ext uri="{28A0092B-C50C-407E-A947-70E740481C1C}">
+                <a14:useLocalDpi xmlns:a14="http://schemas.microsoft.com/office/drawing/2010/main" val="0"/>
+              </a:ext>
+            </a:extLst>
+          </a:blip>
+          <a:srcRect/>
+          <a:stretch>
+            <a:fillRect/>
+          </a:stretch>
+        </p:blipFill>
+        <p:spPr bwMode="auto">
+          <a:xfrm>
+            <a:off x="3347864" y="1340769"/>
+            <a:ext cx="5652120" cy="4394868"/>
+          </a:xfrm>
+          <a:prstGeom prst="rect">
+            <a:avLst/>
+          </a:prstGeom>
+          <a:solidFill>
+            <a:srgbClr val="FFFFFF">
+              <a:shade val="85000"/>
+            </a:srgbClr>
+          </a:solidFill>
+          <a:ln w="88900" cap="sq">
+            <a:solidFill>
+              <a:srgbClr val="FFFFFF"/>
+            </a:solidFill>
+            <a:miter lim="800000"/>
+          </a:ln>
+          <a:effectLst>
+            <a:outerShdw blurRad="55000" dist="18000" dir="5400000" algn="tl" rotWithShape="0">
+              <a:srgbClr val="000000">
+                <a:alpha val="40000"/>
+              </a:srgbClr>
+            </a:outerShdw>
+          </a:effectLst>
+          <a:scene3d>
+            <a:camera prst="orthographicFront"/>
+            <a:lightRig rig="twoPt" dir="t">
+              <a:rot lat="0" lon="0" rev="7200000"/>
+            </a:lightRig>
+          </a:scene3d>
+          <a:sp3d>
+            <a:bevelT w="25400" h="19050"/>
+            <a:contourClr>
+              <a:srgbClr val="FFFFFF"/>
+            </a:contourClr>
+          </a:sp3d>
+          <a:extLst>
+            <a:ext uri="{909E8E84-426E-40DD-AFC4-6F175D3DCCD1}">
+              <a14:hiddenFill xmlns:a14="http://schemas.microsoft.com/office/drawing/2010/main">
+                <a:solidFill>
+                  <a:schemeClr val="accent1"/>
+                </a:solidFill>
+              </a14:hiddenFill>
+            </a:ext>
+            <a:ext uri="{91240B29-F687-4F45-9708-019B960494DF}">
+              <a14:hiddenLine xmlns:a14="http://schemas.microsoft.com/office/drawing/2010/main" w="9525">
+                <a:solidFill>
+                  <a:schemeClr val="tx1"/>
+                </a:solidFill>
+                <a:miter lim="800000"/>
+                <a:headEnd/>
+                <a:tailEnd/>
+              </a14:hiddenLine>
+            </a:ext>
+          </a:extLst>
+        </p:spPr>
+      </p:pic>
+      <p:sp>
+        <p:nvSpPr>
+          <p:cNvPr id="2" name="Заголовок 1"/>
+          <p:cNvSpPr>
+            <a:spLocks noGrp="1"/>
+          </p:cNvSpPr>
+          <p:nvPr>
+            <p:ph type="title"/>
+          </p:nvPr>
+        </p:nvSpPr>
+        <p:spPr>
+          <a:xfrm>
+            <a:off x="474948" y="201960"/>
+            <a:ext cx="8229600" cy="1066800"/>
+          </a:xfrm>
+        </p:spPr>
+        <p:txBody>
+          <a:bodyPr/>
+          <a:lstStyle/>
+          <a:p>
+            <a:r>
+              <a:rPr lang="ru-RU" dirty="0" smtClean="0"/>
+              <a:t>Главное меню</a:t>
+            </a:r>
+            <a:r>
+              <a:rPr lang="en-US" dirty="0" smtClean="0"/>
+              <a:t>:</a:t>
+            </a:r>
+            <a:endParaRPr lang="ru-RU" dirty="0"/>
+          </a:p>
+        </p:txBody>
+      </p:sp>
+    </p:spTree>
+    <p:extLst>
+      <p:ext uri="{BB962C8B-B14F-4D97-AF65-F5344CB8AC3E}">
+        <p14:creationId xmlns:p14="http://schemas.microsoft.com/office/powerpoint/2010/main" val="3712315416"/>
+      </p:ext>
+    </p:extLst>
+  </p:cSld>
+  <p:clrMapOvr>
+    <a:masterClrMapping/>
+  </p:clrMapOvr>
+  <p:timing>
+    <p:tnLst>
+      <p:par>
+        <p:cTn id="1" dur="indefinite" restart="never" nodeType="tmRoot"/>
+      </p:par>
+    </p:tnLst>
+  </p:timing>
+</p:sld>
+</file>
+
+<file path=ppt/slides/slide3.xml><?xml version="1.0" encoding="utf-8"?>
+<p:sld xmlns:a="http://schemas.openxmlformats.org/drawingml/2006/main" xmlns:r="http://schemas.openxmlformats.org/officeDocument/2006/relationships" xmlns:p="http://schemas.openxmlformats.org/presentationml/2006/main">
+  <p:cSld>
+    <p:spTree>
+      <p:nvGrpSpPr>
+        <p:cNvPr id="1" name=""/>
+        <p:cNvGrpSpPr/>
+        <p:nvPr/>
+      </p:nvGrpSpPr>
+      <p:grpSpPr>
+        <a:xfrm>
+          <a:off x="0" y="0"/>
+          <a:ext cx="0" cy="0"/>
+          <a:chOff x="0" y="0"/>
+          <a:chExt cx="0" cy="0"/>
+        </a:xfrm>
+      </p:grpSpPr>
+      <p:sp>
+        <p:nvSpPr>
+          <p:cNvPr id="2" name="Заголовок 1"/>
+          <p:cNvSpPr>
+            <a:spLocks noGrp="1"/>
+          </p:cNvSpPr>
+          <p:nvPr>
+            <p:ph type="title"/>
+          </p:nvPr>
+        </p:nvSpPr>
+        <p:spPr>
+          <a:xfrm>
+            <a:off x="401487" y="260648"/>
+            <a:ext cx="8229600" cy="1069848"/>
+          </a:xfrm>
+        </p:spPr>
+        <p:txBody>
+          <a:bodyPr/>
+          <a:lstStyle/>
+          <a:p>
+            <a:r>
+              <a:rPr lang="ru-RU" dirty="0" smtClean="0"/>
+              <a:t>Магазин</a:t>
+            </a:r>
+            <a:r>
+              <a:rPr lang="en-US" dirty="0" smtClean="0"/>
+              <a:t>:</a:t>
+            </a:r>
+            <a:endParaRPr lang="ru-RU" dirty="0"/>
+          </a:p>
+        </p:txBody>
+      </p:sp>
+      <p:pic>
+        <p:nvPicPr>
+          <p:cNvPr id="3074" name="Picture 2"/>
+          <p:cNvPicPr>
+            <a:picLocks noChangeAspect="1" noChangeArrowheads="1"/>
+          </p:cNvPicPr>
+          <p:nvPr/>
+        </p:nvPicPr>
+        <p:blipFill>
+          <a:blip r:embed="rId2">
+            <a:extLst>
+              <a:ext uri="{28A0092B-C50C-407E-A947-70E740481C1C}">
+                <a14:useLocalDpi xmlns:a14="http://schemas.microsoft.com/office/drawing/2010/main" val="0"/>
+              </a:ext>
+            </a:extLst>
+          </a:blip>
+          <a:srcRect/>
+          <a:stretch>
+            <a:fillRect/>
+          </a:stretch>
+        </p:blipFill>
+        <p:spPr bwMode="auto">
+          <a:xfrm>
+            <a:off x="984357" y="1196752"/>
+            <a:ext cx="7063861" cy="5503321"/>
+          </a:xfrm>
+          <a:prstGeom prst="rect">
+            <a:avLst/>
+          </a:prstGeom>
+          <a:noFill/>
+          <a:ln>
+            <a:noFill/>
+          </a:ln>
+          <a:extLst>
+            <a:ext uri="{909E8E84-426E-40DD-AFC4-6F175D3DCCD1}">
+              <a14:hiddenFill xmlns:a14="http://schemas.microsoft.com/office/drawing/2010/main">
+                <a:solidFill>
+                  <a:schemeClr val="accent1"/>
+                </a:solidFill>
+              </a14:hiddenFill>
+            </a:ext>
+            <a:ext uri="{91240B29-F687-4F45-9708-019B960494DF}">
+              <a14:hiddenLine xmlns:a14="http://schemas.microsoft.com/office/drawing/2010/main" w="9525">
+                <a:solidFill>
+                  <a:schemeClr val="tx1"/>
+                </a:solidFill>
+                <a:miter lim="800000"/>
+                <a:headEnd/>
+                <a:tailEnd/>
+              </a14:hiddenLine>
+            </a:ext>
+          </a:extLst>
+        </p:spPr>
+      </p:pic>
+    </p:spTree>
+    <p:extLst>
+      <p:ext uri="{BB962C8B-B14F-4D97-AF65-F5344CB8AC3E}">
+        <p14:creationId xmlns:p14="http://schemas.microsoft.com/office/powerpoint/2010/main" val="3236140426"/>
+      </p:ext>
+    </p:extLst>
+  </p:cSld>
+  <p:clrMapOvr>
+    <a:masterClrMapping/>
+  </p:clrMapOvr>
+  <p:timing>
+    <p:tnLst>
+      <p:par>
+        <p:cTn id="1" dur="indefinite" restart="never" nodeType="tmRoot"/>
+      </p:par>
+    </p:tnLst>
+  </p:timing>
+</p:sld>
+</file>
+
+<file path=ppt/slides/slide4.xml><?xml version="1.0" encoding="utf-8"?>
+<p:sld xmlns:a="http://schemas.openxmlformats.org/drawingml/2006/main" xmlns:r="http://schemas.openxmlformats.org/officeDocument/2006/relationships" xmlns:p="http://schemas.openxmlformats.org/presentationml/2006/main">
+  <p:cSld>
+    <p:spTree>
+      <p:nvGrpSpPr>
+        <p:cNvPr id="1" name=""/>
+        <p:cNvGrpSpPr/>
+        <p:nvPr/>
+      </p:nvGrpSpPr>
+      <p:grpSpPr>
+        <a:xfrm>
+          <a:off x="0" y="0"/>
+          <a:ext cx="0" cy="0"/>
+          <a:chOff x="0" y="0"/>
+          <a:chExt cx="0" cy="0"/>
+        </a:xfrm>
+      </p:grpSpPr>
+      <p:sp>
+        <p:nvSpPr>
+          <p:cNvPr id="2" name="Заголовок 1"/>
+          <p:cNvSpPr>
+            <a:spLocks noGrp="1"/>
+          </p:cNvSpPr>
+          <p:nvPr>
+            <p:ph type="title"/>
+          </p:nvPr>
+        </p:nvSpPr>
+        <p:spPr>
+          <a:xfrm>
+            <a:off x="0" y="332656"/>
+            <a:ext cx="8229600" cy="1069848"/>
+          </a:xfrm>
+        </p:spPr>
+        <p:txBody>
+          <a:bodyPr/>
+          <a:lstStyle/>
+          <a:p>
+            <a:r>
+              <a:rPr lang="ru-RU" dirty="0" smtClean="0"/>
+              <a:t>Прохождение уровней</a:t>
+            </a:r>
+            <a:endParaRPr lang="ru-RU" dirty="0"/>
+          </a:p>
+        </p:txBody>
+      </p:sp>
+      <p:pic>
+        <p:nvPicPr>
+          <p:cNvPr id="4099" name="Picture 3"/>
+          <p:cNvPicPr>
+            <a:picLocks noChangeAspect="1" noChangeArrowheads="1"/>
+          </p:cNvPicPr>
+          <p:nvPr/>
+        </p:nvPicPr>
+        <p:blipFill>
+          <a:blip r:embed="rId2">
+            <a:extLst>
+              <a:ext uri="{28A0092B-C50C-407E-A947-70E740481C1C}">
+                <a14:useLocalDpi xmlns:a14="http://schemas.microsoft.com/office/drawing/2010/main" val="0"/>
+              </a:ext>
+            </a:extLst>
+          </a:blip>
+          <a:srcRect/>
+          <a:stretch>
+            <a:fillRect/>
+          </a:stretch>
+        </p:blipFill>
+        <p:spPr bwMode="auto">
+          <a:xfrm>
+            <a:off x="0" y="-265918"/>
+            <a:ext cx="9144000" cy="7123918"/>
+          </a:xfrm>
+          <a:prstGeom prst="rect">
+            <a:avLst/>
+          </a:prstGeom>
+          <a:noFill/>
+          <a:ln>
+            <a:noFill/>
+          </a:ln>
+          <a:extLst>
+            <a:ext uri="{909E8E84-426E-40DD-AFC4-6F175D3DCCD1}">
+              <a14:hiddenFill xmlns:a14="http://schemas.microsoft.com/office/drawing/2010/main">
+                <a:solidFill>
+                  <a:schemeClr val="accent1"/>
+                </a:solidFill>
+              </a14:hiddenFill>
+            </a:ext>
+            <a:ext uri="{91240B29-F687-4F45-9708-019B960494DF}">
+              <a14:hiddenLine xmlns:a14="http://schemas.microsoft.com/office/drawing/2010/main" w="9525">
+                <a:solidFill>
+                  <a:schemeClr val="tx1"/>
+                </a:solidFill>
+                <a:miter lim="800000"/>
+                <a:headEnd/>
+                <a:tailEnd/>
+              </a14:hiddenLine>
+            </a:ext>
+          </a:extLst>
+        </p:spPr>
+      </p:pic>
+    </p:spTree>
+    <p:extLst>
+      <p:ext uri="{BB962C8B-B14F-4D97-AF65-F5344CB8AC3E}">
+        <p14:creationId xmlns:p14="http://schemas.microsoft.com/office/powerpoint/2010/main" val="1047855318"/>
+      </p:ext>
+    </p:extLst>
+  </p:cSld>
+  <p:clrMapOvr>
+    <a:masterClrMapping/>
+  </p:clrMapOvr>
+  <p:timing>
+    <p:tnLst>
+      <p:par>
+        <p:cTn id="1" dur="indefinite" restart="never" nodeType="tmRoot"/>
+      </p:par>
+    </p:tnLst>
+  </p:timing>
+</p:sld>
+</file>
+
+<file path=ppt/slides/slide5.xml><?xml version="1.0" encoding="utf-8"?>
+<p:sld xmlns:a="http://schemas.openxmlformats.org/drawingml/2006/main" xmlns:r="http://schemas.openxmlformats.org/officeDocument/2006/relationships" xmlns:p="http://schemas.openxmlformats.org/presentationml/2006/main">
+  <p:cSld>
+    <p:spTree>
+      <p:nvGrpSpPr>
+        <p:cNvPr id="1" name=""/>
+        <p:cNvGrpSpPr/>
+        <p:nvPr/>
+      </p:nvGrpSpPr>
+      <p:grpSpPr>
+        <a:xfrm>
+          <a:off x="0" y="0"/>
+          <a:ext cx="0" cy="0"/>
+          <a:chOff x="0" y="0"/>
+          <a:chExt cx="0" cy="0"/>
+        </a:xfrm>
+      </p:grpSpPr>
+      <p:sp>
+        <p:nvSpPr>
+          <p:cNvPr id="2" name="Заголовок 1"/>
+          <p:cNvSpPr>
+            <a:spLocks noGrp="1"/>
+          </p:cNvSpPr>
+          <p:nvPr>
+            <p:ph type="title"/>
+          </p:nvPr>
+        </p:nvSpPr>
+        <p:spPr>
+          <a:xfrm>
+            <a:off x="323528" y="188640"/>
+            <a:ext cx="8229600" cy="1069848"/>
+          </a:xfrm>
+        </p:spPr>
+        <p:txBody>
+          <a:bodyPr/>
+          <a:lstStyle/>
+          <a:p>
+            <a:r>
+              <a:rPr lang="ru-RU" dirty="0" smtClean="0"/>
+              <a:t>Система частиц</a:t>
+            </a:r>
+            <a:endParaRPr lang="ru-RU" dirty="0"/>
+          </a:p>
+        </p:txBody>
+      </p:sp>
+      <p:pic>
+        <p:nvPicPr>
+          <p:cNvPr id="5122" name="Picture 2"/>
+          <p:cNvPicPr>
+            <a:picLocks noChangeAspect="1" noChangeArrowheads="1"/>
+          </p:cNvPicPr>
+          <p:nvPr/>
+        </p:nvPicPr>
+        <p:blipFill>
+          <a:blip r:embed="rId2">
+            <a:extLst>
+              <a:ext uri="{28A0092B-C50C-407E-A947-70E740481C1C}">
+                <a14:useLocalDpi xmlns:a14="http://schemas.microsoft.com/office/drawing/2010/main" val="0"/>
+              </a:ext>
+            </a:extLst>
+          </a:blip>
+          <a:srcRect/>
+          <a:stretch>
+            <a:fillRect/>
+          </a:stretch>
+        </p:blipFill>
+        <p:spPr bwMode="auto">
+          <a:xfrm>
+            <a:off x="68415" y="1992107"/>
+            <a:ext cx="2088232" cy="3591759"/>
+          </a:xfrm>
+          <a:prstGeom prst="rect">
+            <a:avLst/>
+          </a:prstGeom>
+          <a:noFill/>
+          <a:ln>
+            <a:noFill/>
+          </a:ln>
+          <a:extLst>
+            <a:ext uri="{909E8E84-426E-40DD-AFC4-6F175D3DCCD1}">
+              <a14:hiddenFill xmlns:a14="http://schemas.microsoft.com/office/drawing/2010/main">
+                <a:solidFill>
+                  <a:schemeClr val="accent1"/>
+                </a:solidFill>
+              </a14:hiddenFill>
+            </a:ext>
+            <a:ext uri="{91240B29-F687-4F45-9708-019B960494DF}">
+              <a14:hiddenLine xmlns:a14="http://schemas.microsoft.com/office/drawing/2010/main" w="9525">
+                <a:solidFill>
+                  <a:schemeClr val="tx1"/>
+                </a:solidFill>
+                <a:miter lim="800000"/>
+                <a:headEnd/>
+                <a:tailEnd/>
+              </a14:hiddenLine>
+            </a:ext>
+          </a:extLst>
+        </p:spPr>
+      </p:pic>
+      <p:pic>
+        <p:nvPicPr>
+          <p:cNvPr id="5123" name="Picture 3"/>
+          <p:cNvPicPr>
+            <a:picLocks noChangeAspect="1" noChangeArrowheads="1"/>
+          </p:cNvPicPr>
+          <p:nvPr/>
+        </p:nvPicPr>
+        <p:blipFill>
+          <a:blip r:embed="rId3">
+            <a:extLst>
+              <a:ext uri="{28A0092B-C50C-407E-A947-70E740481C1C}">
+                <a14:useLocalDpi xmlns:a14="http://schemas.microsoft.com/office/drawing/2010/main" val="0"/>
+              </a:ext>
+            </a:extLst>
+          </a:blip>
+          <a:srcRect/>
+          <a:stretch>
+            <a:fillRect/>
+          </a:stretch>
+        </p:blipFill>
+        <p:spPr bwMode="auto">
+          <a:xfrm>
+            <a:off x="2339752" y="1995009"/>
+            <a:ext cx="2090130" cy="3595024"/>
+          </a:xfrm>
+          <a:prstGeom prst="rect">
+            <a:avLst/>
+          </a:prstGeom>
+          <a:noFill/>
+          <a:ln>
+            <a:noFill/>
+          </a:ln>
+          <a:extLst>
+            <a:ext uri="{909E8E84-426E-40DD-AFC4-6F175D3DCCD1}">
+              <a14:hiddenFill xmlns:a14="http://schemas.microsoft.com/office/drawing/2010/main">
+                <a:solidFill>
+                  <a:schemeClr val="accent1"/>
+                </a:solidFill>
+              </a14:hiddenFill>
+            </a:ext>
+            <a:ext uri="{91240B29-F687-4F45-9708-019B960494DF}">
+              <a14:hiddenLine xmlns:a14="http://schemas.microsoft.com/office/drawing/2010/main" w="9525">
+                <a:solidFill>
+                  <a:schemeClr val="tx1"/>
+                </a:solidFill>
+                <a:miter lim="800000"/>
+                <a:headEnd/>
+                <a:tailEnd/>
+              </a14:hiddenLine>
+            </a:ext>
+          </a:extLst>
+        </p:spPr>
+      </p:pic>
+      <p:pic>
+        <p:nvPicPr>
+          <p:cNvPr id="5124" name="Picture 4"/>
+          <p:cNvPicPr>
+            <a:picLocks noChangeAspect="1" noChangeArrowheads="1"/>
+          </p:cNvPicPr>
+          <p:nvPr/>
+        </p:nvPicPr>
+        <p:blipFill>
+          <a:blip r:embed="rId4">
+            <a:extLst>
+              <a:ext uri="{28A0092B-C50C-407E-A947-70E740481C1C}">
+                <a14:useLocalDpi xmlns:a14="http://schemas.microsoft.com/office/drawing/2010/main" val="0"/>
+              </a:ext>
+            </a:extLst>
+          </a:blip>
+          <a:srcRect/>
+          <a:stretch>
+            <a:fillRect/>
+          </a:stretch>
+        </p:blipFill>
+        <p:spPr bwMode="auto">
+          <a:xfrm>
+            <a:off x="4581491" y="1988841"/>
+            <a:ext cx="2202494" cy="3591759"/>
+          </a:xfrm>
+          <a:prstGeom prst="rect">
+            <a:avLst/>
+          </a:prstGeom>
+          <a:noFill/>
+          <a:ln>
+            <a:noFill/>
+          </a:ln>
+          <a:extLst>
+            <a:ext uri="{909E8E84-426E-40DD-AFC4-6F175D3DCCD1}">
+              <a14:hiddenFill xmlns:a14="http://schemas.microsoft.com/office/drawing/2010/main">
+                <a:solidFill>
+                  <a:schemeClr val="accent1"/>
+                </a:solidFill>
+              </a14:hiddenFill>
+            </a:ext>
+            <a:ext uri="{91240B29-F687-4F45-9708-019B960494DF}">
+              <a14:hiddenLine xmlns:a14="http://schemas.microsoft.com/office/drawing/2010/main" w="9525">
+                <a:solidFill>
+                  <a:schemeClr val="tx1"/>
+                </a:solidFill>
+                <a:miter lim="800000"/>
+                <a:headEnd/>
+                <a:tailEnd/>
+              </a14:hiddenLine>
+            </a:ext>
+          </a:extLst>
+        </p:spPr>
+      </p:pic>
+      <p:pic>
+        <p:nvPicPr>
+          <p:cNvPr id="5125" name="Picture 5"/>
+          <p:cNvPicPr>
+            <a:picLocks noChangeAspect="1" noChangeArrowheads="1"/>
+          </p:cNvPicPr>
+          <p:nvPr/>
+        </p:nvPicPr>
+        <p:blipFill>
+          <a:blip r:embed="rId5">
+            <a:extLst>
+              <a:ext uri="{28A0092B-C50C-407E-A947-70E740481C1C}">
+                <a14:useLocalDpi xmlns:a14="http://schemas.microsoft.com/office/drawing/2010/main" val="0"/>
+              </a:ext>
+            </a:extLst>
+          </a:blip>
+          <a:srcRect/>
+          <a:stretch>
+            <a:fillRect/>
+          </a:stretch>
+        </p:blipFill>
+        <p:spPr bwMode="auto">
+          <a:xfrm>
+            <a:off x="6948264" y="1988840"/>
+            <a:ext cx="2114774" cy="3591759"/>
+          </a:xfrm>
+          <a:prstGeom prst="rect">
+            <a:avLst/>
+          </a:prstGeom>
+          <a:noFill/>
+          <a:ln>
+            <a:noFill/>
+          </a:ln>
+          <a:extLst>
+            <a:ext uri="{909E8E84-426E-40DD-AFC4-6F175D3DCCD1}">
+              <a14:hiddenFill xmlns:a14="http://schemas.microsoft.com/office/drawing/2010/main">
+                <a:solidFill>
+                  <a:schemeClr val="accent1"/>
+                </a:solidFill>
+              </a14:hiddenFill>
+            </a:ext>
+            <a:ext uri="{91240B29-F687-4F45-9708-019B960494DF}">
+              <a14:hiddenLine xmlns:a14="http://schemas.microsoft.com/office/drawing/2010/main" w="9525">
+                <a:solidFill>
+                  <a:schemeClr val="tx1"/>
+                </a:solidFill>
+                <a:miter lim="800000"/>
+                <a:headEnd/>
+                <a:tailEnd/>
+              </a14:hiddenLine>
+            </a:ext>
+          </a:extLst>
+        </p:spPr>
+      </p:pic>
+    </p:spTree>
+    <p:extLst>
+      <p:ext uri="{BB962C8B-B14F-4D97-AF65-F5344CB8AC3E}">
+        <p14:creationId xmlns:p14="http://schemas.microsoft.com/office/powerpoint/2010/main" val="1356874101"/>
+      </p:ext>
+    </p:extLst>
+  </p:cSld>
+  <p:clrMapOvr>
+    <a:masterClrMapping/>
+  </p:clrMapOvr>
+  <p:timing>
+    <p:tnLst>
+      <p:par>
+        <p:cTn id="1" dur="indefinite" restart="never" nodeType="tmRoot"/>
+      </p:par>
+    </p:tnLst>
+  </p:timing>
+</p:sld>
+</file>
+
+<file path=ppt/slides/slide6.xml><?xml version="1.0" encoding="utf-8"?>
+<p:sld xmlns:a="http://schemas.openxmlformats.org/drawingml/2006/main" xmlns:r="http://schemas.openxmlformats.org/officeDocument/2006/relationships" xmlns:p="http://schemas.openxmlformats.org/presentationml/2006/main">
+  <p:cSld>
+    <p:spTree>
+      <p:nvGrpSpPr>
+        <p:cNvPr id="1" name=""/>
+        <p:cNvGrpSpPr/>
+        <p:nvPr/>
+      </p:nvGrpSpPr>
+      <p:grpSpPr>
+        <a:xfrm>
+          <a:off x="0" y="0"/>
+          <a:ext cx="0" cy="0"/>
+          <a:chOff x="0" y="0"/>
+          <a:chExt cx="0" cy="0"/>
+        </a:xfrm>
+      </p:grpSpPr>
+      <p:sp>
+        <p:nvSpPr>
+          <p:cNvPr id="2" name="Заголовок 1"/>
+          <p:cNvSpPr>
+            <a:spLocks noGrp="1"/>
+          </p:cNvSpPr>
+          <p:nvPr>
+            <p:ph type="title"/>
+          </p:nvPr>
+        </p:nvSpPr>
+        <p:spPr>
+          <a:xfrm>
+            <a:off x="169350" y="188640"/>
+            <a:ext cx="8229600" cy="1069848"/>
+          </a:xfrm>
+        </p:spPr>
+        <p:txBody>
+          <a:bodyPr/>
+          <a:lstStyle/>
+          <a:p>
+            <a:r>
+              <a:rPr lang="ru-RU" dirty="0" smtClean="0"/>
+              <a:t>Камера</a:t>
+            </a:r>
+            <a:endParaRPr lang="ru-RU" dirty="0"/>
+          </a:p>
+        </p:txBody>
+      </p:sp>
+      <p:pic>
+        <p:nvPicPr>
+          <p:cNvPr id="6146" name="Picture 2"/>
+          <p:cNvPicPr>
+            <a:picLocks noChangeAspect="1" noChangeArrowheads="1"/>
+          </p:cNvPicPr>
+          <p:nvPr/>
+        </p:nvPicPr>
+        <p:blipFill rotWithShape="1">
+          <a:blip r:embed="rId2">
+            <a:extLst>
+              <a:ext uri="{28A0092B-C50C-407E-A947-70E740481C1C}">
+                <a14:useLocalDpi xmlns:a14="http://schemas.microsoft.com/office/drawing/2010/main" val="0"/>
+              </a:ext>
+            </a:extLst>
+          </a:blip>
+          <a:srcRect t="3662"/>
+          <a:stretch/>
+        </p:blipFill>
+        <p:spPr bwMode="auto">
+          <a:xfrm>
+            <a:off x="806606" y="1052736"/>
+            <a:ext cx="7560840" cy="5678788"/>
+          </a:xfrm>
+          <a:prstGeom prst="rect">
+            <a:avLst/>
+          </a:prstGeom>
+          <a:noFill/>
+          <a:ln>
+            <a:noFill/>
+          </a:ln>
+          <a:extLst>
+            <a:ext uri="{909E8E84-426E-40DD-AFC4-6F175D3DCCD1}">
+              <a14:hiddenFill xmlns:a14="http://schemas.microsoft.com/office/drawing/2010/main">
+                <a:solidFill>
+                  <a:schemeClr val="accent1"/>
+                </a:solidFill>
+              </a14:hiddenFill>
+            </a:ext>
+            <a:ext uri="{91240B29-F687-4F45-9708-019B960494DF}">
+              <a14:hiddenLine xmlns:a14="http://schemas.microsoft.com/office/drawing/2010/main" w="9525">
+                <a:solidFill>
+                  <a:schemeClr val="tx1"/>
+                </a:solidFill>
+                <a:miter lim="800000"/>
+                <a:headEnd/>
+                <a:tailEnd/>
+              </a14:hiddenLine>
+            </a:ext>
+          </a:extLst>
+        </p:spPr>
+      </p:pic>
+    </p:spTree>
+    <p:extLst>
+      <p:ext uri="{BB962C8B-B14F-4D97-AF65-F5344CB8AC3E}">
+        <p14:creationId xmlns:p14="http://schemas.microsoft.com/office/powerpoint/2010/main" val="1057759771"/>
+      </p:ext>
+    </p:extLst>
+  </p:cSld>
+  <p:clrMapOvr>
+    <a:masterClrMapping/>
+  </p:clrMapOvr>
+</p:sld>
+</file>
+
+<file path=ppt/slides/slide7.xml><?xml version="1.0" encoding="utf-8"?>
+<p:sld xmlns:a="http://schemas.openxmlformats.org/drawingml/2006/main" xmlns:r="http://schemas.openxmlformats.org/officeDocument/2006/relationships" xmlns:p="http://schemas.openxmlformats.org/presentationml/2006/main">
+  <p:cSld>
+    <p:spTree>
+      <p:nvGrpSpPr>
+        <p:cNvPr id="1" name=""/>
+        <p:cNvGrpSpPr/>
+        <p:nvPr/>
+      </p:nvGrpSpPr>
+      <p:grpSpPr>
+        <a:xfrm>
+          <a:off x="0" y="0"/>
+          <a:ext cx="0" cy="0"/>
+          <a:chOff x="0" y="0"/>
+          <a:chExt cx="0" cy="0"/>
+        </a:xfrm>
+      </p:grpSpPr>
+      <p:sp>
+        <p:nvSpPr>
+          <p:cNvPr id="2" name="Заголовок 1"/>
+          <p:cNvSpPr>
+            <a:spLocks noGrp="1"/>
+          </p:cNvSpPr>
+          <p:nvPr>
+            <p:ph type="title"/>
+          </p:nvPr>
+        </p:nvSpPr>
+        <p:spPr>
+          <a:xfrm>
+            <a:off x="467544" y="2564904"/>
+            <a:ext cx="8229600" cy="1069848"/>
+          </a:xfrm>
+        </p:spPr>
+        <p:txBody>
+          <a:bodyPr/>
+          <a:lstStyle/>
+          <a:p>
+            <a:pPr algn="ctr"/>
+            <a:r>
+              <a:rPr lang="ru-RU" dirty="0" smtClean="0"/>
+              <a:t>Спасибо за внимание!</a:t>
+            </a:r>
+            <a:endParaRPr lang="ru-RU" dirty="0"/>
+          </a:p>
+        </p:txBody>
+      </p:sp>
+    </p:spTree>
+    <p:extLst>
+      <p:ext uri="{BB962C8B-B14F-4D97-AF65-F5344CB8AC3E}">
+        <p14:creationId xmlns:p14="http://schemas.microsoft.com/office/powerpoint/2010/main" val="2024825851"/>
+      </p:ext>
+    </p:extLst>
+  </p:cSld>
+  <p:clrMapOvr>
+    <a:masterClrMapping/>
+  </p:clrMapOvr>
+</p:sld>
+</file>
+
 <file path=ppt/theme/theme1.xml><?xml version="1.0" encoding="utf-8"?>
-<a:theme xmlns:a="http://schemas.openxmlformats.org/drawingml/2006/main" name="Тема Office">
+<a:theme xmlns:a="http://schemas.openxmlformats.org/drawingml/2006/main" name="Городская">
   <a:themeElements>
-    <a:clrScheme name="Стандартная">
+    <a:clrScheme name="Городская">
       <a:dk1>
         <a:sysClr val="windowText" lastClr="000000"/>
       </a:dk1>
@@ -3026,82 +5237,48 @@
         <a:sysClr val="window" lastClr="FFFFFF"/>
       </a:lt1>
       <a:dk2>
-        <a:srgbClr val="1F497D"/>
+        <a:srgbClr val="424456"/>
       </a:dk2>
       <a:lt2>
-        <a:srgbClr val="EEECE1"/>
+        <a:srgbClr val="DEDEDE"/>
       </a:lt2>
       <a:accent1>
-        <a:srgbClr val="4F81BD"/>
+        <a:srgbClr val="53548A"/>
       </a:accent1>
       <a:accent2>
-        <a:srgbClr val="C0504D"/>
+        <a:srgbClr val="438086"/>
       </a:accent2>
       <a:accent3>
-        <a:srgbClr val="9BBB59"/>
+        <a:srgbClr val="A04DA3"/>
       </a:accent3>
       <a:accent4>
-        <a:srgbClr val="8064A2"/>
+        <a:srgbClr val="C4652D"/>
       </a:accent4>
       <a:accent5>
-        <a:srgbClr val="4BACC6"/>
+        <a:srgbClr val="8B5D3D"/>
       </a:accent5>
       <a:accent6>
-        <a:srgbClr val="F79646"/>
+        <a:srgbClr val="5C92B5"/>
       </a:accent6>
       <a:hlink>
-        <a:srgbClr val="0000FF"/>
+        <a:srgbClr val="67AFBD"/>
       </a:hlink>
       <a:folHlink>
-        <a:srgbClr val="800080"/>
+        <a:srgbClr val="C2A874"/>
       </a:folHlink>
     </a:clrScheme>
-    <a:fontScheme name="Стандартная">
+    <a:fontScheme name="Остин">
       <a:majorFont>
-        <a:latin typeface="Calibri"/>
+        <a:latin typeface="Century Gothic"/>
         <a:ea typeface=""/>
         <a:cs typeface=""/>
-        <a:font script="Jpan" typeface="ＭＳ Ｐゴシック"/>
-        <a:font script="Hang" typeface="맑은 고딕"/>
-        <a:font script="Hans" typeface="宋体"/>
-        <a:font script="Hant" typeface="新細明體"/>
-        <a:font script="Arab" typeface="Times New Roman"/>
-        <a:font script="Hebr" typeface="Times New Roman"/>
-        <a:font script="Thai" typeface="Angsana New"/>
-        <a:font script="Ethi" typeface="Nyala"/>
-        <a:font script="Beng" typeface="Vrinda"/>
-        <a:font script="Gujr" typeface="Shruti"/>
-        <a:font script="Khmr" typeface="MoolBoran"/>
-        <a:font script="Knda" typeface="Tunga"/>
-        <a:font script="Guru" typeface="Raavi"/>
-        <a:font script="Cans" typeface="Euphemia"/>
-        <a:font script="Cher" typeface="Plantagenet Cherokee"/>
-        <a:font script="Yiii" typeface="Microsoft Yi Baiti"/>
-        <a:font script="Tibt" typeface="Microsoft Himalaya"/>
-        <a:font script="Thaa" typeface="MV Boli"/>
-        <a:font script="Deva" typeface="Mangal"/>
-        <a:font script="Telu" typeface="Gautami"/>
-        <a:font script="Taml" typeface="Latha"/>
-        <a:font script="Syrc" typeface="Estrangelo Edessa"/>
-        <a:font script="Orya" typeface="Kalinga"/>
-        <a:font script="Mlym" typeface="Kartika"/>
-        <a:font script="Laoo" typeface="DokChampa"/>
-        <a:font script="Sinh" typeface="Iskoola Pota"/>
-        <a:font script="Mong" typeface="Mongolian Baiti"/>
-        <a:font script="Viet" typeface="Times New Roman"/>
-        <a:font script="Uigh" typeface="Microsoft Uighur"/>
-      </a:majorFont>
-      <a:minorFont>
-        <a:latin typeface="Calibri"/>
-        <a:ea typeface=""/>
-        <a:cs typeface=""/>
-        <a:font script="Jpan" typeface="ＭＳ Ｐゴシック"/>
-        <a:font script="Hang" typeface="맑은 고딕"/>
-        <a:font script="Hans" typeface="宋体"/>
-        <a:font script="Hant" typeface="新細明體"/>
-        <a:font script="Arab" typeface="Arial"/>
-        <a:font script="Hebr" typeface="Arial"/>
-        <a:font script="Thai" typeface="Cordia New"/>
+        <a:font script="Jpan" typeface="ＭＳ ゴシック"/>
+        <a:font script="Hang" typeface="HY중고딕"/>
+        <a:font script="Hans" typeface="幼圆"/>
+        <a:font script="Hant" typeface="微軟正黑體"/>
+        <a:font script="Arab" typeface="Tahoma"/>
+        <a:font script="Hebr" typeface="Gisha"/>
+        <a:font script="Thai" typeface="DilleniaUPC"/>
         <a:font script="Ethi" typeface="Nyala"/>
         <a:font script="Beng" typeface="Vrinda"/>
         <a:font script="Gujr" typeface="Shruti"/>
@@ -3122,11 +5299,47 @@
         <a:font script="Laoo" typeface="DokChampa"/>
         <a:font script="Sinh" typeface="Iskoola Pota"/>
         <a:font script="Mong" typeface="Mongolian Baiti"/>
-        <a:font script="Viet" typeface="Arial"/>
+        <a:font script="Viet" typeface="Tahoma"/>
         <a:font script="Uigh" typeface="Microsoft Uighur"/>
+        <a:font script="Geor" typeface="Sylfaen"/>
+      </a:majorFont>
+      <a:minorFont>
+        <a:latin typeface="Century Gothic"/>
+        <a:ea typeface=""/>
+        <a:cs typeface=""/>
+        <a:font script="Jpan" typeface="ＭＳ ゴシック"/>
+        <a:font script="Hang" typeface="HY중고딕"/>
+        <a:font script="Hans" typeface="幼圆"/>
+        <a:font script="Hant" typeface="微軟正黑體"/>
+        <a:font script="Arab" typeface="Tahoma"/>
+        <a:font script="Hebr" typeface="Gisha"/>
+        <a:font script="Thai" typeface="DilleniaUPC"/>
+        <a:font script="Ethi" typeface="Nyala"/>
+        <a:font script="Beng" typeface="Vrinda"/>
+        <a:font script="Gujr" typeface="Shruti"/>
+        <a:font script="Khmr" typeface="DaunPenh"/>
+        <a:font script="Knda" typeface="Tunga"/>
+        <a:font script="Guru" typeface="Raavi"/>
+        <a:font script="Cans" typeface="Euphemia"/>
+        <a:font script="Cher" typeface="Plantagenet Cherokee"/>
+        <a:font script="Yiii" typeface="Microsoft Yi Baiti"/>
+        <a:font script="Tibt" typeface="Microsoft Himalaya"/>
+        <a:font script="Thaa" typeface="MV Boli"/>
+        <a:font script="Deva" typeface="Mangal"/>
+        <a:font script="Telu" typeface="Gautami"/>
+        <a:font script="Taml" typeface="Latha"/>
+        <a:font script="Syrc" typeface="Estrangelo Edessa"/>
+        <a:font script="Orya" typeface="Kalinga"/>
+        <a:font script="Mlym" typeface="Kartika"/>
+        <a:font script="Laoo" typeface="DokChampa"/>
+        <a:font script="Sinh" typeface="Iskoola Pota"/>
+        <a:font script="Mong" typeface="Mongolian Baiti"/>
+        <a:font script="Viet" typeface="Verdana"/>
+        <a:font script="Uigh" typeface="Microsoft Uighur"/>
+        <a:font script="Geor" typeface="Sylfaen"/>
       </a:minorFont>
     </a:fontScheme>
-    <a:fmtScheme name="Стандартная">
+    <a:fmtScheme name="Городская">
       <a:fillStyleLst>
         <a:solidFill>
           <a:schemeClr val="phClr"/>
@@ -3135,66 +5348,66 @@
           <a:gsLst>
             <a:gs pos="0">
               <a:schemeClr val="phClr">
-                <a:tint val="50000"/>
-                <a:satMod val="300000"/>
+                <a:tint val="1000"/>
+                <a:satMod val="255000"/>
               </a:schemeClr>
             </a:gs>
-            <a:gs pos="35000">
+            <a:gs pos="55000">
               <a:schemeClr val="phClr">
-                <a:tint val="37000"/>
-                <a:satMod val="300000"/>
+                <a:tint val="12000"/>
+                <a:satMod val="255000"/>
               </a:schemeClr>
             </a:gs>
             <a:gs pos="100000">
               <a:schemeClr val="phClr">
-                <a:tint val="15000"/>
-                <a:satMod val="350000"/>
+                <a:tint val="45000"/>
+                <a:satMod val="250000"/>
               </a:schemeClr>
             </a:gs>
           </a:gsLst>
-          <a:lin ang="16200000" scaled="1"/>
+          <a:path path="circle">
+            <a:fillToRect l="-40000" t="-90000" r="140000" b="190000"/>
+          </a:path>
         </a:gradFill>
         <a:gradFill rotWithShape="1">
           <a:gsLst>
             <a:gs pos="0">
               <a:schemeClr val="phClr">
-                <a:shade val="51000"/>
-                <a:satMod val="130000"/>
+                <a:tint val="43000"/>
+                <a:satMod val="165000"/>
               </a:schemeClr>
             </a:gs>
-            <a:gs pos="80000">
+            <a:gs pos="55000">
               <a:schemeClr val="phClr">
-                <a:shade val="93000"/>
-                <a:satMod val="130000"/>
+                <a:tint val="83000"/>
+                <a:satMod val="155000"/>
               </a:schemeClr>
             </a:gs>
             <a:gs pos="100000">
               <a:schemeClr val="phClr">
-                <a:shade val="94000"/>
-                <a:satMod val="135000"/>
+                <a:shade val="85000"/>
               </a:schemeClr>
             </a:gs>
           </a:gsLst>
-          <a:lin ang="16200000" scaled="0"/>
+          <a:path path="circle">
+            <a:fillToRect l="-40000" t="-90000" r="140000" b="190000"/>
+          </a:path>
         </a:gradFill>
       </a:fillStyleLst>
       <a:lnStyleLst>
         <a:ln w="9525" cap="flat" cmpd="sng" algn="ctr">
           <a:solidFill>
-            <a:schemeClr val="phClr">
-              <a:shade val="95000"/>
-              <a:satMod val="105000"/>
-            </a:schemeClr>
+            <a:schemeClr val="phClr"/>
           </a:solidFill>
           <a:prstDash val="solid"/>
         </a:ln>
-        <a:ln w="25400" cap="flat" cmpd="sng" algn="ctr">
+        <a:ln w="19050" cap="flat" cmpd="sng" algn="ctr">
           <a:solidFill>
             <a:schemeClr val="phClr"/>
           </a:solidFill>
           <a:prstDash val="solid"/>
         </a:ln>
-        <a:ln w="38100" cap="flat" cmpd="sng" algn="ctr">
+        <a:ln w="31750" cap="flat" cmpd="sng" algn="ctr">
           <a:solidFill>
             <a:schemeClr val="phClr"/>
           </a:solidFill>
@@ -3204,40 +5417,45 @@
       <a:effectStyleLst>
         <a:effectStyle>
           <a:effectLst>
-            <a:outerShdw blurRad="40000" dist="20000" dir="5400000" rotWithShape="0">
+            <a:outerShdw blurRad="51500" dist="25400" dir="5400000" rotWithShape="0">
               <a:srgbClr val="000000">
-                <a:alpha val="38000"/>
+                <a:alpha val="40000"/>
               </a:srgbClr>
             </a:outerShdw>
           </a:effectLst>
         </a:effectStyle>
         <a:effectStyle>
           <a:effectLst>
-            <a:outerShdw blurRad="40000" dist="23000" dir="5400000" rotWithShape="0">
+            <a:outerShdw blurRad="50800" dist="25400" dir="5400000" rotWithShape="0">
               <a:srgbClr val="000000">
-                <a:alpha val="35000"/>
+                <a:alpha val="45000"/>
               </a:srgbClr>
             </a:outerShdw>
           </a:effectLst>
         </a:effectStyle>
         <a:effectStyle>
           <a:effectLst>
-            <a:outerShdw blurRad="40000" dist="23000" dir="5400000" rotWithShape="0">
+            <a:outerShdw blurRad="50800" dist="25400" dir="5400000" rotWithShape="0">
               <a:srgbClr val="000000">
-                <a:alpha val="35000"/>
+                <a:alpha val="45000"/>
               </a:srgbClr>
             </a:outerShdw>
           </a:effectLst>
           <a:scene3d>
-            <a:camera prst="orthographicFront">
+            <a:camera prst="orthographicFront" fov="0">
               <a:rot lat="0" lon="0" rev="0"/>
             </a:camera>
-            <a:lightRig rig="threePt" dir="t">
-              <a:rot lat="0" lon="0" rev="1200000"/>
+            <a:lightRig rig="flat" dir="t">
+              <a:rot lat="0" lon="0" rev="20040000"/>
             </a:lightRig>
           </a:scene3d>
-          <a:sp3d>
-            <a:bevelT w="63500" h="25400"/>
+          <a:sp3d contourW="12700" prstMaterial="dkEdge">
+            <a:bevelT w="25400" h="38100" prst="convex"/>
+            <a:contourClr>
+              <a:schemeClr val="phClr">
+                <a:satMod val="115000"/>
+              </a:schemeClr>
+            </a:contourClr>
           </a:sp3d>
         </a:effectStyle>
       </a:effectStyleLst>
@@ -3247,49 +5465,41 @@
         </a:solidFill>
         <a:gradFill rotWithShape="1">
           <a:gsLst>
+            <a:gs pos="100000">
+              <a:schemeClr val="phClr">
+                <a:tint val="80000"/>
+                <a:satMod val="250000"/>
+              </a:schemeClr>
+            </a:gs>
+            <a:gs pos="60000">
+              <a:schemeClr val="phClr">
+                <a:shade val="38000"/>
+                <a:satMod val="175000"/>
+              </a:schemeClr>
+            </a:gs>
             <a:gs pos="0">
               <a:schemeClr val="phClr">
-                <a:tint val="40000"/>
-                <a:satMod val="350000"/>
-              </a:schemeClr>
-            </a:gs>
-            <a:gs pos="40000">
-              <a:schemeClr val="phClr">
-                <a:tint val="45000"/>
-                <a:shade val="99000"/>
-                <a:satMod val="350000"/>
-              </a:schemeClr>
-            </a:gs>
-            <a:gs pos="100000">
-              <a:schemeClr val="phClr">
-                <a:shade val="20000"/>
-                <a:satMod val="255000"/>
+                <a:shade val="30000"/>
+                <a:satMod val="175000"/>
               </a:schemeClr>
             </a:gs>
           </a:gsLst>
-          <a:path path="circle">
-            <a:fillToRect l="50000" t="-80000" r="50000" b="180000"/>
-          </a:path>
+          <a:lin ang="5400000" scaled="0"/>
         </a:gradFill>
-        <a:gradFill rotWithShape="1">
-          <a:gsLst>
-            <a:gs pos="0">
+        <a:blipFill>
+          <a:blip xmlns:r="http://schemas.openxmlformats.org/officeDocument/2006/relationships" r:embed="rId1">
+            <a:duotone>
               <a:schemeClr val="phClr">
-                <a:tint val="80000"/>
-                <a:satMod val="300000"/>
+                <a:shade val="48000"/>
               </a:schemeClr>
-            </a:gs>
-            <a:gs pos="100000">
               <a:schemeClr val="phClr">
-                <a:shade val="30000"/>
-                <a:satMod val="200000"/>
+                <a:tint val="96000"/>
+                <a:satMod val="150000"/>
               </a:schemeClr>
-            </a:gs>
-          </a:gsLst>
-          <a:path path="circle">
-            <a:fillToRect l="50000" t="50000" r="50000" b="50000"/>
-          </a:path>
-        </a:gradFill>
+            </a:duotone>
+          </a:blip>
+          <a:tile tx="0" ty="0" sx="80000" sy="80000" flip="none" algn="tl"/>
+        </a:blipFill>
       </a:bgFillStyleLst>
     </a:fmtScheme>
   </a:themeElements>
